--- a/IOT.pptx
+++ b/IOT.pptx
@@ -5,8 +5,10 @@
     <p:sldMasterId id="2147483648" r:id="rId1"/>
   </p:sldMasterIdLst>
   <p:sldIdLst>
-    <p:sldId id="256" r:id="rId2"/>
-    <p:sldId id="258" r:id="rId3"/>
+    <p:sldId id="260" r:id="rId2"/>
+    <p:sldId id="261" r:id="rId3"/>
+    <p:sldId id="258" r:id="rId4"/>
+    <p:sldId id="259" r:id="rId5"/>
   </p:sldIdLst>
   <p:sldSz cx="12192000" cy="6858000"/>
   <p:notesSz cx="6858000" cy="9144000"/>
@@ -272,7 +274,7 @@
           <a:p>
             <a:fld id="{3ED40E5A-2233-42DE-8372-92D42E5A11D7}" type="datetimeFigureOut">
               <a:rPr lang="en-US" smtClean="0"/>
-              <a:t>1/25/2023</a:t>
+              <a:t>1/27/2023</a:t>
             </a:fld>
             <a:endParaRPr lang="en-US"/>
           </a:p>
@@ -470,7 +472,7 @@
           <a:p>
             <a:fld id="{3ED40E5A-2233-42DE-8372-92D42E5A11D7}" type="datetimeFigureOut">
               <a:rPr lang="en-US" smtClean="0"/>
-              <a:t>1/25/2023</a:t>
+              <a:t>1/27/2023</a:t>
             </a:fld>
             <a:endParaRPr lang="en-US"/>
           </a:p>
@@ -678,7 +680,7 @@
           <a:p>
             <a:fld id="{3ED40E5A-2233-42DE-8372-92D42E5A11D7}" type="datetimeFigureOut">
               <a:rPr lang="en-US" smtClean="0"/>
-              <a:t>1/25/2023</a:t>
+              <a:t>1/27/2023</a:t>
             </a:fld>
             <a:endParaRPr lang="en-US"/>
           </a:p>
@@ -876,7 +878,7 @@
           <a:p>
             <a:fld id="{3ED40E5A-2233-42DE-8372-92D42E5A11D7}" type="datetimeFigureOut">
               <a:rPr lang="en-US" smtClean="0"/>
-              <a:t>1/25/2023</a:t>
+              <a:t>1/27/2023</a:t>
             </a:fld>
             <a:endParaRPr lang="en-US"/>
           </a:p>
@@ -1151,7 +1153,7 @@
           <a:p>
             <a:fld id="{3ED40E5A-2233-42DE-8372-92D42E5A11D7}" type="datetimeFigureOut">
               <a:rPr lang="en-US" smtClean="0"/>
-              <a:t>1/25/2023</a:t>
+              <a:t>1/27/2023</a:t>
             </a:fld>
             <a:endParaRPr lang="en-US"/>
           </a:p>
@@ -1416,7 +1418,7 @@
           <a:p>
             <a:fld id="{3ED40E5A-2233-42DE-8372-92D42E5A11D7}" type="datetimeFigureOut">
               <a:rPr lang="en-US" smtClean="0"/>
-              <a:t>1/25/2023</a:t>
+              <a:t>1/27/2023</a:t>
             </a:fld>
             <a:endParaRPr lang="en-US"/>
           </a:p>
@@ -1828,7 +1830,7 @@
           <a:p>
             <a:fld id="{3ED40E5A-2233-42DE-8372-92D42E5A11D7}" type="datetimeFigureOut">
               <a:rPr lang="en-US" smtClean="0"/>
-              <a:t>1/25/2023</a:t>
+              <a:t>1/27/2023</a:t>
             </a:fld>
             <a:endParaRPr lang="en-US"/>
           </a:p>
@@ -1969,7 +1971,7 @@
           <a:p>
             <a:fld id="{3ED40E5A-2233-42DE-8372-92D42E5A11D7}" type="datetimeFigureOut">
               <a:rPr lang="en-US" smtClean="0"/>
-              <a:t>1/25/2023</a:t>
+              <a:t>1/27/2023</a:t>
             </a:fld>
             <a:endParaRPr lang="en-US"/>
           </a:p>
@@ -2082,7 +2084,7 @@
           <a:p>
             <a:fld id="{3ED40E5A-2233-42DE-8372-92D42E5A11D7}" type="datetimeFigureOut">
               <a:rPr lang="en-US" smtClean="0"/>
-              <a:t>1/25/2023</a:t>
+              <a:t>1/27/2023</a:t>
             </a:fld>
             <a:endParaRPr lang="en-US"/>
           </a:p>
@@ -2393,7 +2395,7 @@
           <a:p>
             <a:fld id="{3ED40E5A-2233-42DE-8372-92D42E5A11D7}" type="datetimeFigureOut">
               <a:rPr lang="en-US" smtClean="0"/>
-              <a:t>1/25/2023</a:t>
+              <a:t>1/27/2023</a:t>
             </a:fld>
             <a:endParaRPr lang="en-US"/>
           </a:p>
@@ -2681,7 +2683,7 @@
           <a:p>
             <a:fld id="{3ED40E5A-2233-42DE-8372-92D42E5A11D7}" type="datetimeFigureOut">
               <a:rPr lang="en-US" smtClean="0"/>
-              <a:t>1/25/2023</a:t>
+              <a:t>1/27/2023</a:t>
             </a:fld>
             <a:endParaRPr lang="en-US"/>
           </a:p>
@@ -2922,7 +2924,7 @@
           <a:p>
             <a:fld id="{3ED40E5A-2233-42DE-8372-92D42E5A11D7}" type="datetimeFigureOut">
               <a:rPr lang="en-US" smtClean="0"/>
-              <a:t>1/25/2023</a:t>
+              <a:t>1/27/2023</a:t>
             </a:fld>
             <a:endParaRPr lang="en-US"/>
           </a:p>
@@ -3353,13 +3355,18 @@
         </p:nvSpPr>
         <p:spPr>
           <a:xfrm>
-            <a:off x="10098294" y="1251284"/>
-            <a:ext cx="1875533" cy="5484078"/>
+            <a:off x="10090001" y="1270534"/>
+            <a:ext cx="1875533" cy="5399773"/>
           </a:xfrm>
           <a:prstGeom prst="rect">
             <a:avLst/>
           </a:prstGeom>
           <a:noFill/>
+          <a:ln>
+            <a:solidFill>
+              <a:schemeClr val="accent6"/>
+            </a:solidFill>
+          </a:ln>
         </p:spPr>
         <p:style>
           <a:lnRef idx="2">
@@ -3400,7 +3407,7 @@
         </p:nvSpPr>
         <p:spPr>
           <a:xfrm>
-            <a:off x="3720304" y="1251284"/>
+            <a:off x="3709199" y="1276246"/>
             <a:ext cx="6014981" cy="5399773"/>
           </a:xfrm>
           <a:prstGeom prst="rect">
@@ -3444,7 +3451,7 @@
         </p:nvSpPr>
         <p:spPr>
           <a:xfrm>
-            <a:off x="188811" y="1251284"/>
+            <a:off x="180478" y="1270534"/>
             <a:ext cx="3110734" cy="5399773"/>
           </a:xfrm>
           <a:prstGeom prst="rect">
@@ -3470,374 +3477,7 @@
           <a:lstStyle/>
           <a:p>
             <a:pPr algn="ctr"/>
-            <a:endParaRPr lang="en-US"/>
-          </a:p>
-        </p:txBody>
-      </p:sp>
-      <p:grpSp>
-        <p:nvGrpSpPr>
-          <p:cNvPr id="62" name="Group 61">
-            <a:extLst>
-              <a:ext uri="{FF2B5EF4-FFF2-40B4-BE49-F238E27FC236}">
-                <a16:creationId xmlns:a16="http://schemas.microsoft.com/office/drawing/2014/main" id="{CED35B9C-5F18-4CB1-B352-F24F07274A03}"/>
-              </a:ext>
-            </a:extLst>
-          </p:cNvPr>
-          <p:cNvGrpSpPr/>
-          <p:nvPr/>
-        </p:nvGrpSpPr>
-        <p:grpSpPr>
-          <a:xfrm>
-            <a:off x="3522182" y="2813106"/>
-            <a:ext cx="1447930" cy="1614310"/>
-            <a:chOff x="3718473" y="2786850"/>
-            <a:chExt cx="1447930" cy="1614310"/>
-          </a:xfrm>
-          <a:solidFill>
-            <a:schemeClr val="bg1"/>
-          </a:solidFill>
-        </p:grpSpPr>
-        <p:sp>
-          <p:nvSpPr>
-            <p:cNvPr id="22" name="Rectangle: Rounded Corners 21">
-              <a:extLst>
-                <a:ext uri="{FF2B5EF4-FFF2-40B4-BE49-F238E27FC236}">
-                  <a16:creationId xmlns:a16="http://schemas.microsoft.com/office/drawing/2014/main" id="{3ABF9A06-F5C4-4E9B-AEC9-A2C8B5FF51B0}"/>
-                </a:ext>
-              </a:extLst>
-            </p:cNvPr>
-            <p:cNvSpPr/>
-            <p:nvPr/>
-          </p:nvSpPr>
-          <p:spPr>
-            <a:xfrm>
-              <a:off x="3718473" y="2786850"/>
-              <a:ext cx="1440852" cy="1614310"/>
-            </a:xfrm>
-            <a:prstGeom prst="roundRect">
-              <a:avLst/>
-            </a:prstGeom>
-            <a:grpFill/>
-          </p:spPr>
-          <p:style>
-            <a:lnRef idx="2">
-              <a:schemeClr val="accent1">
-                <a:shade val="50000"/>
-              </a:schemeClr>
-            </a:lnRef>
-            <a:fillRef idx="1">
-              <a:schemeClr val="accent1"/>
-            </a:fillRef>
-            <a:effectRef idx="0">
-              <a:schemeClr val="accent1"/>
-            </a:effectRef>
-            <a:fontRef idx="minor">
-              <a:schemeClr val="lt1"/>
-            </a:fontRef>
-          </p:style>
-          <p:txBody>
-            <a:bodyPr rtlCol="0" anchor="ctr"/>
-            <a:lstStyle/>
-            <a:p>
-              <a:pPr algn="ctr"/>
-              <a:endParaRPr lang="en-US"/>
-            </a:p>
-          </p:txBody>
-        </p:sp>
-        <p:sp>
-          <p:nvSpPr>
-            <p:cNvPr id="27" name="TextBox 26">
-              <a:extLst>
-                <a:ext uri="{FF2B5EF4-FFF2-40B4-BE49-F238E27FC236}">
-                  <a16:creationId xmlns:a16="http://schemas.microsoft.com/office/drawing/2014/main" id="{54A67162-8FBA-4EF6-94B2-53178BBD0A76}"/>
-                </a:ext>
-              </a:extLst>
-            </p:cNvPr>
-            <p:cNvSpPr txBox="1"/>
-            <p:nvPr/>
-          </p:nvSpPr>
-          <p:spPr>
-            <a:xfrm>
-              <a:off x="3845492" y="3621282"/>
-              <a:ext cx="1320911" cy="307777"/>
-            </a:xfrm>
-            <a:prstGeom prst="rect">
-              <a:avLst/>
-            </a:prstGeom>
-            <a:grpFill/>
-          </p:spPr>
-          <p:txBody>
-            <a:bodyPr wrap="square" rtlCol="0">
-              <a:spAutoFit/>
-            </a:bodyPr>
-            <a:lstStyle/>
-            <a:p>
-              <a:r>
-                <a:rPr lang="en-US" sz="1400" dirty="0"/>
-                <a:t>Azure IoT Hub</a:t>
-              </a:r>
-            </a:p>
-          </p:txBody>
-        </p:sp>
-        <p:sp>
-          <p:nvSpPr>
-            <p:cNvPr id="28" name="TextBox 27">
-              <a:extLst>
-                <a:ext uri="{FF2B5EF4-FFF2-40B4-BE49-F238E27FC236}">
-                  <a16:creationId xmlns:a16="http://schemas.microsoft.com/office/drawing/2014/main" id="{8F80D605-D337-44D9-AE42-EEEBE6DCCB5E}"/>
-                </a:ext>
-              </a:extLst>
-            </p:cNvPr>
-            <p:cNvSpPr txBox="1"/>
-            <p:nvPr/>
-          </p:nvSpPr>
-          <p:spPr>
-            <a:xfrm>
-              <a:off x="3811717" y="3909052"/>
-              <a:ext cx="1295057" cy="307777"/>
-            </a:xfrm>
-            <a:prstGeom prst="rect">
-              <a:avLst/>
-            </a:prstGeom>
-            <a:grpFill/>
-          </p:spPr>
-          <p:txBody>
-            <a:bodyPr wrap="square" rtlCol="0">
-              <a:spAutoFit/>
-            </a:bodyPr>
-            <a:lstStyle/>
-            <a:p>
-              <a:r>
-                <a:rPr lang="en-US" sz="1400" dirty="0"/>
-                <a:t>Cloud Gateway</a:t>
-              </a:r>
-            </a:p>
-          </p:txBody>
-        </p:sp>
-        <p:pic>
-          <p:nvPicPr>
-            <p:cNvPr id="1032" name="Picture 8" descr="IoT Hub | Microsoft Azure Mono">
-              <a:extLst>
-                <a:ext uri="{FF2B5EF4-FFF2-40B4-BE49-F238E27FC236}">
-                  <a16:creationId xmlns:a16="http://schemas.microsoft.com/office/drawing/2014/main" id="{E7A27F51-E719-458E-8CB8-0151AF0A2D6E}"/>
-                </a:ext>
-              </a:extLst>
-            </p:cNvPr>
-            <p:cNvPicPr>
-              <a:picLocks noChangeAspect="1" noChangeArrowheads="1"/>
-            </p:cNvPicPr>
-            <p:nvPr/>
-          </p:nvPicPr>
-          <p:blipFill>
-            <a:blip r:embed="rId2">
-              <a:extLst>
-                <a:ext uri="{28A0092B-C50C-407E-A947-70E740481C1C}">
-                  <a14:useLocalDpi xmlns:a14="http://schemas.microsoft.com/office/drawing/2010/main" val="0"/>
-                </a:ext>
-              </a:extLst>
-            </a:blip>
-            <a:srcRect/>
-            <a:stretch>
-              <a:fillRect/>
-            </a:stretch>
-          </p:blipFill>
-          <p:spPr bwMode="auto">
-            <a:xfrm>
-              <a:off x="4125777" y="2866285"/>
-              <a:ext cx="614949" cy="623222"/>
-            </a:xfrm>
-            <a:prstGeom prst="rect">
-              <a:avLst/>
-            </a:prstGeom>
-            <a:grpFill/>
-          </p:spPr>
-        </p:pic>
-      </p:grpSp>
-      <p:sp>
-        <p:nvSpPr>
-          <p:cNvPr id="25" name="Rectangle 24">
-            <a:extLst>
-              <a:ext uri="{FF2B5EF4-FFF2-40B4-BE49-F238E27FC236}">
-                <a16:creationId xmlns:a16="http://schemas.microsoft.com/office/drawing/2014/main" id="{8FD8808D-F49F-4519-8F63-0AF851CA8237}"/>
-              </a:ext>
-            </a:extLst>
-          </p:cNvPr>
-          <p:cNvSpPr/>
-          <p:nvPr/>
-        </p:nvSpPr>
-        <p:spPr>
-          <a:xfrm>
-            <a:off x="5235632" y="5153364"/>
-            <a:ext cx="1684931" cy="402037"/>
-          </a:xfrm>
-          <a:prstGeom prst="rect">
-            <a:avLst/>
-          </a:prstGeom>
-        </p:spPr>
-        <p:style>
-          <a:lnRef idx="2">
-            <a:schemeClr val="accent6"/>
-          </a:lnRef>
-          <a:fillRef idx="1">
-            <a:schemeClr val="lt1"/>
-          </a:fillRef>
-          <a:effectRef idx="0">
-            <a:schemeClr val="accent6"/>
-          </a:effectRef>
-          <a:fontRef idx="minor">
-            <a:schemeClr val="dk1"/>
-          </a:fontRef>
-        </p:style>
-        <p:txBody>
-          <a:bodyPr rtlCol="0" anchor="ctr"/>
-          <a:lstStyle/>
-          <a:p>
-            <a:pPr algn="ctr"/>
-            <a:r>
-              <a:rPr lang="en-US" sz="1400" dirty="0"/>
-              <a:t>Telemetry Data </a:t>
-            </a:r>
-          </a:p>
-        </p:txBody>
-      </p:sp>
-      <p:sp>
-        <p:nvSpPr>
-          <p:cNvPr id="32" name="Rectangle 31">
-            <a:extLst>
-              <a:ext uri="{FF2B5EF4-FFF2-40B4-BE49-F238E27FC236}">
-                <a16:creationId xmlns:a16="http://schemas.microsoft.com/office/drawing/2014/main" id="{4D742E15-8F17-443B-A3DE-B79859AC2B13}"/>
-              </a:ext>
-            </a:extLst>
-          </p:cNvPr>
-          <p:cNvSpPr/>
-          <p:nvPr/>
-        </p:nvSpPr>
-        <p:spPr>
-          <a:xfrm>
-            <a:off x="5277860" y="1993336"/>
-            <a:ext cx="2351145" cy="402037"/>
-          </a:xfrm>
-          <a:prstGeom prst="rect">
-            <a:avLst/>
-          </a:prstGeom>
-        </p:spPr>
-        <p:style>
-          <a:lnRef idx="2">
-            <a:schemeClr val="accent6"/>
-          </a:lnRef>
-          <a:fillRef idx="1">
-            <a:schemeClr val="lt1"/>
-          </a:fillRef>
-          <a:effectRef idx="0">
-            <a:schemeClr val="accent6"/>
-          </a:effectRef>
-          <a:fontRef idx="minor">
-            <a:schemeClr val="dk1"/>
-          </a:fontRef>
-        </p:style>
-        <p:txBody>
-          <a:bodyPr rtlCol="0" anchor="ctr"/>
-          <a:lstStyle/>
-          <a:p>
-            <a:pPr algn="ctr"/>
-            <a:r>
-              <a:rPr lang="en-US" sz="1400" dirty="0"/>
-              <a:t>Device Config Update </a:t>
-            </a:r>
-          </a:p>
-        </p:txBody>
-      </p:sp>
-      <p:sp>
-        <p:nvSpPr>
-          <p:cNvPr id="33" name="Rectangle 32">
-            <a:extLst>
-              <a:ext uri="{FF2B5EF4-FFF2-40B4-BE49-F238E27FC236}">
-                <a16:creationId xmlns:a16="http://schemas.microsoft.com/office/drawing/2014/main" id="{F8A642B0-D9CC-4E10-A2BE-BD8733603A2B}"/>
-              </a:ext>
-            </a:extLst>
-          </p:cNvPr>
-          <p:cNvSpPr/>
-          <p:nvPr/>
-        </p:nvSpPr>
-        <p:spPr>
-          <a:xfrm>
-            <a:off x="5232131" y="2567461"/>
-            <a:ext cx="1771559" cy="402037"/>
-          </a:xfrm>
-          <a:prstGeom prst="rect">
-            <a:avLst/>
-          </a:prstGeom>
-        </p:spPr>
-        <p:style>
-          <a:lnRef idx="2">
-            <a:schemeClr val="accent6"/>
-          </a:lnRef>
-          <a:fillRef idx="1">
-            <a:schemeClr val="lt1"/>
-          </a:fillRef>
-          <a:effectRef idx="0">
-            <a:schemeClr val="accent6"/>
-          </a:effectRef>
-          <a:fontRef idx="minor">
-            <a:schemeClr val="dk1"/>
-          </a:fontRef>
-        </p:style>
-        <p:txBody>
-          <a:bodyPr rtlCol="0" anchor="ctr"/>
-          <a:lstStyle/>
-          <a:p>
-            <a:pPr algn="ctr"/>
-            <a:r>
-              <a:rPr lang="en-US" sz="1400" dirty="0"/>
-              <a:t>Remote Command</a:t>
-            </a:r>
-          </a:p>
-        </p:txBody>
-      </p:sp>
-      <p:sp>
-        <p:nvSpPr>
-          <p:cNvPr id="34" name="Rectangle 33">
-            <a:extLst>
-              <a:ext uri="{FF2B5EF4-FFF2-40B4-BE49-F238E27FC236}">
-                <a16:creationId xmlns:a16="http://schemas.microsoft.com/office/drawing/2014/main" id="{73D2D44A-AB22-4AA3-9570-A4DA86D61301}"/>
-              </a:ext>
-            </a:extLst>
-          </p:cNvPr>
-          <p:cNvSpPr/>
-          <p:nvPr/>
-        </p:nvSpPr>
-        <p:spPr>
-          <a:xfrm>
-            <a:off x="5235632" y="5723329"/>
-            <a:ext cx="1684931" cy="402037"/>
-          </a:xfrm>
-          <a:prstGeom prst="rect">
-            <a:avLst/>
-          </a:prstGeom>
-        </p:spPr>
-        <p:style>
-          <a:lnRef idx="2">
-            <a:schemeClr val="accent6"/>
-          </a:lnRef>
-          <a:fillRef idx="1">
-            <a:schemeClr val="lt1"/>
-          </a:fillRef>
-          <a:effectRef idx="0">
-            <a:schemeClr val="accent6"/>
-          </a:effectRef>
-          <a:fontRef idx="minor">
-            <a:schemeClr val="dk1"/>
-          </a:fontRef>
-        </p:style>
-        <p:txBody>
-          <a:bodyPr rtlCol="0" anchor="ctr"/>
-          <a:lstStyle/>
-          <a:p>
-            <a:pPr algn="ctr"/>
-            <a:r>
-              <a:rPr lang="en-US" sz="1400" dirty="0"/>
-              <a:t>Streamed data </a:t>
-            </a:r>
+            <a:endParaRPr lang="en-US" dirty="0"/>
           </a:p>
         </p:txBody>
       </p:sp>
@@ -3876,7 +3516,7 @@
             <p:nvPr/>
           </p:nvPicPr>
           <p:blipFill>
-            <a:blip r:embed="rId3">
+            <a:blip r:embed="rId2">
               <a:extLst>
                 <a:ext uri="{28A0092B-C50C-407E-A947-70E740481C1C}">
                   <a14:useLocalDpi xmlns:a14="http://schemas.microsoft.com/office/drawing/2010/main" val="0"/>
@@ -3947,110 +3587,6 @@
       </p:grpSp>
       <p:grpSp>
         <p:nvGrpSpPr>
-          <p:cNvPr id="4" name="Group 3">
-            <a:extLst>
-              <a:ext uri="{FF2B5EF4-FFF2-40B4-BE49-F238E27FC236}">
-                <a16:creationId xmlns:a16="http://schemas.microsoft.com/office/drawing/2014/main" id="{20ECC324-5148-4F82-8101-A776A464EBCA}"/>
-              </a:ext>
-            </a:extLst>
-          </p:cNvPr>
-          <p:cNvGrpSpPr/>
-          <p:nvPr/>
-        </p:nvGrpSpPr>
-        <p:grpSpPr>
-          <a:xfrm>
-            <a:off x="10348618" y="2888752"/>
-            <a:ext cx="1295111" cy="867576"/>
-            <a:chOff x="10348618" y="2888752"/>
-            <a:chExt cx="1295111" cy="867576"/>
-          </a:xfrm>
-        </p:grpSpPr>
-        <p:pic>
-          <p:nvPicPr>
-            <p:cNvPr id="1052" name="Picture 28" descr="Announcing Azure Mobile Apps v4.2.0 for .NET - Xamarin Blog">
-              <a:extLst>
-                <a:ext uri="{FF2B5EF4-FFF2-40B4-BE49-F238E27FC236}">
-                  <a16:creationId xmlns:a16="http://schemas.microsoft.com/office/drawing/2014/main" id="{1900B246-A3CB-4BBF-8933-CB00929BC437}"/>
-                </a:ext>
-              </a:extLst>
-            </p:cNvPr>
-            <p:cNvPicPr>
-              <a:picLocks noChangeAspect="1" noChangeArrowheads="1"/>
-            </p:cNvPicPr>
-            <p:nvPr/>
-          </p:nvPicPr>
-          <p:blipFill>
-            <a:blip r:embed="rId4">
-              <a:extLst>
-                <a:ext uri="{28A0092B-C50C-407E-A947-70E740481C1C}">
-                  <a14:useLocalDpi xmlns:a14="http://schemas.microsoft.com/office/drawing/2010/main" val="0"/>
-                </a:ext>
-              </a:extLst>
-            </a:blip>
-            <a:srcRect/>
-            <a:stretch>
-              <a:fillRect/>
-            </a:stretch>
-          </p:blipFill>
-          <p:spPr bwMode="auto">
-            <a:xfrm>
-              <a:off x="10507948" y="2888752"/>
-              <a:ext cx="962877" cy="505510"/>
-            </a:xfrm>
-            <a:prstGeom prst="rect">
-              <a:avLst/>
-            </a:prstGeom>
-            <a:noFill/>
-            <a:extLst>
-              <a:ext uri="{909E8E84-426E-40DD-AFC4-6F175D3DCCD1}">
-                <a14:hiddenFill xmlns:a14="http://schemas.microsoft.com/office/drawing/2010/main">
-                  <a:solidFill>
-                    <a:srgbClr val="FFFFFF"/>
-                  </a:solidFill>
-                </a14:hiddenFill>
-              </a:ext>
-            </a:extLst>
-          </p:spPr>
-        </p:pic>
-        <p:sp>
-          <p:nvSpPr>
-            <p:cNvPr id="52" name="TextBox 51">
-              <a:extLst>
-                <a:ext uri="{FF2B5EF4-FFF2-40B4-BE49-F238E27FC236}">
-                  <a16:creationId xmlns:a16="http://schemas.microsoft.com/office/drawing/2014/main" id="{8004EBBB-6117-4037-BC2F-0FA3418DCBB9}"/>
-                </a:ext>
-              </a:extLst>
-            </p:cNvPr>
-            <p:cNvSpPr txBox="1"/>
-            <p:nvPr/>
-          </p:nvSpPr>
-          <p:spPr>
-            <a:xfrm>
-              <a:off x="10348618" y="3448551"/>
-              <a:ext cx="1295111" cy="307777"/>
-            </a:xfrm>
-            <a:prstGeom prst="rect">
-              <a:avLst/>
-            </a:prstGeom>
-            <a:noFill/>
-          </p:spPr>
-          <p:txBody>
-            <a:bodyPr wrap="square" rtlCol="0">
-              <a:spAutoFit/>
-            </a:bodyPr>
-            <a:lstStyle/>
-            <a:p>
-              <a:pPr algn="ctr"/>
-              <a:r>
-                <a:rPr lang="en-US" sz="1400" dirty="0"/>
-                <a:t>Mobile App</a:t>
-              </a:r>
-            </a:p>
-          </p:txBody>
-        </p:sp>
-      </p:grpSp>
-      <p:grpSp>
-        <p:nvGrpSpPr>
           <p:cNvPr id="5" name="Group 4">
             <a:extLst>
               <a:ext uri="{FF2B5EF4-FFF2-40B4-BE49-F238E27FC236}">
@@ -4084,7 +3620,7 @@
             <p:nvPr/>
           </p:nvPicPr>
           <p:blipFill>
-            <a:blip r:embed="rId5">
+            <a:blip r:embed="rId3">
               <a:extLst>
                 <a:ext uri="{28A0092B-C50C-407E-A947-70E740481C1C}">
                   <a14:useLocalDpi xmlns:a14="http://schemas.microsoft.com/office/drawing/2010/main" val="0"/>
@@ -4195,7 +3731,7 @@
             <p:nvPr/>
           </p:nvPicPr>
           <p:blipFill>
-            <a:blip r:embed="rId6">
+            <a:blip r:embed="rId4">
               <a:extLst>
                 <a:ext uri="{28A0092B-C50C-407E-A947-70E740481C1C}">
                   <a14:useLocalDpi xmlns:a14="http://schemas.microsoft.com/office/drawing/2010/main" val="0"/>
@@ -4266,10 +3802,10 @@
       </p:grpSp>
       <p:grpSp>
         <p:nvGrpSpPr>
-          <p:cNvPr id="47" name="Group 46">
-            <a:extLst>
-              <a:ext uri="{FF2B5EF4-FFF2-40B4-BE49-F238E27FC236}">
-                <a16:creationId xmlns:a16="http://schemas.microsoft.com/office/drawing/2014/main" id="{CAE296F2-3771-42A3-B587-8F67C6C01F09}"/>
+          <p:cNvPr id="12" name="Group 11">
+            <a:extLst>
+              <a:ext uri="{FF2B5EF4-FFF2-40B4-BE49-F238E27FC236}">
+                <a16:creationId xmlns:a16="http://schemas.microsoft.com/office/drawing/2014/main" id="{34A70B49-CF2B-4F2C-A307-C2EB73F7A2F1}"/>
               </a:ext>
             </a:extLst>
           </p:cNvPr>
@@ -4278,10 +3814,10 @@
         </p:nvGrpSpPr>
         <p:grpSpPr>
           <a:xfrm>
-            <a:off x="5819232" y="3077303"/>
+            <a:off x="7968615" y="4366002"/>
             <a:ext cx="1440852" cy="1992097"/>
-            <a:chOff x="8016304" y="2001539"/>
-            <a:chExt cx="1771560" cy="2254041"/>
+            <a:chOff x="7968615" y="4366002"/>
+            <a:chExt cx="1440852" cy="1992097"/>
           </a:xfrm>
         </p:grpSpPr>
         <p:sp>
@@ -4298,8 +3834,8 @@
           </p:nvSpPr>
           <p:spPr>
             <a:xfrm>
-              <a:off x="8016304" y="2001540"/>
-              <a:ext cx="1771560" cy="2254040"/>
+              <a:off x="7968615" y="4366003"/>
+              <a:ext cx="1440852" cy="1992096"/>
             </a:xfrm>
             <a:prstGeom prst="rect">
               <a:avLst/>
@@ -4307,13 +3843,13 @@
           </p:spPr>
           <p:style>
             <a:lnRef idx="2">
-              <a:schemeClr val="accent6"/>
+              <a:schemeClr val="accent1"/>
             </a:lnRef>
             <a:fillRef idx="1">
               <a:schemeClr val="lt1"/>
             </a:fillRef>
             <a:effectRef idx="0">
-              <a:schemeClr val="accent6"/>
+              <a:schemeClr val="accent1"/>
             </a:effectRef>
             <a:fontRef idx="minor">
               <a:schemeClr val="dk1"/>
@@ -4343,7 +3879,7 @@
             <p:nvPr/>
           </p:nvPicPr>
           <p:blipFill>
-            <a:blip r:embed="rId7">
+            <a:blip r:embed="rId5">
               <a:extLst>
                 <a:ext uri="{28A0092B-C50C-407E-A947-70E740481C1C}">
                   <a14:useLocalDpi xmlns:a14="http://schemas.microsoft.com/office/drawing/2010/main" val="0"/>
@@ -4357,8 +3893,8 @@
           </p:blipFill>
           <p:spPr bwMode="auto">
             <a:xfrm>
-              <a:off x="8177531" y="2661512"/>
-              <a:ext cx="732750" cy="732750"/>
+              <a:off x="8099745" y="4949279"/>
+              <a:ext cx="595963" cy="647597"/>
             </a:xfrm>
             <a:prstGeom prst="rect">
               <a:avLst/>
@@ -4390,7 +3926,7 @@
             <p:nvPr/>
           </p:nvPicPr>
           <p:blipFill>
-            <a:blip r:embed="rId8">
+            <a:blip r:embed="rId6">
               <a:extLst>
                 <a:ext uri="{28A0092B-C50C-407E-A947-70E740481C1C}">
                   <a14:useLocalDpi xmlns:a14="http://schemas.microsoft.com/office/drawing/2010/main" val="0"/>
@@ -4404,8 +3940,8 @@
           </p:blipFill>
           <p:spPr bwMode="auto">
             <a:xfrm>
-              <a:off x="8171847" y="3463738"/>
-              <a:ext cx="702595" cy="702595"/>
+              <a:off x="8095122" y="5658278"/>
+              <a:ext cx="571437" cy="620946"/>
             </a:xfrm>
             <a:prstGeom prst="rect">
               <a:avLst/>
@@ -4437,7 +3973,7 @@
             <p:nvPr/>
           </p:nvPicPr>
           <p:blipFill>
-            <a:blip r:embed="rId9">
+            <a:blip r:embed="rId7">
               <a:extLst>
                 <a:ext uri="{28A0092B-C50C-407E-A947-70E740481C1C}">
                   <a14:useLocalDpi xmlns:a14="http://schemas.microsoft.com/office/drawing/2010/main" val="0"/>
@@ -4451,8 +3987,8 @@
           </p:blipFill>
           <p:spPr bwMode="auto">
             <a:xfrm>
-              <a:off x="8946628" y="3454113"/>
-              <a:ext cx="702595" cy="702595"/>
+              <a:off x="8725270" y="5649771"/>
+              <a:ext cx="571437" cy="620946"/>
             </a:xfrm>
             <a:prstGeom prst="rect">
               <a:avLst/>
@@ -4483,8 +4019,8 @@
           </p:nvSpPr>
           <p:spPr>
             <a:xfrm>
-              <a:off x="8090393" y="2001539"/>
-              <a:ext cx="1616017" cy="523220"/>
+              <a:off x="8028873" y="4366002"/>
+              <a:ext cx="1314345" cy="462416"/>
             </a:xfrm>
             <a:prstGeom prst="rect">
               <a:avLst/>
@@ -4506,12 +4042,116 @@
           </p:txBody>
         </p:sp>
       </p:grpSp>
+      <p:sp>
+        <p:nvSpPr>
+          <p:cNvPr id="64" name="Rectangle 63">
+            <a:extLst>
+              <a:ext uri="{FF2B5EF4-FFF2-40B4-BE49-F238E27FC236}">
+                <a16:creationId xmlns:a16="http://schemas.microsoft.com/office/drawing/2014/main" id="{E4842C06-1EB4-434A-9E15-CAD0CAE8649F}"/>
+              </a:ext>
+            </a:extLst>
+          </p:cNvPr>
+          <p:cNvSpPr/>
+          <p:nvPr/>
+        </p:nvSpPr>
+        <p:spPr>
+          <a:xfrm>
+            <a:off x="3702085" y="759689"/>
+            <a:ext cx="6022095" cy="389756"/>
+          </a:xfrm>
+          <a:prstGeom prst="rect">
+            <a:avLst/>
+          </a:prstGeom>
+          <a:ln>
+            <a:solidFill>
+              <a:srgbClr val="0070C0"/>
+            </a:solidFill>
+          </a:ln>
+        </p:spPr>
+        <p:style>
+          <a:lnRef idx="2">
+            <a:schemeClr val="accent6"/>
+          </a:lnRef>
+          <a:fillRef idx="1">
+            <a:schemeClr val="lt1"/>
+          </a:fillRef>
+          <a:effectRef idx="0">
+            <a:schemeClr val="accent6"/>
+          </a:effectRef>
+          <a:fontRef idx="minor">
+            <a:schemeClr val="dk1"/>
+          </a:fontRef>
+        </p:style>
+        <p:txBody>
+          <a:bodyPr rtlCol="0" anchor="ctr"/>
+          <a:lstStyle/>
+          <a:p>
+            <a:pPr algn="ctr"/>
+            <a:r>
+              <a:rPr lang="en-US" sz="1400" b="1" dirty="0"/>
+              <a:t>Azure Cloud</a:t>
+            </a:r>
+          </a:p>
+        </p:txBody>
+      </p:sp>
+      <p:pic>
+        <p:nvPicPr>
+          <p:cNvPr id="65" name="Picture 6" descr="Cloud Symbol png download - 512*512 - Free Transparent Microsoft Azure png  Download. - CleanPNG / KissPNG">
+            <a:extLst>
+              <a:ext uri="{FF2B5EF4-FFF2-40B4-BE49-F238E27FC236}">
+                <a16:creationId xmlns:a16="http://schemas.microsoft.com/office/drawing/2014/main" id="{DBDDDD18-F8A0-4BFD-AC9E-66C6AB2AFECE}"/>
+              </a:ext>
+            </a:extLst>
+          </p:cNvPr>
+          <p:cNvPicPr>
+            <a:picLocks noChangeAspect="1" noChangeArrowheads="1"/>
+          </p:cNvPicPr>
+          <p:nvPr/>
+        </p:nvPicPr>
+        <p:blipFill>
+          <a:blip r:embed="rId8">
+            <a:extLst>
+              <a:ext uri="{28A0092B-C50C-407E-A947-70E740481C1C}">
+                <a14:useLocalDpi xmlns:a14="http://schemas.microsoft.com/office/drawing/2010/main" val="0"/>
+              </a:ext>
+            </a:extLst>
+          </a:blip>
+          <a:srcRect/>
+          <a:stretch>
+            <a:fillRect/>
+          </a:stretch>
+        </p:blipFill>
+        <p:spPr bwMode="auto">
+          <a:xfrm>
+            <a:off x="3747955" y="805572"/>
+            <a:ext cx="606482" cy="297525"/>
+          </a:xfrm>
+          <a:prstGeom prst="rect">
+            <a:avLst/>
+          </a:prstGeom>
+          <a:noFill/>
+          <a:ln>
+            <a:solidFill>
+              <a:srgbClr val="0070C0"/>
+            </a:solidFill>
+          </a:ln>
+          <a:extLst>
+            <a:ext uri="{909E8E84-426E-40DD-AFC4-6F175D3DCCD1}">
+              <a14:hiddenFill xmlns:a14="http://schemas.microsoft.com/office/drawing/2010/main">
+                <a:solidFill>
+                  <a:srgbClr val="FFFFFF"/>
+                </a:solidFill>
+              </a14:hiddenFill>
+            </a:ext>
+          </a:extLst>
+        </p:spPr>
+      </p:pic>
       <p:grpSp>
         <p:nvGrpSpPr>
-          <p:cNvPr id="55" name="Group 54">
-            <a:extLst>
-              <a:ext uri="{FF2B5EF4-FFF2-40B4-BE49-F238E27FC236}">
-                <a16:creationId xmlns:a16="http://schemas.microsoft.com/office/drawing/2014/main" id="{559AE437-6D53-4A6E-AAA0-A380E2A80B89}"/>
+          <p:cNvPr id="54" name="Group 53">
+            <a:extLst>
+              <a:ext uri="{FF2B5EF4-FFF2-40B4-BE49-F238E27FC236}">
+                <a16:creationId xmlns:a16="http://schemas.microsoft.com/office/drawing/2014/main" id="{AC4FCB01-BD99-42D8-8FFA-8AF967B17B10}"/>
               </a:ext>
             </a:extLst>
           </p:cNvPr>
@@ -4520,122 +4160,7 @@
         </p:nvGrpSpPr>
         <p:grpSpPr>
           <a:xfrm>
-            <a:off x="3720304" y="774465"/>
-            <a:ext cx="6014981" cy="364594"/>
-            <a:chOff x="3691429" y="756236"/>
-            <a:chExt cx="6096435" cy="401053"/>
-          </a:xfrm>
-        </p:grpSpPr>
-        <p:sp>
-          <p:nvSpPr>
-            <p:cNvPr id="64" name="Rectangle 63">
-              <a:extLst>
-                <a:ext uri="{FF2B5EF4-FFF2-40B4-BE49-F238E27FC236}">
-                  <a16:creationId xmlns:a16="http://schemas.microsoft.com/office/drawing/2014/main" id="{E4842C06-1EB4-434A-9E15-CAD0CAE8649F}"/>
-                </a:ext>
-              </a:extLst>
-            </p:cNvPr>
-            <p:cNvSpPr/>
-            <p:nvPr/>
-          </p:nvSpPr>
-          <p:spPr>
-            <a:xfrm>
-              <a:off x="3691429" y="756236"/>
-              <a:ext cx="6096435" cy="401053"/>
-            </a:xfrm>
-            <a:prstGeom prst="rect">
-              <a:avLst/>
-            </a:prstGeom>
-          </p:spPr>
-          <p:style>
-            <a:lnRef idx="2">
-              <a:schemeClr val="accent6"/>
-            </a:lnRef>
-            <a:fillRef idx="1">
-              <a:schemeClr val="lt1"/>
-            </a:fillRef>
-            <a:effectRef idx="0">
-              <a:schemeClr val="accent6"/>
-            </a:effectRef>
-            <a:fontRef idx="minor">
-              <a:schemeClr val="dk1"/>
-            </a:fontRef>
-          </p:style>
-          <p:txBody>
-            <a:bodyPr rtlCol="0" anchor="ctr"/>
-            <a:lstStyle/>
-            <a:p>
-              <a:pPr algn="ctr"/>
-              <a:r>
-                <a:rPr lang="en-US" sz="1400" b="1" dirty="0"/>
-                <a:t>Azure Cloud</a:t>
-              </a:r>
-            </a:p>
-          </p:txBody>
-        </p:sp>
-        <p:pic>
-          <p:nvPicPr>
-            <p:cNvPr id="65" name="Picture 6" descr="Cloud Symbol png download - 512*512 - Free Transparent Microsoft Azure png  Download. - CleanPNG / KissPNG">
-              <a:extLst>
-                <a:ext uri="{FF2B5EF4-FFF2-40B4-BE49-F238E27FC236}">
-                  <a16:creationId xmlns:a16="http://schemas.microsoft.com/office/drawing/2014/main" id="{DBDDDD18-F8A0-4BFD-AC9E-66C6AB2AFECE}"/>
-                </a:ext>
-              </a:extLst>
-            </p:cNvPr>
-            <p:cNvPicPr>
-              <a:picLocks noChangeAspect="1" noChangeArrowheads="1"/>
-            </p:cNvPicPr>
-            <p:nvPr/>
-          </p:nvPicPr>
-          <p:blipFill>
-            <a:blip r:embed="rId10">
-              <a:extLst>
-                <a:ext uri="{28A0092B-C50C-407E-A947-70E740481C1C}">
-                  <a14:useLocalDpi xmlns:a14="http://schemas.microsoft.com/office/drawing/2010/main" val="0"/>
-                </a:ext>
-              </a:extLst>
-            </a:blip>
-            <a:srcRect/>
-            <a:stretch>
-              <a:fillRect/>
-            </a:stretch>
-          </p:blipFill>
-          <p:spPr bwMode="auto">
-            <a:xfrm>
-              <a:off x="3787742" y="779646"/>
-              <a:ext cx="614695" cy="350016"/>
-            </a:xfrm>
-            <a:prstGeom prst="rect">
-              <a:avLst/>
-            </a:prstGeom>
-            <a:noFill/>
-            <a:extLst>
-              <a:ext uri="{909E8E84-426E-40DD-AFC4-6F175D3DCCD1}">
-                <a14:hiddenFill xmlns:a14="http://schemas.microsoft.com/office/drawing/2010/main">
-                  <a:solidFill>
-                    <a:srgbClr val="FFFFFF"/>
-                  </a:solidFill>
-                </a14:hiddenFill>
-              </a:ext>
-            </a:extLst>
-          </p:spPr>
-        </p:pic>
-      </p:grpSp>
-      <p:grpSp>
-        <p:nvGrpSpPr>
-          <p:cNvPr id="54" name="Group 53">
-            <a:extLst>
-              <a:ext uri="{FF2B5EF4-FFF2-40B4-BE49-F238E27FC236}">
-                <a16:creationId xmlns:a16="http://schemas.microsoft.com/office/drawing/2014/main" id="{AC4FCB01-BD99-42D8-8FFA-8AF967B17B10}"/>
-              </a:ext>
-            </a:extLst>
-          </p:cNvPr>
-          <p:cNvGrpSpPr/>
-          <p:nvPr/>
-        </p:nvGrpSpPr>
-        <p:grpSpPr>
-          <a:xfrm>
-            <a:off x="179186" y="779646"/>
+            <a:off x="188811" y="758397"/>
             <a:ext cx="3131905" cy="369332"/>
             <a:chOff x="140685" y="779646"/>
             <a:chExt cx="3407344" cy="369332"/>
@@ -4664,13 +4189,13 @@
           </p:spPr>
           <p:style>
             <a:lnRef idx="2">
-              <a:schemeClr val="accent6"/>
+              <a:schemeClr val="accent2"/>
             </a:lnRef>
             <a:fillRef idx="1">
               <a:schemeClr val="lt1"/>
             </a:fillRef>
             <a:effectRef idx="0">
-              <a:schemeClr val="accent6"/>
+              <a:schemeClr val="accent2"/>
             </a:effectRef>
             <a:fontRef idx="minor">
               <a:schemeClr val="dk1"/>
@@ -4683,7 +4208,7 @@
               <a:pPr algn="ctr"/>
               <a:r>
                 <a:rPr lang="en-US" sz="1400" b="1" dirty="0"/>
-                <a:t>IoT Things Field</a:t>
+                <a:t>IoT Things</a:t>
               </a:r>
             </a:p>
           </p:txBody>
@@ -4703,7 +4228,7 @@
             <p:nvPr/>
           </p:nvPicPr>
           <p:blipFill>
-            <a:blip r:embed="rId11"/>
+            <a:blip r:embed="rId9"/>
             <a:stretch>
               <a:fillRect/>
             </a:stretch>
@@ -4717,14 +4242,28 @@
               <a:avLst/>
             </a:prstGeom>
           </p:spPr>
+          <p:style>
+            <a:lnRef idx="2">
+              <a:schemeClr val="accent2"/>
+            </a:lnRef>
+            <a:fillRef idx="1">
+              <a:schemeClr val="lt1"/>
+            </a:fillRef>
+            <a:effectRef idx="0">
+              <a:schemeClr val="accent2"/>
+            </a:effectRef>
+            <a:fontRef idx="minor">
+              <a:schemeClr val="dk1"/>
+            </a:fontRef>
+          </p:style>
         </p:pic>
       </p:grpSp>
       <p:grpSp>
         <p:nvGrpSpPr>
-          <p:cNvPr id="48" name="Group 47">
-            <a:extLst>
-              <a:ext uri="{FF2B5EF4-FFF2-40B4-BE49-F238E27FC236}">
-                <a16:creationId xmlns:a16="http://schemas.microsoft.com/office/drawing/2014/main" id="{89744AFC-1DB0-47AF-AC2A-DD5016B7E29D}"/>
+          <p:cNvPr id="11" name="Group 10">
+            <a:extLst>
+              <a:ext uri="{FF2B5EF4-FFF2-40B4-BE49-F238E27FC236}">
+                <a16:creationId xmlns:a16="http://schemas.microsoft.com/office/drawing/2014/main" id="{479A546B-0B34-4DF1-AC90-D52A4283787A}"/>
               </a:ext>
             </a:extLst>
           </p:cNvPr>
@@ -4733,357 +4272,10 @@
         </p:nvGrpSpPr>
         <p:grpSpPr>
           <a:xfrm>
-            <a:off x="365916" y="1953577"/>
-            <a:ext cx="1148239" cy="3703665"/>
-            <a:chOff x="317634" y="1742173"/>
-            <a:chExt cx="1148239" cy="3703665"/>
-          </a:xfrm>
-        </p:grpSpPr>
-        <p:pic>
-          <p:nvPicPr>
-            <p:cNvPr id="6" name="Picture 5">
-              <a:extLst>
-                <a:ext uri="{FF2B5EF4-FFF2-40B4-BE49-F238E27FC236}">
-                  <a16:creationId xmlns:a16="http://schemas.microsoft.com/office/drawing/2014/main" id="{AC2BB634-302C-4DC4-80F3-EA8D9BEF3E36}"/>
-                </a:ext>
-              </a:extLst>
-            </p:cNvPr>
-            <p:cNvPicPr>
-              <a:picLocks noChangeAspect="1"/>
-            </p:cNvPicPr>
-            <p:nvPr/>
-          </p:nvPicPr>
-          <p:blipFill>
-            <a:blip r:embed="rId12"/>
-            <a:stretch>
-              <a:fillRect/>
-            </a:stretch>
-          </p:blipFill>
-          <p:spPr>
-            <a:xfrm>
-              <a:off x="445855" y="3102428"/>
-              <a:ext cx="750359" cy="612859"/>
-            </a:xfrm>
-            <a:prstGeom prst="rect">
-              <a:avLst/>
-            </a:prstGeom>
-          </p:spPr>
-        </p:pic>
-        <p:sp>
-          <p:nvSpPr>
-            <p:cNvPr id="9" name="Rectangle: Rounded Corners 8">
-              <a:extLst>
-                <a:ext uri="{FF2B5EF4-FFF2-40B4-BE49-F238E27FC236}">
-                  <a16:creationId xmlns:a16="http://schemas.microsoft.com/office/drawing/2014/main" id="{431EC337-DF17-4C94-96DC-B58FE0356611}"/>
-                </a:ext>
-              </a:extLst>
-            </p:cNvPr>
-            <p:cNvSpPr/>
-            <p:nvPr/>
-          </p:nvSpPr>
-          <p:spPr>
-            <a:xfrm>
-              <a:off x="317634" y="1742173"/>
-              <a:ext cx="1118603" cy="3703665"/>
-            </a:xfrm>
-            <a:prstGeom prst="roundRect">
-              <a:avLst/>
-            </a:prstGeom>
-            <a:noFill/>
-          </p:spPr>
-          <p:style>
-            <a:lnRef idx="2">
-              <a:schemeClr val="accent1">
-                <a:shade val="50000"/>
-              </a:schemeClr>
-            </a:lnRef>
-            <a:fillRef idx="1">
-              <a:schemeClr val="accent1"/>
-            </a:fillRef>
-            <a:effectRef idx="0">
-              <a:schemeClr val="accent1"/>
-            </a:effectRef>
-            <a:fontRef idx="minor">
-              <a:schemeClr val="lt1"/>
-            </a:fontRef>
-          </p:style>
-          <p:txBody>
-            <a:bodyPr rtlCol="0" anchor="ctr"/>
-            <a:lstStyle/>
-            <a:p>
-              <a:pPr algn="ctr"/>
-              <a:endParaRPr lang="en-US"/>
-            </a:p>
-          </p:txBody>
-        </p:sp>
-        <p:sp>
-          <p:nvSpPr>
-            <p:cNvPr id="10" name="TextBox 9">
-              <a:extLst>
-                <a:ext uri="{FF2B5EF4-FFF2-40B4-BE49-F238E27FC236}">
-                  <a16:creationId xmlns:a16="http://schemas.microsoft.com/office/drawing/2014/main" id="{C014C76C-B764-4361-8024-03111DAC243F}"/>
-                </a:ext>
-              </a:extLst>
-            </p:cNvPr>
-            <p:cNvSpPr txBox="1"/>
-            <p:nvPr/>
-          </p:nvSpPr>
-          <p:spPr>
-            <a:xfrm>
-              <a:off x="475992" y="3764729"/>
-              <a:ext cx="788878" cy="307777"/>
-            </a:xfrm>
-            <a:prstGeom prst="rect">
-              <a:avLst/>
-            </a:prstGeom>
-            <a:noFill/>
-          </p:spPr>
-          <p:txBody>
-            <a:bodyPr wrap="square" rtlCol="0">
-              <a:spAutoFit/>
-            </a:bodyPr>
-            <a:lstStyle/>
-            <a:p>
-              <a:pPr algn="ctr"/>
-              <a:r>
-                <a:rPr lang="en-US" sz="1400" dirty="0"/>
-                <a:t>Devices</a:t>
-              </a:r>
-            </a:p>
-          </p:txBody>
-        </p:sp>
-        <p:pic>
-          <p:nvPicPr>
-            <p:cNvPr id="1058" name="Picture 34" descr="Moxa Gateways Optimize Data Transfer from ModBus Edge Devices to Azure and  AWS Cloud Platforms | Automation World">
-              <a:extLst>
-                <a:ext uri="{FF2B5EF4-FFF2-40B4-BE49-F238E27FC236}">
-                  <a16:creationId xmlns:a16="http://schemas.microsoft.com/office/drawing/2014/main" id="{2A2A1724-F7D8-4F1C-9E37-90578D891889}"/>
-                </a:ext>
-              </a:extLst>
-            </p:cNvPr>
-            <p:cNvPicPr>
-              <a:picLocks noChangeAspect="1" noChangeArrowheads="1"/>
-            </p:cNvPicPr>
-            <p:nvPr/>
-          </p:nvPicPr>
-          <p:blipFill>
-            <a:blip r:embed="rId13">
-              <a:extLst>
-                <a:ext uri="{28A0092B-C50C-407E-A947-70E740481C1C}">
-                  <a14:useLocalDpi xmlns:a14="http://schemas.microsoft.com/office/drawing/2010/main" val="0"/>
-                </a:ext>
-              </a:extLst>
-            </a:blip>
-            <a:srcRect/>
-            <a:stretch>
-              <a:fillRect/>
-            </a:stretch>
-          </p:blipFill>
-          <p:spPr bwMode="auto">
-            <a:xfrm>
-              <a:off x="534240" y="1896590"/>
-              <a:ext cx="592937" cy="704113"/>
-            </a:xfrm>
-            <a:prstGeom prst="rect">
-              <a:avLst/>
-            </a:prstGeom>
-            <a:noFill/>
-            <a:extLst>
-              <a:ext uri="{909E8E84-426E-40DD-AFC4-6F175D3DCCD1}">
-                <a14:hiddenFill xmlns:a14="http://schemas.microsoft.com/office/drawing/2010/main">
-                  <a:solidFill>
-                    <a:srgbClr val="FFFFFF"/>
-                  </a:solidFill>
-                </a14:hiddenFill>
-              </a:ext>
-            </a:extLst>
-          </p:spPr>
-        </p:pic>
-        <p:sp>
-          <p:nvSpPr>
-            <p:cNvPr id="68" name="TextBox 67">
-              <a:extLst>
-                <a:ext uri="{FF2B5EF4-FFF2-40B4-BE49-F238E27FC236}">
-                  <a16:creationId xmlns:a16="http://schemas.microsoft.com/office/drawing/2014/main" id="{33D537E5-80C7-40A4-BC6A-FB479D95EDDF}"/>
-                </a:ext>
-              </a:extLst>
-            </p:cNvPr>
-            <p:cNvSpPr txBox="1"/>
-            <p:nvPr/>
-          </p:nvSpPr>
-          <p:spPr>
-            <a:xfrm>
-              <a:off x="376146" y="2551533"/>
-              <a:ext cx="1064652" cy="523220"/>
-            </a:xfrm>
-            <a:prstGeom prst="rect">
-              <a:avLst/>
-            </a:prstGeom>
-            <a:noFill/>
-          </p:spPr>
-          <p:txBody>
-            <a:bodyPr wrap="square" rtlCol="0">
-              <a:spAutoFit/>
-            </a:bodyPr>
-            <a:lstStyle/>
-            <a:p>
-              <a:pPr algn="ctr"/>
-              <a:r>
-                <a:rPr lang="en-US" sz="1400" dirty="0"/>
-                <a:t>Industrial Devices</a:t>
-              </a:r>
-            </a:p>
-          </p:txBody>
-        </p:sp>
-        <p:pic>
-          <p:nvPicPr>
-            <p:cNvPr id="1064" name="Picture 40" descr="Azure Virtual Machine Png, Transparent Png - kindpng">
-              <a:extLst>
-                <a:ext uri="{FF2B5EF4-FFF2-40B4-BE49-F238E27FC236}">
-                  <a16:creationId xmlns:a16="http://schemas.microsoft.com/office/drawing/2014/main" id="{CA072CB3-2D12-4677-8B42-785D33FFE8A3}"/>
-                </a:ext>
-              </a:extLst>
-            </p:cNvPr>
-            <p:cNvPicPr>
-              <a:picLocks noChangeAspect="1" noChangeArrowheads="1"/>
-            </p:cNvPicPr>
-            <p:nvPr/>
-          </p:nvPicPr>
-          <p:blipFill>
-            <a:blip r:embed="rId14">
-              <a:extLst>
-                <a:ext uri="{28A0092B-C50C-407E-A947-70E740481C1C}">
-                  <a14:useLocalDpi xmlns:a14="http://schemas.microsoft.com/office/drawing/2010/main" val="0"/>
-                </a:ext>
-              </a:extLst>
-            </a:blip>
-            <a:srcRect/>
-            <a:stretch>
-              <a:fillRect/>
-            </a:stretch>
-          </p:blipFill>
-          <p:spPr bwMode="auto">
-            <a:xfrm>
-              <a:off x="499718" y="4121948"/>
-              <a:ext cx="705374" cy="662808"/>
-            </a:xfrm>
-            <a:prstGeom prst="rect">
-              <a:avLst/>
-            </a:prstGeom>
-            <a:noFill/>
-            <a:extLst>
-              <a:ext uri="{909E8E84-426E-40DD-AFC4-6F175D3DCCD1}">
-                <a14:hiddenFill xmlns:a14="http://schemas.microsoft.com/office/drawing/2010/main">
-                  <a:solidFill>
-                    <a:srgbClr val="FFFFFF"/>
-                  </a:solidFill>
-                </a14:hiddenFill>
-              </a:ext>
-            </a:extLst>
-          </p:spPr>
-        </p:pic>
-        <p:sp>
-          <p:nvSpPr>
-            <p:cNvPr id="71" name="TextBox 70">
-              <a:extLst>
-                <a:ext uri="{FF2B5EF4-FFF2-40B4-BE49-F238E27FC236}">
-                  <a16:creationId xmlns:a16="http://schemas.microsoft.com/office/drawing/2014/main" id="{B2297504-64C2-423E-AAF2-1A4BDC3793D5}"/>
-                </a:ext>
-              </a:extLst>
-            </p:cNvPr>
-            <p:cNvSpPr txBox="1"/>
-            <p:nvPr/>
-          </p:nvSpPr>
-          <p:spPr>
-            <a:xfrm>
-              <a:off x="347270" y="4810083"/>
-              <a:ext cx="1118603" cy="523220"/>
-            </a:xfrm>
-            <a:prstGeom prst="rect">
-              <a:avLst/>
-            </a:prstGeom>
-            <a:noFill/>
-          </p:spPr>
-          <p:txBody>
-            <a:bodyPr wrap="square" rtlCol="0">
-              <a:spAutoFit/>
-            </a:bodyPr>
-            <a:lstStyle/>
-            <a:p>
-              <a:pPr algn="ctr"/>
-              <a:r>
-                <a:rPr lang="en-US" sz="1400" dirty="0"/>
-                <a:t>Other Applications</a:t>
-              </a:r>
-            </a:p>
-          </p:txBody>
-        </p:sp>
-      </p:grpSp>
-      <p:pic>
-        <p:nvPicPr>
-          <p:cNvPr id="1068" name="Picture 44" descr="Royal azure blue settings 5 icon - Free royal azure blue settings icons">
-            <a:extLst>
-              <a:ext uri="{FF2B5EF4-FFF2-40B4-BE49-F238E27FC236}">
-                <a16:creationId xmlns:a16="http://schemas.microsoft.com/office/drawing/2014/main" id="{7026AD97-D85E-4B3E-B995-CC769E2612C1}"/>
-              </a:ext>
-            </a:extLst>
-          </p:cNvPr>
-          <p:cNvPicPr>
-            <a:picLocks noChangeAspect="1" noChangeArrowheads="1"/>
-          </p:cNvPicPr>
-          <p:nvPr/>
-        </p:nvPicPr>
-        <p:blipFill>
-          <a:blip r:embed="rId15">
-            <a:extLst>
-              <a:ext uri="{28A0092B-C50C-407E-A947-70E740481C1C}">
-                <a14:useLocalDpi xmlns:a14="http://schemas.microsoft.com/office/drawing/2010/main" val="0"/>
-              </a:ext>
-            </a:extLst>
-          </a:blip>
-          <a:srcRect/>
-          <a:stretch>
-            <a:fillRect/>
-          </a:stretch>
-        </p:blipFill>
-        <p:spPr bwMode="auto">
-          <a:xfrm>
-            <a:off x="4914280" y="2033679"/>
-            <a:ext cx="321352" cy="321352"/>
-          </a:xfrm>
-          <a:prstGeom prst="rect">
-            <a:avLst/>
-          </a:prstGeom>
-          <a:noFill/>
-          <a:extLst>
-            <a:ext uri="{909E8E84-426E-40DD-AFC4-6F175D3DCCD1}">
-              <a14:hiddenFill xmlns:a14="http://schemas.microsoft.com/office/drawing/2010/main">
-                <a:solidFill>
-                  <a:srgbClr val="FFFFFF"/>
-                </a:solidFill>
-              </a14:hiddenFill>
-            </a:ext>
-          </a:extLst>
-        </p:spPr>
-      </p:pic>
-      <p:grpSp>
-        <p:nvGrpSpPr>
-          <p:cNvPr id="46" name="Group 45">
-            <a:extLst>
-              <a:ext uri="{FF2B5EF4-FFF2-40B4-BE49-F238E27FC236}">
-                <a16:creationId xmlns:a16="http://schemas.microsoft.com/office/drawing/2014/main" id="{47923564-49B3-465B-9732-EAF54044B10A}"/>
-              </a:ext>
-            </a:extLst>
-          </p:cNvPr>
-          <p:cNvGrpSpPr/>
-          <p:nvPr/>
-        </p:nvGrpSpPr>
-        <p:grpSpPr>
-          <a:xfrm>
-            <a:off x="8149445" y="5402777"/>
-            <a:ext cx="1348647" cy="1128503"/>
-            <a:chOff x="7769124" y="5357425"/>
-            <a:chExt cx="1329319" cy="1201586"/>
+            <a:off x="5621268" y="5429426"/>
+            <a:ext cx="1348647" cy="1160326"/>
+            <a:chOff x="5698268" y="5429426"/>
+            <a:chExt cx="1348647" cy="1160326"/>
           </a:xfrm>
         </p:grpSpPr>
         <p:sp>
@@ -5100,8 +4292,8 @@
           </p:nvSpPr>
           <p:spPr>
             <a:xfrm>
-              <a:off x="7769124" y="5357425"/>
-              <a:ext cx="1329317" cy="1197379"/>
+              <a:off x="5698268" y="5429426"/>
+              <a:ext cx="1348645" cy="1124552"/>
             </a:xfrm>
             <a:prstGeom prst="rect">
               <a:avLst/>
@@ -5109,13 +4301,13 @@
           </p:spPr>
           <p:style>
             <a:lnRef idx="2">
-              <a:schemeClr val="accent6"/>
+              <a:schemeClr val="accent1"/>
             </a:lnRef>
             <a:fillRef idx="1">
               <a:schemeClr val="lt1"/>
             </a:fillRef>
             <a:effectRef idx="0">
-              <a:schemeClr val="accent6"/>
+              <a:schemeClr val="accent1"/>
             </a:effectRef>
             <a:fontRef idx="minor">
               <a:schemeClr val="dk1"/>
@@ -5145,7 +4337,7 @@
             <p:nvPr/>
           </p:nvPicPr>
           <p:blipFill>
-            <a:blip r:embed="rId16">
+            <a:blip r:embed="rId10">
               <a:extLst>
                 <a:ext uri="{28A0092B-C50C-407E-A947-70E740481C1C}">
                   <a14:useLocalDpi xmlns:a14="http://schemas.microsoft.com/office/drawing/2010/main" val="0"/>
@@ -5159,8 +4351,8 @@
           </p:blipFill>
           <p:spPr bwMode="auto">
             <a:xfrm>
-              <a:off x="8129702" y="5445838"/>
-              <a:ext cx="522896" cy="594159"/>
+              <a:off x="6064089" y="5512462"/>
+              <a:ext cx="530499" cy="558021"/>
             </a:xfrm>
             <a:prstGeom prst="rect">
               <a:avLst/>
@@ -5191,8 +4383,8 @@
           </p:nvSpPr>
           <p:spPr>
             <a:xfrm>
-              <a:off x="7803332" y="6035791"/>
-              <a:ext cx="1295111" cy="523220"/>
+              <a:off x="5732973" y="6066532"/>
+              <a:ext cx="1313942" cy="523220"/>
             </a:xfrm>
             <a:prstGeom prst="rect">
               <a:avLst/>
@@ -5215,7 +4407,7 @@
               <a:pPr algn="ctr"/>
               <a:r>
                 <a:rPr lang="en-US" sz="1400" dirty="0"/>
-                <a:t>Streamed data</a:t>
+                <a:t>Streamed Data</a:t>
               </a:r>
             </a:p>
           </p:txBody>
@@ -5235,7 +4427,7 @@
         </p:nvGrpSpPr>
         <p:grpSpPr>
           <a:xfrm>
-            <a:off x="2015053" y="2964915"/>
+            <a:off x="2015053" y="3051542"/>
             <a:ext cx="980265" cy="1275048"/>
             <a:chOff x="1808611" y="2944256"/>
             <a:chExt cx="980265" cy="1275048"/>
@@ -5256,7 +4448,7 @@
             <p:nvPr/>
           </p:nvPicPr>
           <p:blipFill>
-            <a:blip r:embed="rId17">
+            <a:blip r:embed="rId11">
               <a:extLst>
                 <a:ext uri="{28A0092B-C50C-407E-A947-70E740481C1C}">
                   <a14:useLocalDpi xmlns:a14="http://schemas.microsoft.com/office/drawing/2010/main" val="0"/>
@@ -5322,7 +4514,7 @@
               <a:pPr algn="ctr"/>
               <a:r>
                 <a:rPr lang="en-US" sz="1400" dirty="0"/>
-                <a:t>IoT Edge </a:t>
+                <a:t>IoT EDGE </a:t>
               </a:r>
             </a:p>
             <a:p>
@@ -5379,7 +4571,7 @@
             <a:pPr algn="ctr"/>
             <a:r>
               <a:rPr lang="en-US" b="1" dirty="0"/>
-              <a:t>Internet of things High Level Diagram </a:t>
+              <a:t>Internet of Things High Level Diagram (Azure)</a:t>
             </a:r>
           </a:p>
         </p:txBody>
@@ -5398,7 +4590,7 @@
         </p:nvGrpSpPr>
         <p:grpSpPr>
           <a:xfrm>
-            <a:off x="8149933" y="1667805"/>
+            <a:off x="8110620" y="2209072"/>
             <a:ext cx="1149454" cy="1149105"/>
             <a:chOff x="5867363" y="3394263"/>
             <a:chExt cx="1150476" cy="1149106"/>
@@ -5419,7 +4611,7 @@
             <p:nvPr/>
           </p:nvPicPr>
           <p:blipFill>
-            <a:blip r:embed="rId18">
+            <a:blip r:embed="rId12">
               <a:extLst>
                 <a:ext uri="{28A0092B-C50C-407E-A947-70E740481C1C}">
                   <a14:useLocalDpi xmlns:a14="http://schemas.microsoft.com/office/drawing/2010/main" val="0"/>
@@ -5548,7 +4740,7 @@
         </p:nvGrpSpPr>
         <p:grpSpPr>
           <a:xfrm>
-            <a:off x="10098294" y="774464"/>
+            <a:off x="10090001" y="767406"/>
             <a:ext cx="1875533" cy="400341"/>
             <a:chOff x="10098294" y="774464"/>
             <a:chExt cx="1875533" cy="400341"/>
@@ -5616,7 +4808,7 @@
             <p:nvPr/>
           </p:nvPicPr>
           <p:blipFill>
-            <a:blip r:embed="rId3">
+            <a:blip r:embed="rId2">
               <a:extLst>
                 <a:ext uri="{28A0092B-C50C-407E-A947-70E740481C1C}">
                   <a14:useLocalDpi xmlns:a14="http://schemas.microsoft.com/office/drawing/2010/main" val="0"/>
@@ -5649,10 +4841,1748 @@
           </p:spPr>
         </p:pic>
       </p:grpSp>
+      <p:sp>
+        <p:nvSpPr>
+          <p:cNvPr id="13" name="Rectangle: Rounded Corners 12">
+            <a:extLst>
+              <a:ext uri="{FF2B5EF4-FFF2-40B4-BE49-F238E27FC236}">
+                <a16:creationId xmlns:a16="http://schemas.microsoft.com/office/drawing/2014/main" id="{F2B4DE24-A8AF-4048-B6C5-CF72D56B8F9A}"/>
+              </a:ext>
+            </a:extLst>
+          </p:cNvPr>
+          <p:cNvSpPr/>
+          <p:nvPr/>
+        </p:nvSpPr>
+        <p:spPr>
+          <a:xfrm>
+            <a:off x="4421812" y="1737279"/>
+            <a:ext cx="3165629" cy="3471130"/>
+          </a:xfrm>
+          <a:prstGeom prst="roundRect">
+            <a:avLst/>
+          </a:prstGeom>
+          <a:solidFill>
+            <a:schemeClr val="bg1"/>
+          </a:solidFill>
+        </p:spPr>
+        <p:style>
+          <a:lnRef idx="2">
+            <a:schemeClr val="accent1">
+              <a:shade val="50000"/>
+            </a:schemeClr>
+          </a:lnRef>
+          <a:fillRef idx="1">
+            <a:schemeClr val="accent1"/>
+          </a:fillRef>
+          <a:effectRef idx="0">
+            <a:schemeClr val="accent1"/>
+          </a:effectRef>
+          <a:fontRef idx="minor">
+            <a:schemeClr val="lt1"/>
+          </a:fontRef>
+        </p:style>
+        <p:txBody>
+          <a:bodyPr rtlCol="0" anchor="ctr"/>
+          <a:lstStyle/>
+          <a:p>
+            <a:pPr algn="ctr"/>
+            <a:endParaRPr lang="en-US"/>
+          </a:p>
+        </p:txBody>
+      </p:sp>
+      <p:pic>
+        <p:nvPicPr>
+          <p:cNvPr id="1032" name="Picture 8" descr="IoT Hub | Microsoft Azure Mono">
+            <a:extLst>
+              <a:ext uri="{FF2B5EF4-FFF2-40B4-BE49-F238E27FC236}">
+                <a16:creationId xmlns:a16="http://schemas.microsoft.com/office/drawing/2014/main" id="{E7A27F51-E719-458E-8CB8-0151AF0A2D6E}"/>
+              </a:ext>
+            </a:extLst>
+          </p:cNvPr>
+          <p:cNvPicPr>
+            <a:picLocks noChangeAspect="1" noChangeArrowheads="1"/>
+          </p:cNvPicPr>
+          <p:nvPr/>
+        </p:nvPicPr>
+        <p:blipFill>
+          <a:blip r:embed="rId13">
+            <a:extLst>
+              <a:ext uri="{28A0092B-C50C-407E-A947-70E740481C1C}">
+                <a14:useLocalDpi xmlns:a14="http://schemas.microsoft.com/office/drawing/2010/main" val="0"/>
+              </a:ext>
+            </a:extLst>
+          </a:blip>
+          <a:srcRect/>
+          <a:stretch>
+            <a:fillRect/>
+          </a:stretch>
+        </p:blipFill>
+        <p:spPr bwMode="auto">
+          <a:xfrm>
+            <a:off x="4642590" y="1933080"/>
+            <a:ext cx="429851" cy="435634"/>
+          </a:xfrm>
+          <a:prstGeom prst="rect">
+            <a:avLst/>
+          </a:prstGeom>
+          <a:solidFill>
+            <a:schemeClr val="bg1"/>
+          </a:solidFill>
+        </p:spPr>
+      </p:pic>
+      <p:sp>
+        <p:nvSpPr>
+          <p:cNvPr id="15" name="TextBox 14">
+            <a:extLst>
+              <a:ext uri="{FF2B5EF4-FFF2-40B4-BE49-F238E27FC236}">
+                <a16:creationId xmlns:a16="http://schemas.microsoft.com/office/drawing/2014/main" id="{D3C180E5-F143-40C1-92AA-C6657474B736}"/>
+              </a:ext>
+            </a:extLst>
+          </p:cNvPr>
+          <p:cNvSpPr txBox="1"/>
+          <p:nvPr/>
+        </p:nvSpPr>
+        <p:spPr>
+          <a:xfrm>
+            <a:off x="4659095" y="2790742"/>
+            <a:ext cx="822109" cy="830997"/>
+          </a:xfrm>
+          <a:prstGeom prst="rect">
+            <a:avLst/>
+          </a:prstGeom>
+          <a:noFill/>
+        </p:spPr>
+        <p:txBody>
+          <a:bodyPr wrap="square" rtlCol="0">
+            <a:spAutoFit/>
+          </a:bodyPr>
+          <a:lstStyle/>
+          <a:p>
+            <a:r>
+              <a:rPr lang="en-US" sz="1600" dirty="0"/>
+              <a:t>IoT EDGE</a:t>
+            </a:r>
+          </a:p>
+          <a:p>
+            <a:r>
+              <a:rPr lang="en-US" sz="1600" dirty="0"/>
+              <a:t>HUB</a:t>
+            </a:r>
+          </a:p>
+        </p:txBody>
+      </p:sp>
+      <p:sp>
+        <p:nvSpPr>
+          <p:cNvPr id="22" name="Rectangle: Rounded Corners 21">
+            <a:extLst>
+              <a:ext uri="{FF2B5EF4-FFF2-40B4-BE49-F238E27FC236}">
+                <a16:creationId xmlns:a16="http://schemas.microsoft.com/office/drawing/2014/main" id="{3ABF9A06-F5C4-4E9B-AEC9-A2C8B5FF51B0}"/>
+              </a:ext>
+            </a:extLst>
+          </p:cNvPr>
+          <p:cNvSpPr/>
+          <p:nvPr/>
+        </p:nvSpPr>
+        <p:spPr>
+          <a:xfrm>
+            <a:off x="3561375" y="2639697"/>
+            <a:ext cx="971418" cy="1614310"/>
+          </a:xfrm>
+          <a:prstGeom prst="roundRect">
+            <a:avLst/>
+          </a:prstGeom>
+          <a:solidFill>
+            <a:schemeClr val="bg1"/>
+          </a:solidFill>
+        </p:spPr>
+        <p:style>
+          <a:lnRef idx="2">
+            <a:schemeClr val="accent1">
+              <a:shade val="50000"/>
+            </a:schemeClr>
+          </a:lnRef>
+          <a:fillRef idx="1">
+            <a:schemeClr val="accent1"/>
+          </a:fillRef>
+          <a:effectRef idx="0">
+            <a:schemeClr val="accent1"/>
+          </a:effectRef>
+          <a:fontRef idx="minor">
+            <a:schemeClr val="lt1"/>
+          </a:fontRef>
+        </p:style>
+        <p:txBody>
+          <a:bodyPr rtlCol="0" anchor="ctr"/>
+          <a:lstStyle/>
+          <a:p>
+            <a:pPr algn="ctr"/>
+            <a:endParaRPr lang="en-US"/>
+          </a:p>
+        </p:txBody>
+      </p:sp>
+      <p:sp>
+        <p:nvSpPr>
+          <p:cNvPr id="28" name="TextBox 27">
+            <a:extLst>
+              <a:ext uri="{FF2B5EF4-FFF2-40B4-BE49-F238E27FC236}">
+                <a16:creationId xmlns:a16="http://schemas.microsoft.com/office/drawing/2014/main" id="{8F80D605-D337-44D9-AE42-EEEBE6DCCB5E}"/>
+              </a:ext>
+            </a:extLst>
+          </p:cNvPr>
+          <p:cNvSpPr txBox="1"/>
+          <p:nvPr/>
+        </p:nvSpPr>
+        <p:spPr>
+          <a:xfrm>
+            <a:off x="3682709" y="3470103"/>
+            <a:ext cx="818009" cy="523220"/>
+          </a:xfrm>
+          <a:prstGeom prst="rect">
+            <a:avLst/>
+          </a:prstGeom>
+          <a:solidFill>
+            <a:schemeClr val="bg1"/>
+          </a:solidFill>
+        </p:spPr>
+        <p:txBody>
+          <a:bodyPr wrap="square" rtlCol="0">
+            <a:spAutoFit/>
+          </a:bodyPr>
+          <a:lstStyle/>
+          <a:p>
+            <a:pPr algn="ctr"/>
+            <a:r>
+              <a:rPr lang="en-US" sz="1400" dirty="0"/>
+              <a:t>Cloud Gateway</a:t>
+            </a:r>
+          </a:p>
+        </p:txBody>
+      </p:sp>
+      <p:pic>
+        <p:nvPicPr>
+          <p:cNvPr id="70" name="Picture 8" descr="IoT Hub | Microsoft Azure Mono">
+            <a:extLst>
+              <a:ext uri="{FF2B5EF4-FFF2-40B4-BE49-F238E27FC236}">
+                <a16:creationId xmlns:a16="http://schemas.microsoft.com/office/drawing/2014/main" id="{F412168B-A0D7-467F-A6E3-E29F37FEE238}"/>
+              </a:ext>
+            </a:extLst>
+          </p:cNvPr>
+          <p:cNvPicPr>
+            <a:picLocks noChangeAspect="1" noChangeArrowheads="1"/>
+          </p:cNvPicPr>
+          <p:nvPr/>
+        </p:nvPicPr>
+        <p:blipFill>
+          <a:blip r:embed="rId13">
+            <a:extLst>
+              <a:ext uri="{28A0092B-C50C-407E-A947-70E740481C1C}">
+                <a14:useLocalDpi xmlns:a14="http://schemas.microsoft.com/office/drawing/2010/main" val="0"/>
+              </a:ext>
+            </a:extLst>
+          </a:blip>
+          <a:srcRect/>
+          <a:stretch>
+            <a:fillRect/>
+          </a:stretch>
+        </p:blipFill>
+        <p:spPr bwMode="auto">
+          <a:xfrm>
+            <a:off x="3879146" y="3103284"/>
+            <a:ext cx="308801" cy="312955"/>
+          </a:xfrm>
+          <a:prstGeom prst="rect">
+            <a:avLst/>
+          </a:prstGeom>
+          <a:solidFill>
+            <a:schemeClr val="bg1"/>
+          </a:solidFill>
+        </p:spPr>
+      </p:pic>
+      <p:cxnSp>
+        <p:nvCxnSpPr>
+          <p:cNvPr id="17" name="Connector: Elbow 16">
+            <a:extLst>
+              <a:ext uri="{FF2B5EF4-FFF2-40B4-BE49-F238E27FC236}">
+                <a16:creationId xmlns:a16="http://schemas.microsoft.com/office/drawing/2014/main" id="{ABC940FC-A8D4-4650-8DCD-33674FFB1219}"/>
+              </a:ext>
+            </a:extLst>
+          </p:cNvPr>
+          <p:cNvCxnSpPr>
+            <a:cxnSpLocks/>
+            <a:stCxn id="34" idx="2"/>
+            <a:endCxn id="35" idx="0"/>
+          </p:cNvCxnSpPr>
+          <p:nvPr/>
+        </p:nvCxnSpPr>
+        <p:spPr>
+          <a:xfrm rot="5400000">
+            <a:off x="6036109" y="5169780"/>
+            <a:ext cx="519129" cy="163"/>
+          </a:xfrm>
+          <a:prstGeom prst="bentConnector3">
+            <a:avLst>
+              <a:gd name="adj1" fmla="val 50000"/>
+            </a:avLst>
+          </a:prstGeom>
+          <a:ln>
+            <a:tailEnd type="triangle"/>
+          </a:ln>
+        </p:spPr>
+        <p:style>
+          <a:lnRef idx="1">
+            <a:schemeClr val="accent1"/>
+          </a:lnRef>
+          <a:fillRef idx="0">
+            <a:schemeClr val="accent1"/>
+          </a:fillRef>
+          <a:effectRef idx="0">
+            <a:schemeClr val="accent1"/>
+          </a:effectRef>
+          <a:fontRef idx="minor">
+            <a:schemeClr val="tx1"/>
+          </a:fontRef>
+        </p:style>
+      </p:cxnSp>
+      <p:cxnSp>
+        <p:nvCxnSpPr>
+          <p:cNvPr id="21" name="Connector: Elbow 20">
+            <a:extLst>
+              <a:ext uri="{FF2B5EF4-FFF2-40B4-BE49-F238E27FC236}">
+                <a16:creationId xmlns:a16="http://schemas.microsoft.com/office/drawing/2014/main" id="{5C5FD57A-A06C-4587-BDBE-FDB11BF37869}"/>
+              </a:ext>
+            </a:extLst>
+          </p:cNvPr>
+          <p:cNvCxnSpPr>
+            <a:stCxn id="35" idx="3"/>
+            <a:endCxn id="26" idx="1"/>
+          </p:cNvCxnSpPr>
+          <p:nvPr/>
+        </p:nvCxnSpPr>
+        <p:spPr>
+          <a:xfrm flipV="1">
+            <a:off x="6969913" y="5362051"/>
+            <a:ext cx="998702" cy="629651"/>
+          </a:xfrm>
+          <a:prstGeom prst="bentConnector3">
+            <a:avLst/>
+          </a:prstGeom>
+          <a:ln>
+            <a:tailEnd type="triangle"/>
+          </a:ln>
+        </p:spPr>
+        <p:style>
+          <a:lnRef idx="1">
+            <a:schemeClr val="accent1"/>
+          </a:lnRef>
+          <a:fillRef idx="0">
+            <a:schemeClr val="accent1"/>
+          </a:fillRef>
+          <a:effectRef idx="0">
+            <a:schemeClr val="accent1"/>
+          </a:effectRef>
+          <a:fontRef idx="minor">
+            <a:schemeClr val="tx1"/>
+          </a:fontRef>
+        </p:style>
+      </p:cxnSp>
+      <p:cxnSp>
+        <p:nvCxnSpPr>
+          <p:cNvPr id="24" name="Connector: Elbow 23">
+            <a:extLst>
+              <a:ext uri="{FF2B5EF4-FFF2-40B4-BE49-F238E27FC236}">
+                <a16:creationId xmlns:a16="http://schemas.microsoft.com/office/drawing/2014/main" id="{D46DEC91-1593-4050-BBBA-4470FC3D9205}"/>
+              </a:ext>
+            </a:extLst>
+          </p:cNvPr>
+          <p:cNvCxnSpPr>
+            <a:cxnSpLocks/>
+            <a:stCxn id="63" idx="2"/>
+            <a:endCxn id="42" idx="0"/>
+          </p:cNvCxnSpPr>
+          <p:nvPr/>
+        </p:nvCxnSpPr>
+        <p:spPr>
+          <a:xfrm rot="16200000" flipH="1">
+            <a:off x="8181784" y="3861739"/>
+            <a:ext cx="1007825" cy="699"/>
+          </a:xfrm>
+          <a:prstGeom prst="bentConnector3">
+            <a:avLst/>
+          </a:prstGeom>
+          <a:ln>
+            <a:headEnd type="triangle"/>
+            <a:tailEnd type="triangle"/>
+          </a:ln>
+        </p:spPr>
+        <p:style>
+          <a:lnRef idx="1">
+            <a:schemeClr val="accent1"/>
+          </a:lnRef>
+          <a:fillRef idx="0">
+            <a:schemeClr val="accent1"/>
+          </a:fillRef>
+          <a:effectRef idx="0">
+            <a:schemeClr val="accent1"/>
+          </a:effectRef>
+          <a:fontRef idx="minor">
+            <a:schemeClr val="tx1"/>
+          </a:fontRef>
+        </p:style>
+      </p:cxnSp>
+      <p:cxnSp>
+        <p:nvCxnSpPr>
+          <p:cNvPr id="36" name="Connector: Elbow 35">
+            <a:extLst>
+              <a:ext uri="{FF2B5EF4-FFF2-40B4-BE49-F238E27FC236}">
+                <a16:creationId xmlns:a16="http://schemas.microsoft.com/office/drawing/2014/main" id="{A2DB4718-4B88-4C02-8BF8-ED56C6654D85}"/>
+              </a:ext>
+            </a:extLst>
+          </p:cNvPr>
+          <p:cNvCxnSpPr>
+            <a:stCxn id="63" idx="3"/>
+          </p:cNvCxnSpPr>
+          <p:nvPr/>
+        </p:nvCxnSpPr>
+        <p:spPr>
+          <a:xfrm flipV="1">
+            <a:off x="9260074" y="2783624"/>
+            <a:ext cx="838220" cy="1"/>
+          </a:xfrm>
+          <a:prstGeom prst="bentConnector3">
+            <a:avLst/>
+          </a:prstGeom>
+          <a:ln>
+            <a:headEnd type="triangle"/>
+            <a:tailEnd type="triangle"/>
+          </a:ln>
+        </p:spPr>
+        <p:style>
+          <a:lnRef idx="1">
+            <a:schemeClr val="accent1"/>
+          </a:lnRef>
+          <a:fillRef idx="0">
+            <a:schemeClr val="accent1"/>
+          </a:fillRef>
+          <a:effectRef idx="0">
+            <a:schemeClr val="accent1"/>
+          </a:effectRef>
+          <a:fontRef idx="minor">
+            <a:schemeClr val="tx1"/>
+          </a:fontRef>
+        </p:style>
+      </p:cxnSp>
+      <p:cxnSp>
+        <p:nvCxnSpPr>
+          <p:cNvPr id="38" name="Connector: Elbow 37">
+            <a:extLst>
+              <a:ext uri="{FF2B5EF4-FFF2-40B4-BE49-F238E27FC236}">
+                <a16:creationId xmlns:a16="http://schemas.microsoft.com/office/drawing/2014/main" id="{8B6F1950-78EC-45DF-B81E-FCA5E0124721}"/>
+              </a:ext>
+            </a:extLst>
+          </p:cNvPr>
+          <p:cNvCxnSpPr>
+            <a:stCxn id="1026" idx="3"/>
+            <a:endCxn id="22" idx="1"/>
+          </p:cNvCxnSpPr>
+          <p:nvPr/>
+        </p:nvCxnSpPr>
+        <p:spPr>
+          <a:xfrm>
+            <a:off x="2988240" y="3444177"/>
+            <a:ext cx="573135" cy="2675"/>
+          </a:xfrm>
+          <a:prstGeom prst="bentConnector3">
+            <a:avLst/>
+          </a:prstGeom>
+          <a:ln>
+            <a:headEnd type="triangle"/>
+            <a:tailEnd type="triangle"/>
+          </a:ln>
+        </p:spPr>
+        <p:style>
+          <a:lnRef idx="1">
+            <a:schemeClr val="accent1"/>
+          </a:lnRef>
+          <a:fillRef idx="0">
+            <a:schemeClr val="accent1"/>
+          </a:fillRef>
+          <a:effectRef idx="0">
+            <a:schemeClr val="accent1"/>
+          </a:effectRef>
+          <a:fontRef idx="minor">
+            <a:schemeClr val="tx1"/>
+          </a:fontRef>
+        </p:style>
+      </p:cxnSp>
+      <p:cxnSp>
+        <p:nvCxnSpPr>
+          <p:cNvPr id="44" name="Connector: Elbow 43">
+            <a:extLst>
+              <a:ext uri="{FF2B5EF4-FFF2-40B4-BE49-F238E27FC236}">
+                <a16:creationId xmlns:a16="http://schemas.microsoft.com/office/drawing/2014/main" id="{F5A71811-BCBB-43D8-9FF5-AF1DA1835CA5}"/>
+              </a:ext>
+            </a:extLst>
+          </p:cNvPr>
+          <p:cNvCxnSpPr>
+            <a:cxnSpLocks/>
+            <a:stCxn id="9" idx="3"/>
+            <a:endCxn id="1026" idx="1"/>
+          </p:cNvCxnSpPr>
+          <p:nvPr/>
+        </p:nvCxnSpPr>
+        <p:spPr>
+          <a:xfrm flipV="1">
+            <a:off x="1484519" y="3444177"/>
+            <a:ext cx="530534" cy="429816"/>
+          </a:xfrm>
+          <a:prstGeom prst="bentConnector3">
+            <a:avLst/>
+          </a:prstGeom>
+          <a:ln>
+            <a:headEnd type="triangle"/>
+            <a:tailEnd type="triangle"/>
+          </a:ln>
+        </p:spPr>
+        <p:style>
+          <a:lnRef idx="1">
+            <a:schemeClr val="accent1"/>
+          </a:lnRef>
+          <a:fillRef idx="0">
+            <a:schemeClr val="accent1"/>
+          </a:fillRef>
+          <a:effectRef idx="0">
+            <a:schemeClr val="accent1"/>
+          </a:effectRef>
+          <a:fontRef idx="minor">
+            <a:schemeClr val="tx1"/>
+          </a:fontRef>
+        </p:style>
+      </p:cxnSp>
+      <p:grpSp>
+        <p:nvGrpSpPr>
+          <p:cNvPr id="96" name="Group 95">
+            <a:extLst>
+              <a:ext uri="{FF2B5EF4-FFF2-40B4-BE49-F238E27FC236}">
+                <a16:creationId xmlns:a16="http://schemas.microsoft.com/office/drawing/2014/main" id="{85196924-C483-4D72-ABD5-CA8CF48D1ABC}"/>
+              </a:ext>
+            </a:extLst>
+          </p:cNvPr>
+          <p:cNvGrpSpPr/>
+          <p:nvPr/>
+        </p:nvGrpSpPr>
+        <p:grpSpPr>
+          <a:xfrm>
+            <a:off x="5253196" y="3851108"/>
+            <a:ext cx="2085877" cy="1210042"/>
+            <a:chOff x="5406036" y="3851108"/>
+            <a:chExt cx="1933037" cy="1210042"/>
+          </a:xfrm>
+        </p:grpSpPr>
+        <p:sp>
+          <p:nvSpPr>
+            <p:cNvPr id="78" name="Rectangle: Rounded Corners 77">
+              <a:extLst>
+                <a:ext uri="{FF2B5EF4-FFF2-40B4-BE49-F238E27FC236}">
+                  <a16:creationId xmlns:a16="http://schemas.microsoft.com/office/drawing/2014/main" id="{E47A9098-FB0F-4FB6-8549-0D6138756390}"/>
+                </a:ext>
+              </a:extLst>
+            </p:cNvPr>
+            <p:cNvSpPr/>
+            <p:nvPr/>
+          </p:nvSpPr>
+          <p:spPr>
+            <a:xfrm>
+              <a:off x="5406036" y="3851108"/>
+              <a:ext cx="1933037" cy="1210042"/>
+            </a:xfrm>
+            <a:prstGeom prst="roundRect">
+              <a:avLst/>
+            </a:prstGeom>
+            <a:solidFill>
+              <a:schemeClr val="bg1"/>
+            </a:solidFill>
+          </p:spPr>
+          <p:style>
+            <a:lnRef idx="2">
+              <a:schemeClr val="accent1">
+                <a:shade val="50000"/>
+              </a:schemeClr>
+            </a:lnRef>
+            <a:fillRef idx="1">
+              <a:schemeClr val="accent1"/>
+            </a:fillRef>
+            <a:effectRef idx="0">
+              <a:schemeClr val="accent1"/>
+            </a:effectRef>
+            <a:fontRef idx="minor">
+              <a:schemeClr val="lt1"/>
+            </a:fontRef>
+          </p:style>
+          <p:txBody>
+            <a:bodyPr rtlCol="0" anchor="ctr"/>
+            <a:lstStyle/>
+            <a:p>
+              <a:pPr algn="ctr"/>
+              <a:endParaRPr lang="en-US"/>
+            </a:p>
+          </p:txBody>
+        </p:sp>
+        <p:sp>
+          <p:nvSpPr>
+            <p:cNvPr id="25" name="Rectangle 24">
+              <a:extLst>
+                <a:ext uri="{FF2B5EF4-FFF2-40B4-BE49-F238E27FC236}">
+                  <a16:creationId xmlns:a16="http://schemas.microsoft.com/office/drawing/2014/main" id="{8FD8808D-F49F-4519-8F63-0AF851CA8237}"/>
+                </a:ext>
+              </a:extLst>
+            </p:cNvPr>
+            <p:cNvSpPr/>
+            <p:nvPr/>
+          </p:nvSpPr>
+          <p:spPr>
+            <a:xfrm>
+              <a:off x="5601576" y="3955371"/>
+              <a:ext cx="1524770" cy="402037"/>
+            </a:xfrm>
+            <a:prstGeom prst="rect">
+              <a:avLst/>
+            </a:prstGeom>
+          </p:spPr>
+          <p:style>
+            <a:lnRef idx="2">
+              <a:schemeClr val="accent6"/>
+            </a:lnRef>
+            <a:fillRef idx="1">
+              <a:schemeClr val="lt1"/>
+            </a:fillRef>
+            <a:effectRef idx="0">
+              <a:schemeClr val="accent6"/>
+            </a:effectRef>
+            <a:fontRef idx="minor">
+              <a:schemeClr val="dk1"/>
+            </a:fontRef>
+          </p:style>
+          <p:txBody>
+            <a:bodyPr rtlCol="0" anchor="ctr"/>
+            <a:lstStyle/>
+            <a:p>
+              <a:pPr algn="ctr"/>
+              <a:r>
+                <a:rPr lang="en-US" sz="1200" dirty="0"/>
+                <a:t>Telemetry Data </a:t>
+              </a:r>
+            </a:p>
+          </p:txBody>
+        </p:sp>
+        <p:sp>
+          <p:nvSpPr>
+            <p:cNvPr id="34" name="Rectangle 33">
+              <a:extLst>
+                <a:ext uri="{FF2B5EF4-FFF2-40B4-BE49-F238E27FC236}">
+                  <a16:creationId xmlns:a16="http://schemas.microsoft.com/office/drawing/2014/main" id="{73D2D44A-AB22-4AA3-9570-A4DA86D61301}"/>
+                </a:ext>
+              </a:extLst>
+            </p:cNvPr>
+            <p:cNvSpPr/>
+            <p:nvPr/>
+          </p:nvSpPr>
+          <p:spPr>
+            <a:xfrm>
+              <a:off x="5609817" y="4508260"/>
+              <a:ext cx="1524770" cy="402037"/>
+            </a:xfrm>
+            <a:prstGeom prst="rect">
+              <a:avLst/>
+            </a:prstGeom>
+          </p:spPr>
+          <p:style>
+            <a:lnRef idx="2">
+              <a:schemeClr val="accent6"/>
+            </a:lnRef>
+            <a:fillRef idx="1">
+              <a:schemeClr val="lt1"/>
+            </a:fillRef>
+            <a:effectRef idx="0">
+              <a:schemeClr val="accent6"/>
+            </a:effectRef>
+            <a:fontRef idx="minor">
+              <a:schemeClr val="dk1"/>
+            </a:fontRef>
+          </p:style>
+          <p:txBody>
+            <a:bodyPr rtlCol="0" anchor="ctr"/>
+            <a:lstStyle/>
+            <a:p>
+              <a:pPr algn="ctr"/>
+              <a:r>
+                <a:rPr lang="en-US" sz="1200" dirty="0"/>
+                <a:t>Streamed Data </a:t>
+              </a:r>
+            </a:p>
+            <a:p>
+              <a:pPr algn="ctr"/>
+              <a:r>
+                <a:rPr lang="en-US" sz="1200" dirty="0"/>
+                <a:t>Image, Video</a:t>
+              </a:r>
+            </a:p>
+          </p:txBody>
+        </p:sp>
+      </p:grpSp>
+      <p:cxnSp>
+        <p:nvCxnSpPr>
+          <p:cNvPr id="102" name="Connector: Elbow 101">
+            <a:extLst>
+              <a:ext uri="{FF2B5EF4-FFF2-40B4-BE49-F238E27FC236}">
+                <a16:creationId xmlns:a16="http://schemas.microsoft.com/office/drawing/2014/main" id="{2DC4E0DD-65F6-487E-AF2D-1B66CD659736}"/>
+              </a:ext>
+            </a:extLst>
+          </p:cNvPr>
+          <p:cNvCxnSpPr>
+            <a:cxnSpLocks/>
+            <a:stCxn id="86" idx="3"/>
+            <a:endCxn id="63" idx="1"/>
+          </p:cNvCxnSpPr>
+          <p:nvPr/>
+        </p:nvCxnSpPr>
+        <p:spPr>
+          <a:xfrm>
+            <a:off x="7339752" y="2778800"/>
+            <a:ext cx="770868" cy="4825"/>
+          </a:xfrm>
+          <a:prstGeom prst="bentConnector3">
+            <a:avLst>
+              <a:gd name="adj1" fmla="val 50000"/>
+            </a:avLst>
+          </a:prstGeom>
+          <a:ln>
+            <a:headEnd type="triangle"/>
+            <a:tailEnd type="triangle"/>
+          </a:ln>
+        </p:spPr>
+        <p:style>
+          <a:lnRef idx="1">
+            <a:schemeClr val="accent1"/>
+          </a:lnRef>
+          <a:fillRef idx="0">
+            <a:schemeClr val="accent1"/>
+          </a:fillRef>
+          <a:effectRef idx="0">
+            <a:schemeClr val="accent1"/>
+          </a:effectRef>
+          <a:fontRef idx="minor">
+            <a:schemeClr val="tx1"/>
+          </a:fontRef>
+        </p:style>
+      </p:cxnSp>
+      <p:grpSp>
+        <p:nvGrpSpPr>
+          <p:cNvPr id="27" name="Group 26">
+            <a:extLst>
+              <a:ext uri="{FF2B5EF4-FFF2-40B4-BE49-F238E27FC236}">
+                <a16:creationId xmlns:a16="http://schemas.microsoft.com/office/drawing/2014/main" id="{6199B429-95DB-4627-84D4-92C8ED0E714F}"/>
+              </a:ext>
+            </a:extLst>
+          </p:cNvPr>
+          <p:cNvGrpSpPr/>
+          <p:nvPr/>
+        </p:nvGrpSpPr>
+        <p:grpSpPr>
+          <a:xfrm>
+            <a:off x="5253875" y="1910668"/>
+            <a:ext cx="2085877" cy="1736263"/>
+            <a:chOff x="5253875" y="1910668"/>
+            <a:chExt cx="2085877" cy="1736263"/>
+          </a:xfrm>
+        </p:grpSpPr>
+        <p:sp>
+          <p:nvSpPr>
+            <p:cNvPr id="86" name="Rectangle: Rounded Corners 85">
+              <a:extLst>
+                <a:ext uri="{FF2B5EF4-FFF2-40B4-BE49-F238E27FC236}">
+                  <a16:creationId xmlns:a16="http://schemas.microsoft.com/office/drawing/2014/main" id="{94403B4D-96D3-4D1D-B9AA-B0B08033E150}"/>
+                </a:ext>
+              </a:extLst>
+            </p:cNvPr>
+            <p:cNvSpPr/>
+            <p:nvPr/>
+          </p:nvSpPr>
+          <p:spPr>
+            <a:xfrm>
+              <a:off x="5253875" y="1910668"/>
+              <a:ext cx="2085877" cy="1736263"/>
+            </a:xfrm>
+            <a:prstGeom prst="roundRect">
+              <a:avLst/>
+            </a:prstGeom>
+            <a:noFill/>
+          </p:spPr>
+          <p:style>
+            <a:lnRef idx="2">
+              <a:schemeClr val="accent1">
+                <a:shade val="50000"/>
+              </a:schemeClr>
+            </a:lnRef>
+            <a:fillRef idx="1">
+              <a:schemeClr val="accent1"/>
+            </a:fillRef>
+            <a:effectRef idx="0">
+              <a:schemeClr val="accent1"/>
+            </a:effectRef>
+            <a:fontRef idx="minor">
+              <a:schemeClr val="lt1"/>
+            </a:fontRef>
+          </p:style>
+          <p:txBody>
+            <a:bodyPr rtlCol="0" anchor="ctr"/>
+            <a:lstStyle/>
+            <a:p>
+              <a:pPr algn="ctr"/>
+              <a:endParaRPr lang="en-US"/>
+            </a:p>
+          </p:txBody>
+        </p:sp>
+        <p:grpSp>
+          <p:nvGrpSpPr>
+            <p:cNvPr id="19" name="Group 18">
+              <a:extLst>
+                <a:ext uri="{FF2B5EF4-FFF2-40B4-BE49-F238E27FC236}">
+                  <a16:creationId xmlns:a16="http://schemas.microsoft.com/office/drawing/2014/main" id="{68A54BCC-074D-4946-9707-95A26611080F}"/>
+                </a:ext>
+              </a:extLst>
+            </p:cNvPr>
+            <p:cNvGrpSpPr/>
+            <p:nvPr/>
+          </p:nvGrpSpPr>
+          <p:grpSpPr>
+            <a:xfrm>
+              <a:off x="5472512" y="2561853"/>
+              <a:ext cx="1669145" cy="392185"/>
+              <a:chOff x="5472512" y="2542603"/>
+              <a:chExt cx="1669145" cy="392185"/>
+            </a:xfrm>
+          </p:grpSpPr>
+          <p:sp>
+            <p:nvSpPr>
+              <p:cNvPr id="32" name="Rectangle 31">
+                <a:extLst>
+                  <a:ext uri="{FF2B5EF4-FFF2-40B4-BE49-F238E27FC236}">
+                    <a16:creationId xmlns:a16="http://schemas.microsoft.com/office/drawing/2014/main" id="{4D742E15-8F17-443B-A3DE-B79859AC2B13}"/>
+                  </a:ext>
+                </a:extLst>
+              </p:cNvPr>
+              <p:cNvSpPr/>
+              <p:nvPr/>
+            </p:nvSpPr>
+            <p:spPr>
+              <a:xfrm>
+                <a:off x="5472512" y="2542603"/>
+                <a:ext cx="1669145" cy="392185"/>
+              </a:xfrm>
+              <a:prstGeom prst="rect">
+                <a:avLst/>
+              </a:prstGeom>
+            </p:spPr>
+            <p:style>
+              <a:lnRef idx="2">
+                <a:schemeClr val="accent6"/>
+              </a:lnRef>
+              <a:fillRef idx="1">
+                <a:schemeClr val="lt1"/>
+              </a:fillRef>
+              <a:effectRef idx="0">
+                <a:schemeClr val="accent6"/>
+              </a:effectRef>
+              <a:fontRef idx="minor">
+                <a:schemeClr val="dk1"/>
+              </a:fontRef>
+            </p:style>
+            <p:txBody>
+              <a:bodyPr rtlCol="0" anchor="ctr"/>
+              <a:lstStyle/>
+              <a:p>
+                <a:pPr algn="r"/>
+                <a:r>
+                  <a:rPr lang="en-US" sz="1200" dirty="0"/>
+                  <a:t>Device Config</a:t>
+                </a:r>
+              </a:p>
+            </p:txBody>
+          </p:sp>
+          <p:pic>
+            <p:nvPicPr>
+              <p:cNvPr id="1068" name="Picture 44" descr="Royal azure blue settings 5 icon - Free royal azure blue settings icons">
+                <a:extLst>
+                  <a:ext uri="{FF2B5EF4-FFF2-40B4-BE49-F238E27FC236}">
+                    <a16:creationId xmlns:a16="http://schemas.microsoft.com/office/drawing/2014/main" id="{7026AD97-D85E-4B3E-B995-CC769E2612C1}"/>
+                  </a:ext>
+                </a:extLst>
+              </p:cNvPr>
+              <p:cNvPicPr>
+                <a:picLocks noChangeAspect="1" noChangeArrowheads="1"/>
+              </p:cNvPicPr>
+              <p:nvPr/>
+            </p:nvPicPr>
+            <p:blipFill>
+              <a:blip r:embed="rId14">
+                <a:extLst>
+                  <a:ext uri="{28A0092B-C50C-407E-A947-70E740481C1C}">
+                    <a14:useLocalDpi xmlns:a14="http://schemas.microsoft.com/office/drawing/2010/main" val="0"/>
+                  </a:ext>
+                </a:extLst>
+              </a:blip>
+              <a:srcRect/>
+              <a:stretch>
+                <a:fillRect/>
+              </a:stretch>
+            </p:blipFill>
+            <p:spPr bwMode="auto">
+              <a:xfrm>
+                <a:off x="5529470" y="2562280"/>
+                <a:ext cx="355451" cy="321352"/>
+              </a:xfrm>
+              <a:prstGeom prst="rect">
+                <a:avLst/>
+              </a:prstGeom>
+              <a:noFill/>
+              <a:extLst>
+                <a:ext uri="{909E8E84-426E-40DD-AFC4-6F175D3DCCD1}">
+                  <a14:hiddenFill xmlns:a14="http://schemas.microsoft.com/office/drawing/2010/main">
+                    <a:solidFill>
+                      <a:srgbClr val="FFFFFF"/>
+                    </a:solidFill>
+                  </a14:hiddenFill>
+                </a:ext>
+              </a:extLst>
+            </p:spPr>
+          </p:pic>
+        </p:grpSp>
+        <p:grpSp>
+          <p:nvGrpSpPr>
+            <p:cNvPr id="20" name="Group 19">
+              <a:extLst>
+                <a:ext uri="{FF2B5EF4-FFF2-40B4-BE49-F238E27FC236}">
+                  <a16:creationId xmlns:a16="http://schemas.microsoft.com/office/drawing/2014/main" id="{9758E19C-A760-4968-9656-C795A218AF99}"/>
+                </a:ext>
+              </a:extLst>
+            </p:cNvPr>
+            <p:cNvGrpSpPr/>
+            <p:nvPr/>
+          </p:nvGrpSpPr>
+          <p:grpSpPr>
+            <a:xfrm>
+              <a:off x="5481204" y="2013980"/>
+              <a:ext cx="1660916" cy="402037"/>
+              <a:chOff x="5481204" y="2013980"/>
+              <a:chExt cx="1660916" cy="402037"/>
+            </a:xfrm>
+          </p:grpSpPr>
+          <p:sp>
+            <p:nvSpPr>
+              <p:cNvPr id="108" name="Rectangle 107">
+                <a:extLst>
+                  <a:ext uri="{FF2B5EF4-FFF2-40B4-BE49-F238E27FC236}">
+                    <a16:creationId xmlns:a16="http://schemas.microsoft.com/office/drawing/2014/main" id="{750C33A4-8B71-4846-AB1E-F5D34760AA52}"/>
+                  </a:ext>
+                </a:extLst>
+              </p:cNvPr>
+              <p:cNvSpPr/>
+              <p:nvPr/>
+            </p:nvSpPr>
+            <p:spPr>
+              <a:xfrm>
+                <a:off x="5481204" y="2013980"/>
+                <a:ext cx="1660916" cy="402037"/>
+              </a:xfrm>
+              <a:prstGeom prst="rect">
+                <a:avLst/>
+              </a:prstGeom>
+            </p:spPr>
+            <p:style>
+              <a:lnRef idx="2">
+                <a:schemeClr val="accent6"/>
+              </a:lnRef>
+              <a:fillRef idx="1">
+                <a:schemeClr val="lt1"/>
+              </a:fillRef>
+              <a:effectRef idx="0">
+                <a:schemeClr val="accent6"/>
+              </a:effectRef>
+              <a:fontRef idx="minor">
+                <a:schemeClr val="dk1"/>
+              </a:fontRef>
+            </p:style>
+            <p:txBody>
+              <a:bodyPr rtlCol="0" anchor="ctr"/>
+              <a:lstStyle/>
+              <a:p>
+                <a:pPr algn="r"/>
+                <a:r>
+                  <a:rPr lang="en-US" sz="1200" dirty="0"/>
+                  <a:t>Device Registration</a:t>
+                </a:r>
+              </a:p>
+            </p:txBody>
+          </p:sp>
+          <p:pic>
+            <p:nvPicPr>
+              <p:cNvPr id="77" name="Picture 44" descr="Royal azure blue settings 5 icon - Free royal azure blue settings icons">
+                <a:extLst>
+                  <a:ext uri="{FF2B5EF4-FFF2-40B4-BE49-F238E27FC236}">
+                    <a16:creationId xmlns:a16="http://schemas.microsoft.com/office/drawing/2014/main" id="{70954189-37AC-499C-A7CB-27EF54943433}"/>
+                  </a:ext>
+                </a:extLst>
+              </p:cNvPr>
+              <p:cNvPicPr>
+                <a:picLocks noChangeAspect="1" noChangeArrowheads="1"/>
+              </p:cNvPicPr>
+              <p:nvPr/>
+            </p:nvPicPr>
+            <p:blipFill>
+              <a:blip r:embed="rId14">
+                <a:extLst>
+                  <a:ext uri="{28A0092B-C50C-407E-A947-70E740481C1C}">
+                    <a14:useLocalDpi xmlns:a14="http://schemas.microsoft.com/office/drawing/2010/main" val="0"/>
+                  </a:ext>
+                </a:extLst>
+              </a:blip>
+              <a:srcRect/>
+              <a:stretch>
+                <a:fillRect/>
+              </a:stretch>
+            </p:blipFill>
+            <p:spPr bwMode="auto">
+              <a:xfrm>
+                <a:off x="5514875" y="2051308"/>
+                <a:ext cx="355451" cy="321352"/>
+              </a:xfrm>
+              <a:prstGeom prst="rect">
+                <a:avLst/>
+              </a:prstGeom>
+              <a:noFill/>
+              <a:extLst>
+                <a:ext uri="{909E8E84-426E-40DD-AFC4-6F175D3DCCD1}">
+                  <a14:hiddenFill xmlns:a14="http://schemas.microsoft.com/office/drawing/2010/main">
+                    <a:solidFill>
+                      <a:srgbClr val="FFFFFF"/>
+                    </a:solidFill>
+                  </a14:hiddenFill>
+                </a:ext>
+              </a:extLst>
+            </p:spPr>
+          </p:pic>
+        </p:grpSp>
+        <p:grpSp>
+          <p:nvGrpSpPr>
+            <p:cNvPr id="18" name="Group 17">
+              <a:extLst>
+                <a:ext uri="{FF2B5EF4-FFF2-40B4-BE49-F238E27FC236}">
+                  <a16:creationId xmlns:a16="http://schemas.microsoft.com/office/drawing/2014/main" id="{E9DEC488-AF29-438B-A4F0-3953034354F6}"/>
+                </a:ext>
+              </a:extLst>
+            </p:cNvPr>
+            <p:cNvGrpSpPr/>
+            <p:nvPr/>
+          </p:nvGrpSpPr>
+          <p:grpSpPr>
+            <a:xfrm>
+              <a:off x="5498069" y="3110550"/>
+              <a:ext cx="1634426" cy="402037"/>
+              <a:chOff x="5507694" y="3110550"/>
+              <a:chExt cx="1634426" cy="402037"/>
+            </a:xfrm>
+          </p:grpSpPr>
+          <p:sp>
+            <p:nvSpPr>
+              <p:cNvPr id="33" name="Rectangle 32">
+                <a:extLst>
+                  <a:ext uri="{FF2B5EF4-FFF2-40B4-BE49-F238E27FC236}">
+                    <a16:creationId xmlns:a16="http://schemas.microsoft.com/office/drawing/2014/main" id="{F8A642B0-D9CC-4E10-A2BE-BD8733603A2B}"/>
+                  </a:ext>
+                </a:extLst>
+              </p:cNvPr>
+              <p:cNvSpPr/>
+              <p:nvPr/>
+            </p:nvSpPr>
+            <p:spPr>
+              <a:xfrm>
+                <a:off x="5507694" y="3110550"/>
+                <a:ext cx="1634426" cy="402037"/>
+              </a:xfrm>
+              <a:prstGeom prst="rect">
+                <a:avLst/>
+              </a:prstGeom>
+            </p:spPr>
+            <p:style>
+              <a:lnRef idx="2">
+                <a:schemeClr val="accent6"/>
+              </a:lnRef>
+              <a:fillRef idx="1">
+                <a:schemeClr val="lt1"/>
+              </a:fillRef>
+              <a:effectRef idx="0">
+                <a:schemeClr val="accent6"/>
+              </a:effectRef>
+              <a:fontRef idx="minor">
+                <a:schemeClr val="dk1"/>
+              </a:fontRef>
+            </p:style>
+            <p:txBody>
+              <a:bodyPr rtlCol="0" anchor="ctr"/>
+              <a:lstStyle/>
+              <a:p>
+                <a:pPr algn="r"/>
+                <a:r>
+                  <a:rPr lang="en-US" sz="1200" dirty="0"/>
+                  <a:t>Remote Command</a:t>
+                </a:r>
+              </a:p>
+            </p:txBody>
+          </p:sp>
+          <p:pic>
+            <p:nvPicPr>
+              <p:cNvPr id="79" name="Picture 44" descr="Royal azure blue settings 5 icon - Free royal azure blue settings icons">
+                <a:extLst>
+                  <a:ext uri="{FF2B5EF4-FFF2-40B4-BE49-F238E27FC236}">
+                    <a16:creationId xmlns:a16="http://schemas.microsoft.com/office/drawing/2014/main" id="{DDFA616F-874A-48F7-A021-3B545527BE2A}"/>
+                  </a:ext>
+                </a:extLst>
+              </p:cNvPr>
+              <p:cNvPicPr>
+                <a:picLocks noChangeAspect="1" noChangeArrowheads="1"/>
+              </p:cNvPicPr>
+              <p:nvPr/>
+            </p:nvPicPr>
+            <p:blipFill>
+              <a:blip r:embed="rId14">
+                <a:extLst>
+                  <a:ext uri="{28A0092B-C50C-407E-A947-70E740481C1C}">
+                    <a14:useLocalDpi xmlns:a14="http://schemas.microsoft.com/office/drawing/2010/main" val="0"/>
+                  </a:ext>
+                </a:extLst>
+              </a:blip>
+              <a:srcRect/>
+              <a:stretch>
+                <a:fillRect/>
+              </a:stretch>
+            </p:blipFill>
+            <p:spPr bwMode="auto">
+              <a:xfrm>
+                <a:off x="5537343" y="3138966"/>
+                <a:ext cx="355451" cy="321352"/>
+              </a:xfrm>
+              <a:prstGeom prst="rect">
+                <a:avLst/>
+              </a:prstGeom>
+              <a:noFill/>
+              <a:extLst>
+                <a:ext uri="{909E8E84-426E-40DD-AFC4-6F175D3DCCD1}">
+                  <a14:hiddenFill xmlns:a14="http://schemas.microsoft.com/office/drawing/2010/main">
+                    <a:solidFill>
+                      <a:srgbClr val="FFFFFF"/>
+                    </a:solidFill>
+                  </a14:hiddenFill>
+                </a:ext>
+              </a:extLst>
+            </p:spPr>
+          </p:pic>
+        </p:grpSp>
+      </p:grpSp>
+      <p:grpSp>
+        <p:nvGrpSpPr>
+          <p:cNvPr id="47" name="Group 46">
+            <a:extLst>
+              <a:ext uri="{FF2B5EF4-FFF2-40B4-BE49-F238E27FC236}">
+                <a16:creationId xmlns:a16="http://schemas.microsoft.com/office/drawing/2014/main" id="{B4C42A49-5581-412D-8351-2E9B7BC5109F}"/>
+              </a:ext>
+            </a:extLst>
+          </p:cNvPr>
+          <p:cNvGrpSpPr/>
+          <p:nvPr/>
+        </p:nvGrpSpPr>
+        <p:grpSpPr>
+          <a:xfrm>
+            <a:off x="10316683" y="2719544"/>
+            <a:ext cx="1320260" cy="1198396"/>
+            <a:chOff x="10316683" y="2719544"/>
+            <a:chExt cx="1320260" cy="1198396"/>
+          </a:xfrm>
+        </p:grpSpPr>
+        <p:sp>
+          <p:nvSpPr>
+            <p:cNvPr id="29" name="Rectangle: Rounded Corners 28">
+              <a:extLst>
+                <a:ext uri="{FF2B5EF4-FFF2-40B4-BE49-F238E27FC236}">
+                  <a16:creationId xmlns:a16="http://schemas.microsoft.com/office/drawing/2014/main" id="{BD35A86F-7156-48BB-B1E1-F05C46BDD485}"/>
+                </a:ext>
+              </a:extLst>
+            </p:cNvPr>
+            <p:cNvSpPr/>
+            <p:nvPr/>
+          </p:nvSpPr>
+          <p:spPr>
+            <a:xfrm>
+              <a:off x="10316683" y="2719544"/>
+              <a:ext cx="1288325" cy="1198396"/>
+            </a:xfrm>
+            <a:prstGeom prst="roundRect">
+              <a:avLst>
+                <a:gd name="adj" fmla="val 24699"/>
+              </a:avLst>
+            </a:prstGeom>
+          </p:spPr>
+          <p:style>
+            <a:lnRef idx="2">
+              <a:schemeClr val="accent3">
+                <a:shade val="50000"/>
+              </a:schemeClr>
+            </a:lnRef>
+            <a:fillRef idx="1">
+              <a:schemeClr val="accent3"/>
+            </a:fillRef>
+            <a:effectRef idx="0">
+              <a:schemeClr val="accent3"/>
+            </a:effectRef>
+            <a:fontRef idx="minor">
+              <a:schemeClr val="lt1"/>
+            </a:fontRef>
+          </p:style>
+          <p:txBody>
+            <a:bodyPr rtlCol="0" anchor="ctr"/>
+            <a:lstStyle/>
+            <a:p>
+              <a:pPr algn="ctr"/>
+              <a:endParaRPr lang="en-US"/>
+            </a:p>
+          </p:txBody>
+        </p:sp>
+        <p:grpSp>
+          <p:nvGrpSpPr>
+            <p:cNvPr id="85" name="Group 84">
+              <a:extLst>
+                <a:ext uri="{FF2B5EF4-FFF2-40B4-BE49-F238E27FC236}">
+                  <a16:creationId xmlns:a16="http://schemas.microsoft.com/office/drawing/2014/main" id="{0890F35E-3FBD-4077-9FF7-B2F1D2968855}"/>
+                </a:ext>
+              </a:extLst>
+            </p:cNvPr>
+            <p:cNvGrpSpPr/>
+            <p:nvPr/>
+          </p:nvGrpSpPr>
+          <p:grpSpPr>
+            <a:xfrm>
+              <a:off x="10341832" y="2955626"/>
+              <a:ext cx="1295111" cy="867576"/>
+              <a:chOff x="10348618" y="2888752"/>
+              <a:chExt cx="1295111" cy="867576"/>
+            </a:xfrm>
+          </p:grpSpPr>
+          <p:pic>
+            <p:nvPicPr>
+              <p:cNvPr id="87" name="Picture 28" descr="Announcing Azure Mobile Apps v4.2.0 for .NET - Xamarin Blog">
+                <a:extLst>
+                  <a:ext uri="{FF2B5EF4-FFF2-40B4-BE49-F238E27FC236}">
+                    <a16:creationId xmlns:a16="http://schemas.microsoft.com/office/drawing/2014/main" id="{FAD2D4B1-EB2E-45FC-9641-46B1E1C5BCDD}"/>
+                  </a:ext>
+                </a:extLst>
+              </p:cNvPr>
+              <p:cNvPicPr>
+                <a:picLocks noChangeAspect="1" noChangeArrowheads="1"/>
+              </p:cNvPicPr>
+              <p:nvPr/>
+            </p:nvPicPr>
+            <p:blipFill>
+              <a:blip r:embed="rId15">
+                <a:extLst>
+                  <a:ext uri="{28A0092B-C50C-407E-A947-70E740481C1C}">
+                    <a14:useLocalDpi xmlns:a14="http://schemas.microsoft.com/office/drawing/2010/main" val="0"/>
+                  </a:ext>
+                </a:extLst>
+              </a:blip>
+              <a:srcRect/>
+              <a:stretch>
+                <a:fillRect/>
+              </a:stretch>
+            </p:blipFill>
+            <p:spPr bwMode="auto">
+              <a:xfrm>
+                <a:off x="10507948" y="2888752"/>
+                <a:ext cx="962877" cy="505510"/>
+              </a:xfrm>
+              <a:prstGeom prst="rect">
+                <a:avLst/>
+              </a:prstGeom>
+              <a:noFill/>
+              <a:extLst>
+                <a:ext uri="{909E8E84-426E-40DD-AFC4-6F175D3DCCD1}">
+                  <a14:hiddenFill xmlns:a14="http://schemas.microsoft.com/office/drawing/2010/main">
+                    <a:solidFill>
+                      <a:srgbClr val="FFFFFF"/>
+                    </a:solidFill>
+                  </a14:hiddenFill>
+                </a:ext>
+              </a:extLst>
+            </p:spPr>
+          </p:pic>
+          <p:sp>
+            <p:nvSpPr>
+              <p:cNvPr id="88" name="TextBox 87">
+                <a:extLst>
+                  <a:ext uri="{FF2B5EF4-FFF2-40B4-BE49-F238E27FC236}">
+                    <a16:creationId xmlns:a16="http://schemas.microsoft.com/office/drawing/2014/main" id="{9417E0B7-90D9-4FED-BFD5-77C187228316}"/>
+                  </a:ext>
+                </a:extLst>
+              </p:cNvPr>
+              <p:cNvSpPr txBox="1"/>
+              <p:nvPr/>
+            </p:nvSpPr>
+            <p:spPr>
+              <a:xfrm>
+                <a:off x="10348618" y="3448551"/>
+                <a:ext cx="1295111" cy="307777"/>
+              </a:xfrm>
+              <a:prstGeom prst="rect">
+                <a:avLst/>
+              </a:prstGeom>
+              <a:noFill/>
+            </p:spPr>
+            <p:txBody>
+              <a:bodyPr wrap="square" rtlCol="0">
+                <a:spAutoFit/>
+              </a:bodyPr>
+              <a:lstStyle/>
+              <a:p>
+                <a:pPr algn="ctr"/>
+                <a:r>
+                  <a:rPr lang="en-US" sz="1400" dirty="0"/>
+                  <a:t>Mobile App</a:t>
+                </a:r>
+              </a:p>
+            </p:txBody>
+          </p:sp>
+        </p:grpSp>
+      </p:grpSp>
+      <p:grpSp>
+        <p:nvGrpSpPr>
+          <p:cNvPr id="46" name="Group 45">
+            <a:extLst>
+              <a:ext uri="{FF2B5EF4-FFF2-40B4-BE49-F238E27FC236}">
+                <a16:creationId xmlns:a16="http://schemas.microsoft.com/office/drawing/2014/main" id="{9B1F3889-3307-4B53-8DEA-BAB034E3023F}"/>
+              </a:ext>
+            </a:extLst>
+          </p:cNvPr>
+          <p:cNvGrpSpPr/>
+          <p:nvPr/>
+        </p:nvGrpSpPr>
+        <p:grpSpPr>
+          <a:xfrm>
+            <a:off x="365916" y="1953577"/>
+            <a:ext cx="1155370" cy="3840831"/>
+            <a:chOff x="365916" y="1953577"/>
+            <a:chExt cx="1155370" cy="3840831"/>
+          </a:xfrm>
+        </p:grpSpPr>
+        <p:sp>
+          <p:nvSpPr>
+            <p:cNvPr id="9" name="Rectangle: Rounded Corners 8">
+              <a:extLst>
+                <a:ext uri="{FF2B5EF4-FFF2-40B4-BE49-F238E27FC236}">
+                  <a16:creationId xmlns:a16="http://schemas.microsoft.com/office/drawing/2014/main" id="{431EC337-DF17-4C94-96DC-B58FE0356611}"/>
+                </a:ext>
+              </a:extLst>
+            </p:cNvPr>
+            <p:cNvSpPr/>
+            <p:nvPr/>
+          </p:nvSpPr>
+          <p:spPr>
+            <a:xfrm>
+              <a:off x="365916" y="1953577"/>
+              <a:ext cx="1118603" cy="3840831"/>
+            </a:xfrm>
+            <a:prstGeom prst="roundRect">
+              <a:avLst/>
+            </a:prstGeom>
+            <a:noFill/>
+            <a:ln>
+              <a:solidFill>
+                <a:schemeClr val="accent2">
+                  <a:lumMod val="75000"/>
+                </a:schemeClr>
+              </a:solidFill>
+            </a:ln>
+          </p:spPr>
+          <p:style>
+            <a:lnRef idx="2">
+              <a:schemeClr val="accent1">
+                <a:shade val="50000"/>
+              </a:schemeClr>
+            </a:lnRef>
+            <a:fillRef idx="1">
+              <a:schemeClr val="accent1"/>
+            </a:fillRef>
+            <a:effectRef idx="0">
+              <a:schemeClr val="accent1"/>
+            </a:effectRef>
+            <a:fontRef idx="minor">
+              <a:schemeClr val="lt1"/>
+            </a:fontRef>
+          </p:style>
+          <p:txBody>
+            <a:bodyPr rtlCol="0" anchor="ctr"/>
+            <a:lstStyle/>
+            <a:p>
+              <a:pPr algn="ctr"/>
+              <a:endParaRPr lang="en-US" dirty="0"/>
+            </a:p>
+          </p:txBody>
+        </p:sp>
+        <p:grpSp>
+          <p:nvGrpSpPr>
+            <p:cNvPr id="30" name="Group 29">
+              <a:extLst>
+                <a:ext uri="{FF2B5EF4-FFF2-40B4-BE49-F238E27FC236}">
+                  <a16:creationId xmlns:a16="http://schemas.microsoft.com/office/drawing/2014/main" id="{C2DEE5B8-C1B7-4D53-AB80-02A43717C3C4}"/>
+                </a:ext>
+              </a:extLst>
+            </p:cNvPr>
+            <p:cNvGrpSpPr/>
+            <p:nvPr/>
+          </p:nvGrpSpPr>
+          <p:grpSpPr>
+            <a:xfrm>
+              <a:off x="424428" y="2107994"/>
+              <a:ext cx="1064652" cy="1178163"/>
+              <a:chOff x="424428" y="2107994"/>
+              <a:chExt cx="1064652" cy="1178163"/>
+            </a:xfrm>
+          </p:grpSpPr>
+          <p:pic>
+            <p:nvPicPr>
+              <p:cNvPr id="1058" name="Picture 34" descr="Moxa Gateways Optimize Data Transfer from ModBus Edge Devices to Azure and  AWS Cloud Platforms | Automation World">
+                <a:extLst>
+                  <a:ext uri="{FF2B5EF4-FFF2-40B4-BE49-F238E27FC236}">
+                    <a16:creationId xmlns:a16="http://schemas.microsoft.com/office/drawing/2014/main" id="{2A2A1724-F7D8-4F1C-9E37-90578D891889}"/>
+                  </a:ext>
+                </a:extLst>
+              </p:cNvPr>
+              <p:cNvPicPr>
+                <a:picLocks noChangeAspect="1" noChangeArrowheads="1"/>
+              </p:cNvPicPr>
+              <p:nvPr/>
+            </p:nvPicPr>
+            <p:blipFill>
+              <a:blip r:embed="rId16">
+                <a:extLst>
+                  <a:ext uri="{28A0092B-C50C-407E-A947-70E740481C1C}">
+                    <a14:useLocalDpi xmlns:a14="http://schemas.microsoft.com/office/drawing/2010/main" val="0"/>
+                  </a:ext>
+                </a:extLst>
+              </a:blip>
+              <a:srcRect/>
+              <a:stretch>
+                <a:fillRect/>
+              </a:stretch>
+            </p:blipFill>
+            <p:spPr bwMode="auto">
+              <a:xfrm>
+                <a:off x="630647" y="2107994"/>
+                <a:ext cx="592937" cy="704113"/>
+              </a:xfrm>
+              <a:prstGeom prst="rect">
+                <a:avLst/>
+              </a:prstGeom>
+              <a:noFill/>
+              <a:extLst>
+                <a:ext uri="{909E8E84-426E-40DD-AFC4-6F175D3DCCD1}">
+                  <a14:hiddenFill xmlns:a14="http://schemas.microsoft.com/office/drawing/2010/main">
+                    <a:solidFill>
+                      <a:srgbClr val="FFFFFF"/>
+                    </a:solidFill>
+                  </a14:hiddenFill>
+                </a:ext>
+              </a:extLst>
+            </p:spPr>
+          </p:pic>
+          <p:sp>
+            <p:nvSpPr>
+              <p:cNvPr id="68" name="TextBox 67">
+                <a:extLst>
+                  <a:ext uri="{FF2B5EF4-FFF2-40B4-BE49-F238E27FC236}">
+                    <a16:creationId xmlns:a16="http://schemas.microsoft.com/office/drawing/2014/main" id="{33D537E5-80C7-40A4-BC6A-FB479D95EDDF}"/>
+                  </a:ext>
+                </a:extLst>
+              </p:cNvPr>
+              <p:cNvSpPr txBox="1"/>
+              <p:nvPr/>
+            </p:nvSpPr>
+            <p:spPr>
+              <a:xfrm>
+                <a:off x="424428" y="2762937"/>
+                <a:ext cx="1064652" cy="523220"/>
+              </a:xfrm>
+              <a:prstGeom prst="rect">
+                <a:avLst/>
+              </a:prstGeom>
+              <a:noFill/>
+            </p:spPr>
+            <p:txBody>
+              <a:bodyPr wrap="square" rtlCol="0">
+                <a:spAutoFit/>
+              </a:bodyPr>
+              <a:lstStyle/>
+              <a:p>
+                <a:pPr algn="ctr"/>
+                <a:r>
+                  <a:rPr lang="en-US" sz="1400" dirty="0"/>
+                  <a:t>Industrial Devices</a:t>
+                </a:r>
+              </a:p>
+            </p:txBody>
+          </p:sp>
+        </p:grpSp>
+        <p:grpSp>
+          <p:nvGrpSpPr>
+            <p:cNvPr id="31" name="Group 30">
+              <a:extLst>
+                <a:ext uri="{FF2B5EF4-FFF2-40B4-BE49-F238E27FC236}">
+                  <a16:creationId xmlns:a16="http://schemas.microsoft.com/office/drawing/2014/main" id="{8224CAD8-9149-4DCE-B79E-7788955C1102}"/>
+                </a:ext>
+              </a:extLst>
+            </p:cNvPr>
+            <p:cNvGrpSpPr/>
+            <p:nvPr/>
+          </p:nvGrpSpPr>
+          <p:grpSpPr>
+            <a:xfrm>
+              <a:off x="402683" y="4483799"/>
+              <a:ext cx="1118603" cy="1211355"/>
+              <a:chOff x="395552" y="4333352"/>
+              <a:chExt cx="1118603" cy="1211355"/>
+            </a:xfrm>
+          </p:grpSpPr>
+          <p:pic>
+            <p:nvPicPr>
+              <p:cNvPr id="1064" name="Picture 40" descr="Azure Virtual Machine Png, Transparent Png - kindpng">
+                <a:extLst>
+                  <a:ext uri="{FF2B5EF4-FFF2-40B4-BE49-F238E27FC236}">
+                    <a16:creationId xmlns:a16="http://schemas.microsoft.com/office/drawing/2014/main" id="{CA072CB3-2D12-4677-8B42-785D33FFE8A3}"/>
+                  </a:ext>
+                </a:extLst>
+              </p:cNvPr>
+              <p:cNvPicPr>
+                <a:picLocks noChangeAspect="1" noChangeArrowheads="1"/>
+              </p:cNvPicPr>
+              <p:nvPr/>
+            </p:nvPicPr>
+            <p:blipFill>
+              <a:blip r:embed="rId17">
+                <a:extLst>
+                  <a:ext uri="{28A0092B-C50C-407E-A947-70E740481C1C}">
+                    <a14:useLocalDpi xmlns:a14="http://schemas.microsoft.com/office/drawing/2010/main" val="0"/>
+                  </a:ext>
+                </a:extLst>
+              </a:blip>
+              <a:srcRect/>
+              <a:stretch>
+                <a:fillRect/>
+              </a:stretch>
+            </p:blipFill>
+            <p:spPr bwMode="auto">
+              <a:xfrm>
+                <a:off x="548000" y="4333352"/>
+                <a:ext cx="705374" cy="662808"/>
+              </a:xfrm>
+              <a:prstGeom prst="rect">
+                <a:avLst/>
+              </a:prstGeom>
+              <a:noFill/>
+              <a:extLst>
+                <a:ext uri="{909E8E84-426E-40DD-AFC4-6F175D3DCCD1}">
+                  <a14:hiddenFill xmlns:a14="http://schemas.microsoft.com/office/drawing/2010/main">
+                    <a:solidFill>
+                      <a:srgbClr val="FFFFFF"/>
+                    </a:solidFill>
+                  </a14:hiddenFill>
+                </a:ext>
+              </a:extLst>
+            </p:spPr>
+          </p:pic>
+          <p:sp>
+            <p:nvSpPr>
+              <p:cNvPr id="71" name="TextBox 70">
+                <a:extLst>
+                  <a:ext uri="{FF2B5EF4-FFF2-40B4-BE49-F238E27FC236}">
+                    <a16:creationId xmlns:a16="http://schemas.microsoft.com/office/drawing/2014/main" id="{B2297504-64C2-423E-AAF2-1A4BDC3793D5}"/>
+                  </a:ext>
+                </a:extLst>
+              </p:cNvPr>
+              <p:cNvSpPr txBox="1"/>
+              <p:nvPr/>
+            </p:nvSpPr>
+            <p:spPr>
+              <a:xfrm>
+                <a:off x="395552" y="5021487"/>
+                <a:ext cx="1118603" cy="523220"/>
+              </a:xfrm>
+              <a:prstGeom prst="rect">
+                <a:avLst/>
+              </a:prstGeom>
+              <a:noFill/>
+            </p:spPr>
+            <p:txBody>
+              <a:bodyPr wrap="square" rtlCol="0">
+                <a:spAutoFit/>
+              </a:bodyPr>
+              <a:lstStyle/>
+              <a:p>
+                <a:pPr algn="ctr"/>
+                <a:r>
+                  <a:rPr lang="en-US" sz="1400" dirty="0"/>
+                  <a:t>Other Applications</a:t>
+                </a:r>
+              </a:p>
+            </p:txBody>
+          </p:sp>
+        </p:grpSp>
+        <p:grpSp>
+          <p:nvGrpSpPr>
+            <p:cNvPr id="37" name="Group 36">
+              <a:extLst>
+                <a:ext uri="{FF2B5EF4-FFF2-40B4-BE49-F238E27FC236}">
+                  <a16:creationId xmlns:a16="http://schemas.microsoft.com/office/drawing/2014/main" id="{9ECC97B8-7946-49A7-A4F9-05D4F1750518}"/>
+                </a:ext>
+              </a:extLst>
+            </p:cNvPr>
+            <p:cNvGrpSpPr/>
+            <p:nvPr/>
+          </p:nvGrpSpPr>
+          <p:grpSpPr>
+            <a:xfrm>
+              <a:off x="440465" y="3380843"/>
+              <a:ext cx="986898" cy="1031554"/>
+              <a:chOff x="1964599" y="3915595"/>
+              <a:chExt cx="1135925" cy="1053714"/>
+            </a:xfrm>
+          </p:grpSpPr>
+          <p:sp>
+            <p:nvSpPr>
+              <p:cNvPr id="89" name="Rectangle: Rounded Corners 88">
+                <a:extLst>
+                  <a:ext uri="{FF2B5EF4-FFF2-40B4-BE49-F238E27FC236}">
+                    <a16:creationId xmlns:a16="http://schemas.microsoft.com/office/drawing/2014/main" id="{598D0AB0-3250-4723-85CC-A009D7FC55B6}"/>
+                  </a:ext>
+                </a:extLst>
+              </p:cNvPr>
+              <p:cNvSpPr/>
+              <p:nvPr/>
+            </p:nvSpPr>
+            <p:spPr>
+              <a:xfrm>
+                <a:off x="1964599" y="3915595"/>
+                <a:ext cx="1135925" cy="931426"/>
+              </a:xfrm>
+              <a:prstGeom prst="roundRect">
+                <a:avLst>
+                  <a:gd name="adj" fmla="val 24699"/>
+                </a:avLst>
+              </a:prstGeom>
+            </p:spPr>
+            <p:style>
+              <a:lnRef idx="2">
+                <a:schemeClr val="accent3">
+                  <a:shade val="50000"/>
+                </a:schemeClr>
+              </a:lnRef>
+              <a:fillRef idx="1">
+                <a:schemeClr val="accent3"/>
+              </a:fillRef>
+              <a:effectRef idx="0">
+                <a:schemeClr val="accent3"/>
+              </a:effectRef>
+              <a:fontRef idx="minor">
+                <a:schemeClr val="lt1"/>
+              </a:fontRef>
+            </p:style>
+            <p:txBody>
+              <a:bodyPr rtlCol="0" anchor="ctr"/>
+              <a:lstStyle/>
+              <a:p>
+                <a:pPr algn="ctr"/>
+                <a:endParaRPr lang="en-US"/>
+              </a:p>
+            </p:txBody>
+          </p:sp>
+          <p:pic>
+            <p:nvPicPr>
+              <p:cNvPr id="90" name="Picture 89">
+                <a:extLst>
+                  <a:ext uri="{FF2B5EF4-FFF2-40B4-BE49-F238E27FC236}">
+                    <a16:creationId xmlns:a16="http://schemas.microsoft.com/office/drawing/2014/main" id="{C1B76961-C424-45D2-A763-9616EFCDF5C1}"/>
+                  </a:ext>
+                </a:extLst>
+              </p:cNvPr>
+              <p:cNvPicPr>
+                <a:picLocks noChangeAspect="1"/>
+              </p:cNvPicPr>
+              <p:nvPr/>
+            </p:nvPicPr>
+            <p:blipFill>
+              <a:blip r:embed="rId18"/>
+              <a:stretch>
+                <a:fillRect/>
+              </a:stretch>
+            </p:blipFill>
+            <p:spPr>
+              <a:xfrm>
+                <a:off x="2273262" y="3970660"/>
+                <a:ext cx="499957" cy="408342"/>
+              </a:xfrm>
+              <a:prstGeom prst="rect">
+                <a:avLst/>
+              </a:prstGeom>
+            </p:spPr>
+          </p:pic>
+          <p:sp>
+            <p:nvSpPr>
+              <p:cNvPr id="91" name="TextBox 90">
+                <a:extLst>
+                  <a:ext uri="{FF2B5EF4-FFF2-40B4-BE49-F238E27FC236}">
+                    <a16:creationId xmlns:a16="http://schemas.microsoft.com/office/drawing/2014/main" id="{19837787-4AFB-4BEB-B2CE-9EF299A1DC54}"/>
+                  </a:ext>
+                </a:extLst>
+              </p:cNvPr>
+              <p:cNvSpPr txBox="1"/>
+              <p:nvPr/>
+            </p:nvSpPr>
+            <p:spPr>
+              <a:xfrm>
+                <a:off x="2122713" y="4366001"/>
+                <a:ext cx="788878" cy="603308"/>
+              </a:xfrm>
+              <a:prstGeom prst="rect">
+                <a:avLst/>
+              </a:prstGeom>
+              <a:noFill/>
+            </p:spPr>
+            <p:txBody>
+              <a:bodyPr wrap="square" rtlCol="0">
+                <a:spAutoFit/>
+              </a:bodyPr>
+              <a:lstStyle/>
+              <a:p>
+                <a:pPr algn="ctr"/>
+                <a:r>
+                  <a:rPr lang="en-US" sz="1400" dirty="0"/>
+                  <a:t>Sensor Device</a:t>
+                </a:r>
+              </a:p>
+            </p:txBody>
+          </p:sp>
+        </p:grpSp>
+      </p:grpSp>
     </p:spTree>
     <p:extLst>
       <p:ext uri="{BB962C8B-B14F-4D97-AF65-F5344CB8AC3E}">
-        <p14:creationId xmlns:p14="http://schemas.microsoft.com/office/powerpoint/2010/main" val="3173114069"/>
+        <p14:creationId xmlns:p14="http://schemas.microsoft.com/office/powerpoint/2010/main" val="3453956960"/>
       </p:ext>
     </p:extLst>
   </p:cSld>
@@ -5663,6 +6593,3281 @@
 </file>
 
 <file path=ppt/slides/slide2.xml><?xml version="1.0" encoding="utf-8"?>
+<p:sld xmlns:a="http://schemas.openxmlformats.org/drawingml/2006/main" xmlns:r="http://schemas.openxmlformats.org/officeDocument/2006/relationships" xmlns:p="http://schemas.openxmlformats.org/presentationml/2006/main">
+  <p:cSld>
+    <p:spTree>
+      <p:nvGrpSpPr>
+        <p:cNvPr id="1" name=""/>
+        <p:cNvGrpSpPr/>
+        <p:nvPr/>
+      </p:nvGrpSpPr>
+      <p:grpSpPr>
+        <a:xfrm>
+          <a:off x="0" y="0"/>
+          <a:ext cx="0" cy="0"/>
+          <a:chOff x="0" y="0"/>
+          <a:chExt cx="0" cy="0"/>
+        </a:xfrm>
+      </p:grpSpPr>
+      <p:sp>
+        <p:nvSpPr>
+          <p:cNvPr id="2" name="Rectangle 1">
+            <a:extLst>
+              <a:ext uri="{FF2B5EF4-FFF2-40B4-BE49-F238E27FC236}">
+                <a16:creationId xmlns:a16="http://schemas.microsoft.com/office/drawing/2014/main" id="{99B6271C-3E04-40DB-99C6-BC259DBBD345}"/>
+              </a:ext>
+            </a:extLst>
+          </p:cNvPr>
+          <p:cNvSpPr/>
+          <p:nvPr/>
+        </p:nvSpPr>
+        <p:spPr>
+          <a:xfrm>
+            <a:off x="10090001" y="1270534"/>
+            <a:ext cx="1875533" cy="5399773"/>
+          </a:xfrm>
+          <a:prstGeom prst="rect">
+            <a:avLst/>
+          </a:prstGeom>
+          <a:noFill/>
+          <a:ln>
+            <a:solidFill>
+              <a:schemeClr val="accent6"/>
+            </a:solidFill>
+          </a:ln>
+        </p:spPr>
+        <p:style>
+          <a:lnRef idx="2">
+            <a:schemeClr val="accent1">
+              <a:shade val="50000"/>
+            </a:schemeClr>
+          </a:lnRef>
+          <a:fillRef idx="1">
+            <a:schemeClr val="accent1"/>
+          </a:fillRef>
+          <a:effectRef idx="0">
+            <a:schemeClr val="accent1"/>
+          </a:effectRef>
+          <a:fontRef idx="minor">
+            <a:schemeClr val="lt1"/>
+          </a:fontRef>
+        </p:style>
+        <p:txBody>
+          <a:bodyPr rtlCol="0" anchor="ctr"/>
+          <a:lstStyle/>
+          <a:p>
+            <a:pPr algn="ctr"/>
+            <a:endParaRPr lang="en-US"/>
+          </a:p>
+        </p:txBody>
+      </p:sp>
+      <p:sp>
+        <p:nvSpPr>
+          <p:cNvPr id="59" name="Rectangle 58">
+            <a:extLst>
+              <a:ext uri="{FF2B5EF4-FFF2-40B4-BE49-F238E27FC236}">
+                <a16:creationId xmlns:a16="http://schemas.microsoft.com/office/drawing/2014/main" id="{3C795C56-1B6A-4ECC-89D0-344C9156278F}"/>
+              </a:ext>
+            </a:extLst>
+          </p:cNvPr>
+          <p:cNvSpPr/>
+          <p:nvPr/>
+        </p:nvSpPr>
+        <p:spPr>
+          <a:xfrm>
+            <a:off x="3709199" y="1276246"/>
+            <a:ext cx="6014981" cy="5399773"/>
+          </a:xfrm>
+          <a:prstGeom prst="rect">
+            <a:avLst/>
+          </a:prstGeom>
+        </p:spPr>
+        <p:style>
+          <a:lnRef idx="2">
+            <a:schemeClr val="accent1"/>
+          </a:lnRef>
+          <a:fillRef idx="1">
+            <a:schemeClr val="lt1"/>
+          </a:fillRef>
+          <a:effectRef idx="0">
+            <a:schemeClr val="accent1"/>
+          </a:effectRef>
+          <a:fontRef idx="minor">
+            <a:schemeClr val="dk1"/>
+          </a:fontRef>
+        </p:style>
+        <p:txBody>
+          <a:bodyPr rtlCol="0" anchor="ctr"/>
+          <a:lstStyle/>
+          <a:p>
+            <a:pPr algn="ctr"/>
+            <a:endParaRPr lang="en-US"/>
+          </a:p>
+        </p:txBody>
+      </p:sp>
+      <p:sp>
+        <p:nvSpPr>
+          <p:cNvPr id="56" name="Rectangle 55">
+            <a:extLst>
+              <a:ext uri="{FF2B5EF4-FFF2-40B4-BE49-F238E27FC236}">
+                <a16:creationId xmlns:a16="http://schemas.microsoft.com/office/drawing/2014/main" id="{A2A5F27E-2DA0-4A68-A409-EE5B0AD824C8}"/>
+              </a:ext>
+            </a:extLst>
+          </p:cNvPr>
+          <p:cNvSpPr/>
+          <p:nvPr/>
+        </p:nvSpPr>
+        <p:spPr>
+          <a:xfrm>
+            <a:off x="180478" y="1270534"/>
+            <a:ext cx="3110734" cy="5399773"/>
+          </a:xfrm>
+          <a:prstGeom prst="rect">
+            <a:avLst/>
+          </a:prstGeom>
+        </p:spPr>
+        <p:style>
+          <a:lnRef idx="2">
+            <a:schemeClr val="accent2"/>
+          </a:lnRef>
+          <a:fillRef idx="1">
+            <a:schemeClr val="lt1"/>
+          </a:fillRef>
+          <a:effectRef idx="0">
+            <a:schemeClr val="accent2"/>
+          </a:effectRef>
+          <a:fontRef idx="minor">
+            <a:schemeClr val="dk1"/>
+          </a:fontRef>
+        </p:style>
+        <p:txBody>
+          <a:bodyPr rtlCol="0" anchor="ctr"/>
+          <a:lstStyle/>
+          <a:p>
+            <a:pPr algn="ctr"/>
+            <a:endParaRPr lang="en-US" dirty="0"/>
+          </a:p>
+        </p:txBody>
+      </p:sp>
+      <p:grpSp>
+        <p:nvGrpSpPr>
+          <p:cNvPr id="3" name="Group 2">
+            <a:extLst>
+              <a:ext uri="{FF2B5EF4-FFF2-40B4-BE49-F238E27FC236}">
+                <a16:creationId xmlns:a16="http://schemas.microsoft.com/office/drawing/2014/main" id="{C3872195-BCA3-4C3C-896E-BD98D2F0581C}"/>
+              </a:ext>
+            </a:extLst>
+          </p:cNvPr>
+          <p:cNvGrpSpPr/>
+          <p:nvPr/>
+        </p:nvGrpSpPr>
+        <p:grpSpPr>
+          <a:xfrm>
+            <a:off x="10392515" y="1659911"/>
+            <a:ext cx="1155032" cy="974498"/>
+            <a:chOff x="10392515" y="1659911"/>
+            <a:chExt cx="1155032" cy="974498"/>
+          </a:xfrm>
+        </p:grpSpPr>
+        <p:pic>
+          <p:nvPicPr>
+            <p:cNvPr id="1050" name="Picture 26" descr="Official Azure Icon Set">
+              <a:extLst>
+                <a:ext uri="{FF2B5EF4-FFF2-40B4-BE49-F238E27FC236}">
+                  <a16:creationId xmlns:a16="http://schemas.microsoft.com/office/drawing/2014/main" id="{D0543CFC-F63F-462B-9B65-61DD221149E8}"/>
+                </a:ext>
+              </a:extLst>
+            </p:cNvPr>
+            <p:cNvPicPr>
+              <a:picLocks noChangeAspect="1" noChangeArrowheads="1"/>
+            </p:cNvPicPr>
+            <p:nvPr/>
+          </p:nvPicPr>
+          <p:blipFill>
+            <a:blip r:embed="rId2">
+              <a:extLst>
+                <a:ext uri="{28A0092B-C50C-407E-A947-70E740481C1C}">
+                  <a14:useLocalDpi xmlns:a14="http://schemas.microsoft.com/office/drawing/2010/main" val="0"/>
+                </a:ext>
+              </a:extLst>
+            </a:blip>
+            <a:srcRect/>
+            <a:stretch>
+              <a:fillRect/>
+            </a:stretch>
+          </p:blipFill>
+          <p:spPr bwMode="auto">
+            <a:xfrm>
+              <a:off x="10710161" y="1659911"/>
+              <a:ext cx="519740" cy="519740"/>
+            </a:xfrm>
+            <a:prstGeom prst="rect">
+              <a:avLst/>
+            </a:prstGeom>
+            <a:noFill/>
+            <a:extLst>
+              <a:ext uri="{909E8E84-426E-40DD-AFC4-6F175D3DCCD1}">
+                <a14:hiddenFill xmlns:a14="http://schemas.microsoft.com/office/drawing/2010/main">
+                  <a:solidFill>
+                    <a:srgbClr val="FFFFFF"/>
+                  </a:solidFill>
+                </a14:hiddenFill>
+              </a:ext>
+            </a:extLst>
+          </p:spPr>
+        </p:pic>
+        <p:sp>
+          <p:nvSpPr>
+            <p:cNvPr id="39" name="TextBox 38">
+              <a:extLst>
+                <a:ext uri="{FF2B5EF4-FFF2-40B4-BE49-F238E27FC236}">
+                  <a16:creationId xmlns:a16="http://schemas.microsoft.com/office/drawing/2014/main" id="{5EF831A8-8482-42B6-A209-AE80A565715B}"/>
+                </a:ext>
+              </a:extLst>
+            </p:cNvPr>
+            <p:cNvSpPr txBox="1"/>
+            <p:nvPr/>
+          </p:nvSpPr>
+          <p:spPr>
+            <a:xfrm>
+              <a:off x="10392515" y="2326632"/>
+              <a:ext cx="1155032" cy="307777"/>
+            </a:xfrm>
+            <a:prstGeom prst="rect">
+              <a:avLst/>
+            </a:prstGeom>
+            <a:noFill/>
+          </p:spPr>
+          <p:txBody>
+            <a:bodyPr wrap="square" rtlCol="0">
+              <a:spAutoFit/>
+            </a:bodyPr>
+            <a:lstStyle/>
+            <a:p>
+              <a:pPr algn="ctr"/>
+              <a:r>
+                <a:rPr lang="en-US" sz="1400" dirty="0"/>
+                <a:t>Web App</a:t>
+              </a:r>
+            </a:p>
+          </p:txBody>
+        </p:sp>
+      </p:grpSp>
+      <p:grpSp>
+        <p:nvGrpSpPr>
+          <p:cNvPr id="5" name="Group 4">
+            <a:extLst>
+              <a:ext uri="{FF2B5EF4-FFF2-40B4-BE49-F238E27FC236}">
+                <a16:creationId xmlns:a16="http://schemas.microsoft.com/office/drawing/2014/main" id="{9BE9F303-8583-429C-8488-37F4CA4037C6}"/>
+              </a:ext>
+            </a:extLst>
+          </p:cNvPr>
+          <p:cNvGrpSpPr/>
+          <p:nvPr/>
+        </p:nvGrpSpPr>
+        <p:grpSpPr>
+          <a:xfrm>
+            <a:off x="10341832" y="3832806"/>
+            <a:ext cx="1295111" cy="1421682"/>
+            <a:chOff x="10341832" y="3832806"/>
+            <a:chExt cx="1295111" cy="1421682"/>
+          </a:xfrm>
+        </p:grpSpPr>
+        <p:pic>
+          <p:nvPicPr>
+            <p:cNvPr id="1056" name="Picture 32" descr="35,147 Email Notification Icon Images, Stock Photos &amp; Vectors | Shutterstock">
+              <a:extLst>
+                <a:ext uri="{FF2B5EF4-FFF2-40B4-BE49-F238E27FC236}">
+                  <a16:creationId xmlns:a16="http://schemas.microsoft.com/office/drawing/2014/main" id="{A0310A4A-4370-4031-B013-6BB67E0ADB7A}"/>
+                </a:ext>
+              </a:extLst>
+            </p:cNvPr>
+            <p:cNvPicPr>
+              <a:picLocks noChangeAspect="1" noChangeArrowheads="1"/>
+            </p:cNvPicPr>
+            <p:nvPr/>
+          </p:nvPicPr>
+          <p:blipFill>
+            <a:blip r:embed="rId3">
+              <a:extLst>
+                <a:ext uri="{28A0092B-C50C-407E-A947-70E740481C1C}">
+                  <a14:useLocalDpi xmlns:a14="http://schemas.microsoft.com/office/drawing/2010/main" val="0"/>
+                </a:ext>
+              </a:extLst>
+            </a:blip>
+            <a:srcRect/>
+            <a:stretch>
+              <a:fillRect/>
+            </a:stretch>
+          </p:blipFill>
+          <p:spPr bwMode="auto">
+            <a:xfrm>
+              <a:off x="10603661" y="3832806"/>
+              <a:ext cx="852943" cy="918554"/>
+            </a:xfrm>
+            <a:prstGeom prst="rect">
+              <a:avLst/>
+            </a:prstGeom>
+            <a:noFill/>
+            <a:extLst>
+              <a:ext uri="{909E8E84-426E-40DD-AFC4-6F175D3DCCD1}">
+                <a14:hiddenFill xmlns:a14="http://schemas.microsoft.com/office/drawing/2010/main">
+                  <a:solidFill>
+                    <a:srgbClr val="FFFFFF"/>
+                  </a:solidFill>
+                </a14:hiddenFill>
+              </a:ext>
+            </a:extLst>
+          </p:spPr>
+        </p:pic>
+        <p:sp>
+          <p:nvSpPr>
+            <p:cNvPr id="57" name="TextBox 56">
+              <a:extLst>
+                <a:ext uri="{FF2B5EF4-FFF2-40B4-BE49-F238E27FC236}">
+                  <a16:creationId xmlns:a16="http://schemas.microsoft.com/office/drawing/2014/main" id="{AF2E9521-EFCD-482A-AB9A-BE2A4BAB9E47}"/>
+                </a:ext>
+              </a:extLst>
+            </p:cNvPr>
+            <p:cNvSpPr txBox="1"/>
+            <p:nvPr/>
+          </p:nvSpPr>
+          <p:spPr>
+            <a:xfrm>
+              <a:off x="10341832" y="4731268"/>
+              <a:ext cx="1295111" cy="523220"/>
+            </a:xfrm>
+            <a:prstGeom prst="rect">
+              <a:avLst/>
+            </a:prstGeom>
+            <a:noFill/>
+          </p:spPr>
+          <p:txBody>
+            <a:bodyPr wrap="square" rtlCol="0">
+              <a:spAutoFit/>
+            </a:bodyPr>
+            <a:lstStyle/>
+            <a:p>
+              <a:pPr algn="ctr"/>
+              <a:r>
+                <a:rPr lang="en-US" sz="1400" dirty="0"/>
+                <a:t>Notification </a:t>
+              </a:r>
+            </a:p>
+            <a:p>
+              <a:pPr algn="ctr"/>
+              <a:r>
+                <a:rPr lang="en-US" sz="1400" dirty="0"/>
+                <a:t>Alerts</a:t>
+              </a:r>
+            </a:p>
+          </p:txBody>
+        </p:sp>
+      </p:grpSp>
+      <p:grpSp>
+        <p:nvGrpSpPr>
+          <p:cNvPr id="7" name="Group 6">
+            <a:extLst>
+              <a:ext uri="{FF2B5EF4-FFF2-40B4-BE49-F238E27FC236}">
+                <a16:creationId xmlns:a16="http://schemas.microsoft.com/office/drawing/2014/main" id="{095E6953-7118-4F1B-8301-90BF8FDA2EDD}"/>
+              </a:ext>
+            </a:extLst>
+          </p:cNvPr>
+          <p:cNvGrpSpPr/>
+          <p:nvPr/>
+        </p:nvGrpSpPr>
+        <p:grpSpPr>
+          <a:xfrm>
+            <a:off x="10382576" y="5461999"/>
+            <a:ext cx="1295111" cy="967918"/>
+            <a:chOff x="10382576" y="5461999"/>
+            <a:chExt cx="1295111" cy="967918"/>
+          </a:xfrm>
+        </p:grpSpPr>
+        <p:pic>
+          <p:nvPicPr>
+            <p:cNvPr id="1060" name="Picture 36" descr="Text,Azure,Font,Logo,Icon,Line,Material property,Electric  blue,Square,Graphics,Computer icon,Trademark,Symbol,Brand,Rectangle,Illustration  #137405 - Free Icon Library">
+              <a:extLst>
+                <a:ext uri="{FF2B5EF4-FFF2-40B4-BE49-F238E27FC236}">
+                  <a16:creationId xmlns:a16="http://schemas.microsoft.com/office/drawing/2014/main" id="{6B3B5FDD-5EBE-45CC-8F52-CFB1083C0A9F}"/>
+                </a:ext>
+              </a:extLst>
+            </p:cNvPr>
+            <p:cNvPicPr>
+              <a:picLocks noChangeAspect="1" noChangeArrowheads="1"/>
+            </p:cNvPicPr>
+            <p:nvPr/>
+          </p:nvPicPr>
+          <p:blipFill>
+            <a:blip r:embed="rId4">
+              <a:extLst>
+                <a:ext uri="{28A0092B-C50C-407E-A947-70E740481C1C}">
+                  <a14:useLocalDpi xmlns:a14="http://schemas.microsoft.com/office/drawing/2010/main" val="0"/>
+                </a:ext>
+              </a:extLst>
+            </a:blip>
+            <a:srcRect/>
+            <a:stretch>
+              <a:fillRect/>
+            </a:stretch>
+          </p:blipFill>
+          <p:spPr bwMode="auto">
+            <a:xfrm>
+              <a:off x="10642505" y="5461999"/>
+              <a:ext cx="775254" cy="775254"/>
+            </a:xfrm>
+            <a:prstGeom prst="rect">
+              <a:avLst/>
+            </a:prstGeom>
+            <a:noFill/>
+            <a:extLst>
+              <a:ext uri="{909E8E84-426E-40DD-AFC4-6F175D3DCCD1}">
+                <a14:hiddenFill xmlns:a14="http://schemas.microsoft.com/office/drawing/2010/main">
+                  <a:solidFill>
+                    <a:srgbClr val="FFFFFF"/>
+                  </a:solidFill>
+                </a14:hiddenFill>
+              </a:ext>
+            </a:extLst>
+          </p:spPr>
+        </p:pic>
+        <p:sp>
+          <p:nvSpPr>
+            <p:cNvPr id="61" name="TextBox 60">
+              <a:extLst>
+                <a:ext uri="{FF2B5EF4-FFF2-40B4-BE49-F238E27FC236}">
+                  <a16:creationId xmlns:a16="http://schemas.microsoft.com/office/drawing/2014/main" id="{BFFFE567-F7D2-4BA6-B74B-CE70E2B6EBF5}"/>
+                </a:ext>
+              </a:extLst>
+            </p:cNvPr>
+            <p:cNvSpPr txBox="1"/>
+            <p:nvPr/>
+          </p:nvSpPr>
+          <p:spPr>
+            <a:xfrm>
+              <a:off x="10382576" y="6122140"/>
+              <a:ext cx="1295111" cy="307777"/>
+            </a:xfrm>
+            <a:prstGeom prst="rect">
+              <a:avLst/>
+            </a:prstGeom>
+            <a:noFill/>
+          </p:spPr>
+          <p:txBody>
+            <a:bodyPr wrap="square" rtlCol="0">
+              <a:spAutoFit/>
+            </a:bodyPr>
+            <a:lstStyle/>
+            <a:p>
+              <a:pPr algn="ctr"/>
+              <a:r>
+                <a:rPr lang="en-US" sz="1400" dirty="0"/>
+                <a:t>Dash Board</a:t>
+              </a:r>
+            </a:p>
+          </p:txBody>
+        </p:sp>
+      </p:grpSp>
+      <p:grpSp>
+        <p:nvGrpSpPr>
+          <p:cNvPr id="12" name="Group 11">
+            <a:extLst>
+              <a:ext uri="{FF2B5EF4-FFF2-40B4-BE49-F238E27FC236}">
+                <a16:creationId xmlns:a16="http://schemas.microsoft.com/office/drawing/2014/main" id="{34A70B49-CF2B-4F2C-A307-C2EB73F7A2F1}"/>
+              </a:ext>
+            </a:extLst>
+          </p:cNvPr>
+          <p:cNvGrpSpPr/>
+          <p:nvPr/>
+        </p:nvGrpSpPr>
+        <p:grpSpPr>
+          <a:xfrm>
+            <a:off x="7968615" y="4366002"/>
+            <a:ext cx="1440852" cy="1992097"/>
+            <a:chOff x="7968615" y="4366002"/>
+            <a:chExt cx="1440852" cy="1992097"/>
+          </a:xfrm>
+        </p:grpSpPr>
+        <p:sp>
+          <p:nvSpPr>
+            <p:cNvPr id="26" name="Rectangle 25">
+              <a:extLst>
+                <a:ext uri="{FF2B5EF4-FFF2-40B4-BE49-F238E27FC236}">
+                  <a16:creationId xmlns:a16="http://schemas.microsoft.com/office/drawing/2014/main" id="{3285B846-F43A-4030-BD15-B295051017F8}"/>
+                </a:ext>
+              </a:extLst>
+            </p:cNvPr>
+            <p:cNvSpPr/>
+            <p:nvPr/>
+          </p:nvSpPr>
+          <p:spPr>
+            <a:xfrm>
+              <a:off x="7968615" y="4366003"/>
+              <a:ext cx="1440852" cy="1992096"/>
+            </a:xfrm>
+            <a:prstGeom prst="rect">
+              <a:avLst/>
+            </a:prstGeom>
+          </p:spPr>
+          <p:style>
+            <a:lnRef idx="2">
+              <a:schemeClr val="accent1"/>
+            </a:lnRef>
+            <a:fillRef idx="1">
+              <a:schemeClr val="lt1"/>
+            </a:fillRef>
+            <a:effectRef idx="0">
+              <a:schemeClr val="accent1"/>
+            </a:effectRef>
+            <a:fontRef idx="minor">
+              <a:schemeClr val="dk1"/>
+            </a:fontRef>
+          </p:style>
+          <p:txBody>
+            <a:bodyPr rtlCol="0" anchor="ctr"/>
+            <a:lstStyle/>
+            <a:p>
+              <a:pPr algn="ctr"/>
+              <a:endParaRPr lang="en-US" dirty="0"/>
+            </a:p>
+          </p:txBody>
+        </p:sp>
+        <p:pic>
+          <p:nvPicPr>
+            <p:cNvPr id="1034" name="Picture 10" descr="Official Azure Icon Set">
+              <a:extLst>
+                <a:ext uri="{FF2B5EF4-FFF2-40B4-BE49-F238E27FC236}">
+                  <a16:creationId xmlns:a16="http://schemas.microsoft.com/office/drawing/2014/main" id="{59C6F798-0681-4955-A2A6-223D3E8F6879}"/>
+                </a:ext>
+              </a:extLst>
+            </p:cNvPr>
+            <p:cNvPicPr>
+              <a:picLocks noChangeAspect="1" noChangeArrowheads="1"/>
+            </p:cNvPicPr>
+            <p:nvPr/>
+          </p:nvPicPr>
+          <p:blipFill>
+            <a:blip r:embed="rId5">
+              <a:extLst>
+                <a:ext uri="{28A0092B-C50C-407E-A947-70E740481C1C}">
+                  <a14:useLocalDpi xmlns:a14="http://schemas.microsoft.com/office/drawing/2010/main" val="0"/>
+                </a:ext>
+              </a:extLst>
+            </a:blip>
+            <a:srcRect/>
+            <a:stretch>
+              <a:fillRect/>
+            </a:stretch>
+          </p:blipFill>
+          <p:spPr bwMode="auto">
+            <a:xfrm>
+              <a:off x="8099745" y="4949279"/>
+              <a:ext cx="595963" cy="647597"/>
+            </a:xfrm>
+            <a:prstGeom prst="rect">
+              <a:avLst/>
+            </a:prstGeom>
+            <a:noFill/>
+            <a:extLst>
+              <a:ext uri="{909E8E84-426E-40DD-AFC4-6F175D3DCCD1}">
+                <a14:hiddenFill xmlns:a14="http://schemas.microsoft.com/office/drawing/2010/main">
+                  <a:solidFill>
+                    <a:srgbClr val="FFFFFF"/>
+                  </a:solidFill>
+                </a14:hiddenFill>
+              </a:ext>
+            </a:extLst>
+          </p:spPr>
+        </p:pic>
+        <p:pic>
+          <p:nvPicPr>
+            <p:cNvPr id="1044" name="Picture 20" descr="Postgres Icon #381571 - Free Icons Library">
+              <a:extLst>
+                <a:ext uri="{FF2B5EF4-FFF2-40B4-BE49-F238E27FC236}">
+                  <a16:creationId xmlns:a16="http://schemas.microsoft.com/office/drawing/2014/main" id="{527BAB88-A755-411B-9DB3-B32FBFD37750}"/>
+                </a:ext>
+              </a:extLst>
+            </p:cNvPr>
+            <p:cNvPicPr>
+              <a:picLocks noChangeAspect="1" noChangeArrowheads="1"/>
+            </p:cNvPicPr>
+            <p:nvPr/>
+          </p:nvPicPr>
+          <p:blipFill>
+            <a:blip r:embed="rId6">
+              <a:extLst>
+                <a:ext uri="{28A0092B-C50C-407E-A947-70E740481C1C}">
+                  <a14:useLocalDpi xmlns:a14="http://schemas.microsoft.com/office/drawing/2010/main" val="0"/>
+                </a:ext>
+              </a:extLst>
+            </a:blip>
+            <a:srcRect/>
+            <a:stretch>
+              <a:fillRect/>
+            </a:stretch>
+          </p:blipFill>
+          <p:spPr bwMode="auto">
+            <a:xfrm>
+              <a:off x="8095122" y="5658278"/>
+              <a:ext cx="571437" cy="620946"/>
+            </a:xfrm>
+            <a:prstGeom prst="rect">
+              <a:avLst/>
+            </a:prstGeom>
+            <a:noFill/>
+            <a:extLst>
+              <a:ext uri="{909E8E84-426E-40DD-AFC4-6F175D3DCCD1}">
+                <a14:hiddenFill xmlns:a14="http://schemas.microsoft.com/office/drawing/2010/main">
+                  <a:solidFill>
+                    <a:srgbClr val="FFFFFF"/>
+                  </a:solidFill>
+                </a14:hiddenFill>
+              </a:ext>
+            </a:extLst>
+          </p:spPr>
+        </p:pic>
+        <p:pic>
+          <p:nvPicPr>
+            <p:cNvPr id="1046" name="Picture 22" descr="Microsoft SQL Server - UNIFY Solutions">
+              <a:extLst>
+                <a:ext uri="{FF2B5EF4-FFF2-40B4-BE49-F238E27FC236}">
+                  <a16:creationId xmlns:a16="http://schemas.microsoft.com/office/drawing/2014/main" id="{80E891C7-4CD4-4860-8467-0C73BCDF8F7B}"/>
+                </a:ext>
+              </a:extLst>
+            </p:cNvPr>
+            <p:cNvPicPr>
+              <a:picLocks noChangeAspect="1" noChangeArrowheads="1"/>
+            </p:cNvPicPr>
+            <p:nvPr/>
+          </p:nvPicPr>
+          <p:blipFill>
+            <a:blip r:embed="rId7">
+              <a:extLst>
+                <a:ext uri="{28A0092B-C50C-407E-A947-70E740481C1C}">
+                  <a14:useLocalDpi xmlns:a14="http://schemas.microsoft.com/office/drawing/2010/main" val="0"/>
+                </a:ext>
+              </a:extLst>
+            </a:blip>
+            <a:srcRect/>
+            <a:stretch>
+              <a:fillRect/>
+            </a:stretch>
+          </p:blipFill>
+          <p:spPr bwMode="auto">
+            <a:xfrm>
+              <a:off x="8725270" y="5649771"/>
+              <a:ext cx="571437" cy="620946"/>
+            </a:xfrm>
+            <a:prstGeom prst="rect">
+              <a:avLst/>
+            </a:prstGeom>
+            <a:noFill/>
+            <a:extLst>
+              <a:ext uri="{909E8E84-426E-40DD-AFC4-6F175D3DCCD1}">
+                <a14:hiddenFill xmlns:a14="http://schemas.microsoft.com/office/drawing/2010/main">
+                  <a:solidFill>
+                    <a:srgbClr val="FFFFFF"/>
+                  </a:solidFill>
+                </a14:hiddenFill>
+              </a:ext>
+            </a:extLst>
+          </p:spPr>
+        </p:pic>
+        <p:sp>
+          <p:nvSpPr>
+            <p:cNvPr id="42" name="TextBox 41">
+              <a:extLst>
+                <a:ext uri="{FF2B5EF4-FFF2-40B4-BE49-F238E27FC236}">
+                  <a16:creationId xmlns:a16="http://schemas.microsoft.com/office/drawing/2014/main" id="{0FC32B2B-D6F5-48DA-96F8-69C719C3A211}"/>
+                </a:ext>
+              </a:extLst>
+            </p:cNvPr>
+            <p:cNvSpPr txBox="1"/>
+            <p:nvPr/>
+          </p:nvSpPr>
+          <p:spPr>
+            <a:xfrm>
+              <a:off x="8028873" y="4366002"/>
+              <a:ext cx="1314345" cy="462416"/>
+            </a:xfrm>
+            <a:prstGeom prst="rect">
+              <a:avLst/>
+            </a:prstGeom>
+            <a:noFill/>
+          </p:spPr>
+          <p:txBody>
+            <a:bodyPr wrap="square" rtlCol="0">
+              <a:spAutoFit/>
+            </a:bodyPr>
+            <a:lstStyle/>
+            <a:p>
+              <a:pPr algn="ctr"/>
+              <a:r>
+                <a:rPr lang="en-US" sz="1400" dirty="0"/>
+                <a:t>Storage, Time Series DB, Blob, File</a:t>
+              </a:r>
+            </a:p>
+          </p:txBody>
+        </p:sp>
+      </p:grpSp>
+      <p:sp>
+        <p:nvSpPr>
+          <p:cNvPr id="64" name="Rectangle 63">
+            <a:extLst>
+              <a:ext uri="{FF2B5EF4-FFF2-40B4-BE49-F238E27FC236}">
+                <a16:creationId xmlns:a16="http://schemas.microsoft.com/office/drawing/2014/main" id="{E4842C06-1EB4-434A-9E15-CAD0CAE8649F}"/>
+              </a:ext>
+            </a:extLst>
+          </p:cNvPr>
+          <p:cNvSpPr/>
+          <p:nvPr/>
+        </p:nvSpPr>
+        <p:spPr>
+          <a:xfrm>
+            <a:off x="3702085" y="759689"/>
+            <a:ext cx="6022095" cy="389756"/>
+          </a:xfrm>
+          <a:prstGeom prst="rect">
+            <a:avLst/>
+          </a:prstGeom>
+          <a:ln>
+            <a:solidFill>
+              <a:srgbClr val="0070C0"/>
+            </a:solidFill>
+          </a:ln>
+        </p:spPr>
+        <p:style>
+          <a:lnRef idx="2">
+            <a:schemeClr val="accent6"/>
+          </a:lnRef>
+          <a:fillRef idx="1">
+            <a:schemeClr val="lt1"/>
+          </a:fillRef>
+          <a:effectRef idx="0">
+            <a:schemeClr val="accent6"/>
+          </a:effectRef>
+          <a:fontRef idx="minor">
+            <a:schemeClr val="dk1"/>
+          </a:fontRef>
+        </p:style>
+        <p:txBody>
+          <a:bodyPr rtlCol="0" anchor="ctr"/>
+          <a:lstStyle/>
+          <a:p>
+            <a:pPr algn="ctr"/>
+            <a:r>
+              <a:rPr lang="en-US" sz="1400" b="1" dirty="0"/>
+              <a:t>On Prem  </a:t>
+            </a:r>
+          </a:p>
+        </p:txBody>
+      </p:sp>
+      <p:pic>
+        <p:nvPicPr>
+          <p:cNvPr id="65" name="Picture 6" descr="Cloud Symbol png download - 512*512 - Free Transparent Microsoft Azure png  Download. - CleanPNG / KissPNG">
+            <a:extLst>
+              <a:ext uri="{FF2B5EF4-FFF2-40B4-BE49-F238E27FC236}">
+                <a16:creationId xmlns:a16="http://schemas.microsoft.com/office/drawing/2014/main" id="{DBDDDD18-F8A0-4BFD-AC9E-66C6AB2AFECE}"/>
+              </a:ext>
+            </a:extLst>
+          </p:cNvPr>
+          <p:cNvPicPr>
+            <a:picLocks noChangeAspect="1" noChangeArrowheads="1"/>
+          </p:cNvPicPr>
+          <p:nvPr/>
+        </p:nvPicPr>
+        <p:blipFill>
+          <a:blip r:embed="rId8">
+            <a:extLst>
+              <a:ext uri="{28A0092B-C50C-407E-A947-70E740481C1C}">
+                <a14:useLocalDpi xmlns:a14="http://schemas.microsoft.com/office/drawing/2010/main" val="0"/>
+              </a:ext>
+            </a:extLst>
+          </a:blip>
+          <a:srcRect/>
+          <a:stretch>
+            <a:fillRect/>
+          </a:stretch>
+        </p:blipFill>
+        <p:spPr bwMode="auto">
+          <a:xfrm>
+            <a:off x="3747955" y="805572"/>
+            <a:ext cx="606482" cy="297525"/>
+          </a:xfrm>
+          <a:prstGeom prst="rect">
+            <a:avLst/>
+          </a:prstGeom>
+          <a:noFill/>
+          <a:ln>
+            <a:solidFill>
+              <a:srgbClr val="0070C0"/>
+            </a:solidFill>
+          </a:ln>
+          <a:extLst>
+            <a:ext uri="{909E8E84-426E-40DD-AFC4-6F175D3DCCD1}">
+              <a14:hiddenFill xmlns:a14="http://schemas.microsoft.com/office/drawing/2010/main">
+                <a:solidFill>
+                  <a:srgbClr val="FFFFFF"/>
+                </a:solidFill>
+              </a14:hiddenFill>
+            </a:ext>
+          </a:extLst>
+        </p:spPr>
+      </p:pic>
+      <p:grpSp>
+        <p:nvGrpSpPr>
+          <p:cNvPr id="54" name="Group 53">
+            <a:extLst>
+              <a:ext uri="{FF2B5EF4-FFF2-40B4-BE49-F238E27FC236}">
+                <a16:creationId xmlns:a16="http://schemas.microsoft.com/office/drawing/2014/main" id="{AC4FCB01-BD99-42D8-8FFA-8AF967B17B10}"/>
+              </a:ext>
+            </a:extLst>
+          </p:cNvPr>
+          <p:cNvGrpSpPr/>
+          <p:nvPr/>
+        </p:nvGrpSpPr>
+        <p:grpSpPr>
+          <a:xfrm>
+            <a:off x="188811" y="758397"/>
+            <a:ext cx="3131905" cy="369332"/>
+            <a:chOff x="140685" y="779646"/>
+            <a:chExt cx="3407344" cy="369332"/>
+          </a:xfrm>
+        </p:grpSpPr>
+        <p:sp>
+          <p:nvSpPr>
+            <p:cNvPr id="43" name="Rectangle 42">
+              <a:extLst>
+                <a:ext uri="{FF2B5EF4-FFF2-40B4-BE49-F238E27FC236}">
+                  <a16:creationId xmlns:a16="http://schemas.microsoft.com/office/drawing/2014/main" id="{7D733011-F4BF-4A4A-ACAE-29D2C840F3E7}"/>
+                </a:ext>
+              </a:extLst>
+            </p:cNvPr>
+            <p:cNvSpPr/>
+            <p:nvPr/>
+          </p:nvSpPr>
+          <p:spPr>
+            <a:xfrm>
+              <a:off x="140685" y="779646"/>
+              <a:ext cx="3407344" cy="369332"/>
+            </a:xfrm>
+            <a:prstGeom prst="rect">
+              <a:avLst/>
+            </a:prstGeom>
+          </p:spPr>
+          <p:style>
+            <a:lnRef idx="2">
+              <a:schemeClr val="accent2"/>
+            </a:lnRef>
+            <a:fillRef idx="1">
+              <a:schemeClr val="lt1"/>
+            </a:fillRef>
+            <a:effectRef idx="0">
+              <a:schemeClr val="accent2"/>
+            </a:effectRef>
+            <a:fontRef idx="minor">
+              <a:schemeClr val="dk1"/>
+            </a:fontRef>
+          </p:style>
+          <p:txBody>
+            <a:bodyPr rtlCol="0" anchor="ctr"/>
+            <a:lstStyle/>
+            <a:p>
+              <a:pPr algn="ctr"/>
+              <a:r>
+                <a:rPr lang="en-US" sz="1400" b="1" dirty="0"/>
+                <a:t>IoT Things</a:t>
+              </a:r>
+            </a:p>
+          </p:txBody>
+        </p:sp>
+        <p:pic>
+          <p:nvPicPr>
+            <p:cNvPr id="66" name="Picture 65">
+              <a:extLst>
+                <a:ext uri="{FF2B5EF4-FFF2-40B4-BE49-F238E27FC236}">
+                  <a16:creationId xmlns:a16="http://schemas.microsoft.com/office/drawing/2014/main" id="{0153EAFC-5500-4D70-93BE-2F8BC0CA07FA}"/>
+                </a:ext>
+              </a:extLst>
+            </p:cNvPr>
+            <p:cNvPicPr>
+              <a:picLocks noChangeAspect="1"/>
+            </p:cNvPicPr>
+            <p:nvPr/>
+          </p:nvPicPr>
+          <p:blipFill>
+            <a:blip r:embed="rId9"/>
+            <a:stretch>
+              <a:fillRect/>
+            </a:stretch>
+          </p:blipFill>
+          <p:spPr>
+            <a:xfrm>
+              <a:off x="150310" y="788874"/>
+              <a:ext cx="446113" cy="350876"/>
+            </a:xfrm>
+            <a:prstGeom prst="rect">
+              <a:avLst/>
+            </a:prstGeom>
+          </p:spPr>
+          <p:style>
+            <a:lnRef idx="2">
+              <a:schemeClr val="accent2"/>
+            </a:lnRef>
+            <a:fillRef idx="1">
+              <a:schemeClr val="lt1"/>
+            </a:fillRef>
+            <a:effectRef idx="0">
+              <a:schemeClr val="accent2"/>
+            </a:effectRef>
+            <a:fontRef idx="minor">
+              <a:schemeClr val="dk1"/>
+            </a:fontRef>
+          </p:style>
+        </p:pic>
+      </p:grpSp>
+      <p:grpSp>
+        <p:nvGrpSpPr>
+          <p:cNvPr id="11" name="Group 10">
+            <a:extLst>
+              <a:ext uri="{FF2B5EF4-FFF2-40B4-BE49-F238E27FC236}">
+                <a16:creationId xmlns:a16="http://schemas.microsoft.com/office/drawing/2014/main" id="{479A546B-0B34-4DF1-AC90-D52A4283787A}"/>
+              </a:ext>
+            </a:extLst>
+          </p:cNvPr>
+          <p:cNvGrpSpPr/>
+          <p:nvPr/>
+        </p:nvGrpSpPr>
+        <p:grpSpPr>
+          <a:xfrm>
+            <a:off x="5621267" y="5429426"/>
+            <a:ext cx="1348647" cy="1160326"/>
+            <a:chOff x="5698268" y="5429426"/>
+            <a:chExt cx="1348647" cy="1160326"/>
+          </a:xfrm>
+        </p:grpSpPr>
+        <p:sp>
+          <p:nvSpPr>
+            <p:cNvPr id="35" name="Rectangle 34">
+              <a:extLst>
+                <a:ext uri="{FF2B5EF4-FFF2-40B4-BE49-F238E27FC236}">
+                  <a16:creationId xmlns:a16="http://schemas.microsoft.com/office/drawing/2014/main" id="{0BCFA8AB-EDCC-4FB3-9A97-B6516116F163}"/>
+                </a:ext>
+              </a:extLst>
+            </p:cNvPr>
+            <p:cNvSpPr/>
+            <p:nvPr/>
+          </p:nvSpPr>
+          <p:spPr>
+            <a:xfrm>
+              <a:off x="5698268" y="5429426"/>
+              <a:ext cx="1348645" cy="1124552"/>
+            </a:xfrm>
+            <a:prstGeom prst="rect">
+              <a:avLst/>
+            </a:prstGeom>
+          </p:spPr>
+          <p:style>
+            <a:lnRef idx="2">
+              <a:schemeClr val="accent1"/>
+            </a:lnRef>
+            <a:fillRef idx="1">
+              <a:schemeClr val="lt1"/>
+            </a:fillRef>
+            <a:effectRef idx="0">
+              <a:schemeClr val="accent1"/>
+            </a:effectRef>
+            <a:fontRef idx="minor">
+              <a:schemeClr val="dk1"/>
+            </a:fontRef>
+          </p:style>
+          <p:txBody>
+            <a:bodyPr rtlCol="0" anchor="ctr"/>
+            <a:lstStyle/>
+            <a:p>
+              <a:pPr algn="ctr"/>
+              <a:endParaRPr lang="en-US"/>
+            </a:p>
+          </p:txBody>
+        </p:sp>
+        <p:sp>
+          <p:nvSpPr>
+            <p:cNvPr id="74" name="TextBox 73">
+              <a:extLst>
+                <a:ext uri="{FF2B5EF4-FFF2-40B4-BE49-F238E27FC236}">
+                  <a16:creationId xmlns:a16="http://schemas.microsoft.com/office/drawing/2014/main" id="{8A8F016F-81A9-401A-B4A2-FC7BE87E44C1}"/>
+                </a:ext>
+              </a:extLst>
+            </p:cNvPr>
+            <p:cNvSpPr txBox="1"/>
+            <p:nvPr/>
+          </p:nvSpPr>
+          <p:spPr>
+            <a:xfrm>
+              <a:off x="5732973" y="6066532"/>
+              <a:ext cx="1313942" cy="523220"/>
+            </a:xfrm>
+            <a:prstGeom prst="rect">
+              <a:avLst/>
+            </a:prstGeom>
+            <a:noFill/>
+          </p:spPr>
+          <p:txBody>
+            <a:bodyPr wrap="square" rtlCol="0">
+              <a:spAutoFit/>
+            </a:bodyPr>
+            <a:lstStyle/>
+            <a:p>
+              <a:pPr algn="ctr"/>
+              <a:r>
+                <a:rPr lang="en-US" sz="1400" dirty="0"/>
+                <a:t>Job : Process</a:t>
+              </a:r>
+            </a:p>
+            <a:p>
+              <a:pPr algn="ctr"/>
+              <a:r>
+                <a:rPr lang="en-US" sz="1400" dirty="0"/>
+                <a:t>Streamed Data</a:t>
+              </a:r>
+            </a:p>
+          </p:txBody>
+        </p:sp>
+      </p:grpSp>
+      <p:grpSp>
+        <p:nvGrpSpPr>
+          <p:cNvPr id="58" name="Group 57">
+            <a:extLst>
+              <a:ext uri="{FF2B5EF4-FFF2-40B4-BE49-F238E27FC236}">
+                <a16:creationId xmlns:a16="http://schemas.microsoft.com/office/drawing/2014/main" id="{96B30E31-037A-48A7-B30E-9DAACDE22223}"/>
+              </a:ext>
+            </a:extLst>
+          </p:cNvPr>
+          <p:cNvGrpSpPr/>
+          <p:nvPr/>
+        </p:nvGrpSpPr>
+        <p:grpSpPr>
+          <a:xfrm>
+            <a:off x="2015053" y="3051542"/>
+            <a:ext cx="980265" cy="1705935"/>
+            <a:chOff x="1808611" y="2944256"/>
+            <a:chExt cx="980265" cy="1705935"/>
+          </a:xfrm>
+        </p:grpSpPr>
+        <p:pic>
+          <p:nvPicPr>
+            <p:cNvPr id="1026" name="Picture 2" descr="Getting Started with Azure IoT Edge on Ubuntu 18.04">
+              <a:extLst>
+                <a:ext uri="{FF2B5EF4-FFF2-40B4-BE49-F238E27FC236}">
+                  <a16:creationId xmlns:a16="http://schemas.microsoft.com/office/drawing/2014/main" id="{D04993E2-C36C-4C1F-9057-90BF204D89EE}"/>
+                </a:ext>
+              </a:extLst>
+            </p:cNvPr>
+            <p:cNvPicPr>
+              <a:picLocks noChangeAspect="1" noChangeArrowheads="1"/>
+            </p:cNvPicPr>
+            <p:nvPr/>
+          </p:nvPicPr>
+          <p:blipFill>
+            <a:blip r:embed="rId10">
+              <a:extLst>
+                <a:ext uri="{28A0092B-C50C-407E-A947-70E740481C1C}">
+                  <a14:useLocalDpi xmlns:a14="http://schemas.microsoft.com/office/drawing/2010/main" val="0"/>
+                </a:ext>
+              </a:extLst>
+            </a:blip>
+            <a:srcRect/>
+            <a:stretch>
+              <a:fillRect/>
+            </a:stretch>
+          </p:blipFill>
+          <p:spPr bwMode="auto">
+            <a:xfrm>
+              <a:off x="1808611" y="2944256"/>
+              <a:ext cx="973187" cy="785270"/>
+            </a:xfrm>
+            <a:prstGeom prst="rect">
+              <a:avLst/>
+            </a:prstGeom>
+            <a:noFill/>
+            <a:ln>
+              <a:noFill/>
+            </a:ln>
+            <a:extLst>
+              <a:ext uri="{909E8E84-426E-40DD-AFC4-6F175D3DCCD1}">
+                <a14:hiddenFill xmlns:a14="http://schemas.microsoft.com/office/drawing/2010/main">
+                  <a:solidFill>
+                    <a:srgbClr val="FFFFFF"/>
+                  </a:solidFill>
+                </a14:hiddenFill>
+              </a:ext>
+            </a:extLst>
+          </p:spPr>
+        </p:pic>
+        <p:sp>
+          <p:nvSpPr>
+            <p:cNvPr id="49" name="TextBox 48">
+              <a:extLst>
+                <a:ext uri="{FF2B5EF4-FFF2-40B4-BE49-F238E27FC236}">
+                  <a16:creationId xmlns:a16="http://schemas.microsoft.com/office/drawing/2014/main" id="{35A8915A-C344-4755-9C66-AA617D427D94}"/>
+                </a:ext>
+              </a:extLst>
+            </p:cNvPr>
+            <p:cNvSpPr txBox="1"/>
+            <p:nvPr/>
+          </p:nvSpPr>
+          <p:spPr>
+            <a:xfrm>
+              <a:off x="1894476" y="3696084"/>
+              <a:ext cx="894400" cy="954107"/>
+            </a:xfrm>
+            <a:prstGeom prst="rect">
+              <a:avLst/>
+            </a:prstGeom>
+            <a:noFill/>
+          </p:spPr>
+          <p:txBody>
+            <a:bodyPr wrap="square" rtlCol="0">
+              <a:spAutoFit/>
+            </a:bodyPr>
+            <a:lstStyle/>
+            <a:p>
+              <a:pPr algn="ctr"/>
+              <a:r>
+                <a:rPr lang="en-US" sz="1400" dirty="0"/>
+                <a:t>Custom Docker  EDGE </a:t>
+              </a:r>
+            </a:p>
+            <a:p>
+              <a:pPr algn="ctr"/>
+              <a:r>
+                <a:rPr lang="en-US" sz="1400" dirty="0"/>
+                <a:t>Device</a:t>
+              </a:r>
+            </a:p>
+          </p:txBody>
+        </p:sp>
+      </p:grpSp>
+      <p:sp>
+        <p:nvSpPr>
+          <p:cNvPr id="51" name="Rectangle 50">
+            <a:extLst>
+              <a:ext uri="{FF2B5EF4-FFF2-40B4-BE49-F238E27FC236}">
+                <a16:creationId xmlns:a16="http://schemas.microsoft.com/office/drawing/2014/main" id="{491B6528-80DE-49E9-816E-CE16DB8A227D}"/>
+              </a:ext>
+            </a:extLst>
+          </p:cNvPr>
+          <p:cNvSpPr/>
+          <p:nvPr/>
+        </p:nvSpPr>
+        <p:spPr>
+          <a:xfrm>
+            <a:off x="193018" y="122638"/>
+            <a:ext cx="11780809" cy="526497"/>
+          </a:xfrm>
+          <a:prstGeom prst="rect">
+            <a:avLst/>
+          </a:prstGeom>
+        </p:spPr>
+        <p:style>
+          <a:lnRef idx="2">
+            <a:schemeClr val="accent1">
+              <a:shade val="50000"/>
+            </a:schemeClr>
+          </a:lnRef>
+          <a:fillRef idx="1">
+            <a:schemeClr val="accent1"/>
+          </a:fillRef>
+          <a:effectRef idx="0">
+            <a:schemeClr val="accent1"/>
+          </a:effectRef>
+          <a:fontRef idx="minor">
+            <a:schemeClr val="lt1"/>
+          </a:fontRef>
+        </p:style>
+        <p:txBody>
+          <a:bodyPr rtlCol="0" anchor="ctr"/>
+          <a:lstStyle/>
+          <a:p>
+            <a:pPr algn="ctr"/>
+            <a:r>
+              <a:rPr lang="en-US" b="1" dirty="0"/>
+              <a:t>Internet of Things High Level Diagram (on prem) </a:t>
+            </a:r>
+          </a:p>
+        </p:txBody>
+      </p:sp>
+      <p:grpSp>
+        <p:nvGrpSpPr>
+          <p:cNvPr id="69" name="Group 68">
+            <a:extLst>
+              <a:ext uri="{FF2B5EF4-FFF2-40B4-BE49-F238E27FC236}">
+                <a16:creationId xmlns:a16="http://schemas.microsoft.com/office/drawing/2014/main" id="{11506535-A2F3-4D80-8B0F-DAAE3B9F725A}"/>
+              </a:ext>
+            </a:extLst>
+          </p:cNvPr>
+          <p:cNvGrpSpPr/>
+          <p:nvPr/>
+        </p:nvGrpSpPr>
+        <p:grpSpPr>
+          <a:xfrm>
+            <a:off x="8110620" y="2209072"/>
+            <a:ext cx="1149454" cy="1149105"/>
+            <a:chOff x="5867363" y="3394263"/>
+            <a:chExt cx="1150476" cy="1149106"/>
+          </a:xfrm>
+        </p:grpSpPr>
+        <p:pic>
+          <p:nvPicPr>
+            <p:cNvPr id="1054" name="Picture 30" descr="Azure API Management (@AzureApiMgmt) / Twitter">
+              <a:extLst>
+                <a:ext uri="{FF2B5EF4-FFF2-40B4-BE49-F238E27FC236}">
+                  <a16:creationId xmlns:a16="http://schemas.microsoft.com/office/drawing/2014/main" id="{14EF594C-E1C9-44CC-B211-3E43AF713C65}"/>
+                </a:ext>
+              </a:extLst>
+            </p:cNvPr>
+            <p:cNvPicPr>
+              <a:picLocks noChangeAspect="1" noChangeArrowheads="1"/>
+            </p:cNvPicPr>
+            <p:nvPr/>
+          </p:nvPicPr>
+          <p:blipFill>
+            <a:blip r:embed="rId11">
+              <a:extLst>
+                <a:ext uri="{28A0092B-C50C-407E-A947-70E740481C1C}">
+                  <a14:useLocalDpi xmlns:a14="http://schemas.microsoft.com/office/drawing/2010/main" val="0"/>
+                </a:ext>
+              </a:extLst>
+            </a:blip>
+            <a:srcRect/>
+            <a:stretch>
+              <a:fillRect/>
+            </a:stretch>
+          </p:blipFill>
+          <p:spPr bwMode="auto">
+            <a:xfrm>
+              <a:off x="6096000" y="3463738"/>
+              <a:ext cx="738137" cy="738137"/>
+            </a:xfrm>
+            <a:prstGeom prst="rect">
+              <a:avLst/>
+            </a:prstGeom>
+            <a:noFill/>
+            <a:extLst>
+              <a:ext uri="{909E8E84-426E-40DD-AFC4-6F175D3DCCD1}">
+                <a14:hiddenFill xmlns:a14="http://schemas.microsoft.com/office/drawing/2010/main">
+                  <a:solidFill>
+                    <a:srgbClr val="FFFFFF"/>
+                  </a:solidFill>
+                </a14:hiddenFill>
+              </a:ext>
+            </a:extLst>
+          </p:spPr>
+        </p:pic>
+        <p:sp>
+          <p:nvSpPr>
+            <p:cNvPr id="40" name="TextBox 39">
+              <a:extLst>
+                <a:ext uri="{FF2B5EF4-FFF2-40B4-BE49-F238E27FC236}">
+                  <a16:creationId xmlns:a16="http://schemas.microsoft.com/office/drawing/2014/main" id="{E5C59DAA-0A8E-4B7E-8A13-B052C081C5D2}"/>
+                </a:ext>
+              </a:extLst>
+            </p:cNvPr>
+            <p:cNvSpPr txBox="1"/>
+            <p:nvPr/>
+          </p:nvSpPr>
+          <p:spPr>
+            <a:xfrm>
+              <a:off x="6048958" y="4167926"/>
+              <a:ext cx="842465" cy="307777"/>
+            </a:xfrm>
+            <a:prstGeom prst="rect">
+              <a:avLst/>
+            </a:prstGeom>
+            <a:noFill/>
+          </p:spPr>
+          <p:txBody>
+            <a:bodyPr wrap="square" rtlCol="0">
+              <a:spAutoFit/>
+            </a:bodyPr>
+            <a:lstStyle/>
+            <a:p>
+              <a:r>
+                <a:rPr lang="en-US" sz="1400" dirty="0"/>
+                <a:t>Web API</a:t>
+              </a:r>
+            </a:p>
+          </p:txBody>
+        </p:sp>
+        <p:sp>
+          <p:nvSpPr>
+            <p:cNvPr id="63" name="Rectangle: Rounded Corners 62">
+              <a:extLst>
+                <a:ext uri="{FF2B5EF4-FFF2-40B4-BE49-F238E27FC236}">
+                  <a16:creationId xmlns:a16="http://schemas.microsoft.com/office/drawing/2014/main" id="{C40D7C81-2820-44E4-A581-8DCDCB1CDDDA}"/>
+                </a:ext>
+              </a:extLst>
+            </p:cNvPr>
+            <p:cNvSpPr/>
+            <p:nvPr/>
+          </p:nvSpPr>
+          <p:spPr>
+            <a:xfrm>
+              <a:off x="5867363" y="3394263"/>
+              <a:ext cx="1150476" cy="1149106"/>
+            </a:xfrm>
+            <a:prstGeom prst="roundRect">
+              <a:avLst/>
+            </a:prstGeom>
+            <a:noFill/>
+          </p:spPr>
+          <p:style>
+            <a:lnRef idx="2">
+              <a:schemeClr val="accent1">
+                <a:shade val="50000"/>
+              </a:schemeClr>
+            </a:lnRef>
+            <a:fillRef idx="1">
+              <a:schemeClr val="accent1"/>
+            </a:fillRef>
+            <a:effectRef idx="0">
+              <a:schemeClr val="accent1"/>
+            </a:effectRef>
+            <a:fontRef idx="minor">
+              <a:schemeClr val="lt1"/>
+            </a:fontRef>
+          </p:style>
+          <p:txBody>
+            <a:bodyPr rtlCol="0" anchor="ctr"/>
+            <a:lstStyle/>
+            <a:p>
+              <a:pPr algn="ctr"/>
+              <a:endParaRPr lang="en-US"/>
+            </a:p>
+          </p:txBody>
+        </p:sp>
+      </p:grpSp>
+      <p:grpSp>
+        <p:nvGrpSpPr>
+          <p:cNvPr id="8" name="Group 7">
+            <a:extLst>
+              <a:ext uri="{FF2B5EF4-FFF2-40B4-BE49-F238E27FC236}">
+                <a16:creationId xmlns:a16="http://schemas.microsoft.com/office/drawing/2014/main" id="{302FDD0E-4046-4EF1-9B66-09C98BD45349}"/>
+              </a:ext>
+            </a:extLst>
+          </p:cNvPr>
+          <p:cNvGrpSpPr/>
+          <p:nvPr/>
+        </p:nvGrpSpPr>
+        <p:grpSpPr>
+          <a:xfrm>
+            <a:off x="10090001" y="767406"/>
+            <a:ext cx="1875533" cy="400341"/>
+            <a:chOff x="10098294" y="774464"/>
+            <a:chExt cx="1875533" cy="400341"/>
+          </a:xfrm>
+        </p:grpSpPr>
+        <p:sp>
+          <p:nvSpPr>
+            <p:cNvPr id="67" name="Rectangle 66">
+              <a:extLst>
+                <a:ext uri="{FF2B5EF4-FFF2-40B4-BE49-F238E27FC236}">
+                  <a16:creationId xmlns:a16="http://schemas.microsoft.com/office/drawing/2014/main" id="{2CCB1E51-0319-4C91-A4C8-5E3B35BF9D4C}"/>
+                </a:ext>
+              </a:extLst>
+            </p:cNvPr>
+            <p:cNvSpPr/>
+            <p:nvPr/>
+          </p:nvSpPr>
+          <p:spPr>
+            <a:xfrm>
+              <a:off x="10098294" y="774464"/>
+              <a:ext cx="1875533" cy="400341"/>
+            </a:xfrm>
+            <a:prstGeom prst="rect">
+              <a:avLst/>
+            </a:prstGeom>
+          </p:spPr>
+          <p:style>
+            <a:lnRef idx="2">
+              <a:schemeClr val="accent6"/>
+            </a:lnRef>
+            <a:fillRef idx="1">
+              <a:schemeClr val="lt1"/>
+            </a:fillRef>
+            <a:effectRef idx="0">
+              <a:schemeClr val="accent6"/>
+            </a:effectRef>
+            <a:fontRef idx="minor">
+              <a:schemeClr val="dk1"/>
+            </a:fontRef>
+          </p:style>
+          <p:txBody>
+            <a:bodyPr rtlCol="0" anchor="ctr"/>
+            <a:lstStyle/>
+            <a:p>
+              <a:pPr algn="ctr"/>
+              <a:r>
+                <a:rPr lang="en-US" sz="1400" b="1" dirty="0"/>
+                <a:t>UI Apps</a:t>
+              </a:r>
+            </a:p>
+          </p:txBody>
+        </p:sp>
+        <p:pic>
+          <p:nvPicPr>
+            <p:cNvPr id="60" name="Picture 26" descr="Official Azure Icon Set">
+              <a:extLst>
+                <a:ext uri="{FF2B5EF4-FFF2-40B4-BE49-F238E27FC236}">
+                  <a16:creationId xmlns:a16="http://schemas.microsoft.com/office/drawing/2014/main" id="{044B0D1E-9B75-4996-B618-FE79AF18C135}"/>
+                </a:ext>
+              </a:extLst>
+            </p:cNvPr>
+            <p:cNvPicPr>
+              <a:picLocks noChangeAspect="1" noChangeArrowheads="1"/>
+            </p:cNvPicPr>
+            <p:nvPr/>
+          </p:nvPicPr>
+          <p:blipFill>
+            <a:blip r:embed="rId2">
+              <a:extLst>
+                <a:ext uri="{28A0092B-C50C-407E-A947-70E740481C1C}">
+                  <a14:useLocalDpi xmlns:a14="http://schemas.microsoft.com/office/drawing/2010/main" val="0"/>
+                </a:ext>
+              </a:extLst>
+            </a:blip>
+            <a:srcRect/>
+            <a:stretch>
+              <a:fillRect/>
+            </a:stretch>
+          </p:blipFill>
+          <p:spPr bwMode="auto">
+            <a:xfrm>
+              <a:off x="10202435" y="824915"/>
+              <a:ext cx="278793" cy="278793"/>
+            </a:xfrm>
+            <a:prstGeom prst="rect">
+              <a:avLst/>
+            </a:prstGeom>
+            <a:noFill/>
+            <a:extLst>
+              <a:ext uri="{909E8E84-426E-40DD-AFC4-6F175D3DCCD1}">
+                <a14:hiddenFill xmlns:a14="http://schemas.microsoft.com/office/drawing/2010/main">
+                  <a:solidFill>
+                    <a:srgbClr val="FFFFFF"/>
+                  </a:solidFill>
+                </a14:hiddenFill>
+              </a:ext>
+            </a:extLst>
+          </p:spPr>
+        </p:pic>
+      </p:grpSp>
+      <p:sp>
+        <p:nvSpPr>
+          <p:cNvPr id="13" name="Rectangle: Rounded Corners 12">
+            <a:extLst>
+              <a:ext uri="{FF2B5EF4-FFF2-40B4-BE49-F238E27FC236}">
+                <a16:creationId xmlns:a16="http://schemas.microsoft.com/office/drawing/2014/main" id="{F2B4DE24-A8AF-4048-B6C5-CF72D56B8F9A}"/>
+              </a:ext>
+            </a:extLst>
+          </p:cNvPr>
+          <p:cNvSpPr/>
+          <p:nvPr/>
+        </p:nvSpPr>
+        <p:spPr>
+          <a:xfrm>
+            <a:off x="4421812" y="1737279"/>
+            <a:ext cx="3165629" cy="3471130"/>
+          </a:xfrm>
+          <a:prstGeom prst="roundRect">
+            <a:avLst/>
+          </a:prstGeom>
+          <a:solidFill>
+            <a:schemeClr val="bg1"/>
+          </a:solidFill>
+        </p:spPr>
+        <p:style>
+          <a:lnRef idx="2">
+            <a:schemeClr val="accent1">
+              <a:shade val="50000"/>
+            </a:schemeClr>
+          </a:lnRef>
+          <a:fillRef idx="1">
+            <a:schemeClr val="accent1"/>
+          </a:fillRef>
+          <a:effectRef idx="0">
+            <a:schemeClr val="accent1"/>
+          </a:effectRef>
+          <a:fontRef idx="minor">
+            <a:schemeClr val="lt1"/>
+          </a:fontRef>
+        </p:style>
+        <p:txBody>
+          <a:bodyPr rtlCol="0" anchor="ctr"/>
+          <a:lstStyle/>
+          <a:p>
+            <a:pPr algn="ctr"/>
+            <a:endParaRPr lang="en-US"/>
+          </a:p>
+        </p:txBody>
+      </p:sp>
+      <p:sp>
+        <p:nvSpPr>
+          <p:cNvPr id="22" name="Rectangle: Rounded Corners 21">
+            <a:extLst>
+              <a:ext uri="{FF2B5EF4-FFF2-40B4-BE49-F238E27FC236}">
+                <a16:creationId xmlns:a16="http://schemas.microsoft.com/office/drawing/2014/main" id="{3ABF9A06-F5C4-4E9B-AEC9-A2C8B5FF51B0}"/>
+              </a:ext>
+            </a:extLst>
+          </p:cNvPr>
+          <p:cNvSpPr/>
+          <p:nvPr/>
+        </p:nvSpPr>
+        <p:spPr>
+          <a:xfrm>
+            <a:off x="3561375" y="2639697"/>
+            <a:ext cx="971418" cy="1614310"/>
+          </a:xfrm>
+          <a:prstGeom prst="roundRect">
+            <a:avLst/>
+          </a:prstGeom>
+          <a:solidFill>
+            <a:schemeClr val="bg1"/>
+          </a:solidFill>
+        </p:spPr>
+        <p:style>
+          <a:lnRef idx="2">
+            <a:schemeClr val="accent1">
+              <a:shade val="50000"/>
+            </a:schemeClr>
+          </a:lnRef>
+          <a:fillRef idx="1">
+            <a:schemeClr val="accent1"/>
+          </a:fillRef>
+          <a:effectRef idx="0">
+            <a:schemeClr val="accent1"/>
+          </a:effectRef>
+          <a:fontRef idx="minor">
+            <a:schemeClr val="lt1"/>
+          </a:fontRef>
+        </p:style>
+        <p:txBody>
+          <a:bodyPr rtlCol="0" anchor="ctr"/>
+          <a:lstStyle/>
+          <a:p>
+            <a:pPr algn="ctr"/>
+            <a:endParaRPr lang="en-US"/>
+          </a:p>
+        </p:txBody>
+      </p:sp>
+      <p:sp>
+        <p:nvSpPr>
+          <p:cNvPr id="28" name="TextBox 27">
+            <a:extLst>
+              <a:ext uri="{FF2B5EF4-FFF2-40B4-BE49-F238E27FC236}">
+                <a16:creationId xmlns:a16="http://schemas.microsoft.com/office/drawing/2014/main" id="{8F80D605-D337-44D9-AE42-EEEBE6DCCB5E}"/>
+              </a:ext>
+            </a:extLst>
+          </p:cNvPr>
+          <p:cNvSpPr txBox="1"/>
+          <p:nvPr/>
+        </p:nvSpPr>
+        <p:spPr>
+          <a:xfrm>
+            <a:off x="3682709" y="3470103"/>
+            <a:ext cx="818009" cy="738664"/>
+          </a:xfrm>
+          <a:prstGeom prst="rect">
+            <a:avLst/>
+          </a:prstGeom>
+          <a:solidFill>
+            <a:schemeClr val="bg1"/>
+          </a:solidFill>
+        </p:spPr>
+        <p:txBody>
+          <a:bodyPr wrap="square" rtlCol="0">
+            <a:spAutoFit/>
+          </a:bodyPr>
+          <a:lstStyle/>
+          <a:p>
+            <a:pPr algn="ctr"/>
+            <a:r>
+              <a:rPr lang="en-US" sz="1400" dirty="0"/>
+              <a:t>Custom Cloud Gateway</a:t>
+            </a:r>
+          </a:p>
+        </p:txBody>
+      </p:sp>
+      <p:pic>
+        <p:nvPicPr>
+          <p:cNvPr id="70" name="Picture 8" descr="IoT Hub | Microsoft Azure Mono">
+            <a:extLst>
+              <a:ext uri="{FF2B5EF4-FFF2-40B4-BE49-F238E27FC236}">
+                <a16:creationId xmlns:a16="http://schemas.microsoft.com/office/drawing/2014/main" id="{F412168B-A0D7-467F-A6E3-E29F37FEE238}"/>
+              </a:ext>
+            </a:extLst>
+          </p:cNvPr>
+          <p:cNvPicPr>
+            <a:picLocks noChangeAspect="1" noChangeArrowheads="1"/>
+          </p:cNvPicPr>
+          <p:nvPr/>
+        </p:nvPicPr>
+        <p:blipFill>
+          <a:blip r:embed="rId12">
+            <a:extLst>
+              <a:ext uri="{28A0092B-C50C-407E-A947-70E740481C1C}">
+                <a14:useLocalDpi xmlns:a14="http://schemas.microsoft.com/office/drawing/2010/main" val="0"/>
+              </a:ext>
+            </a:extLst>
+          </a:blip>
+          <a:srcRect/>
+          <a:stretch>
+            <a:fillRect/>
+          </a:stretch>
+        </p:blipFill>
+        <p:spPr bwMode="auto">
+          <a:xfrm>
+            <a:off x="3879146" y="3103284"/>
+            <a:ext cx="308801" cy="312955"/>
+          </a:xfrm>
+          <a:prstGeom prst="rect">
+            <a:avLst/>
+          </a:prstGeom>
+          <a:solidFill>
+            <a:schemeClr val="bg1"/>
+          </a:solidFill>
+        </p:spPr>
+      </p:pic>
+      <p:cxnSp>
+        <p:nvCxnSpPr>
+          <p:cNvPr id="17" name="Connector: Elbow 16">
+            <a:extLst>
+              <a:ext uri="{FF2B5EF4-FFF2-40B4-BE49-F238E27FC236}">
+                <a16:creationId xmlns:a16="http://schemas.microsoft.com/office/drawing/2014/main" id="{ABC940FC-A8D4-4650-8DCD-33674FFB1219}"/>
+              </a:ext>
+            </a:extLst>
+          </p:cNvPr>
+          <p:cNvCxnSpPr>
+            <a:cxnSpLocks/>
+            <a:stCxn id="34" idx="2"/>
+            <a:endCxn id="35" idx="0"/>
+          </p:cNvCxnSpPr>
+          <p:nvPr/>
+        </p:nvCxnSpPr>
+        <p:spPr>
+          <a:xfrm rot="5400000">
+            <a:off x="6036109" y="5169778"/>
+            <a:ext cx="519129" cy="166"/>
+          </a:xfrm>
+          <a:prstGeom prst="bentConnector3">
+            <a:avLst>
+              <a:gd name="adj1" fmla="val 50000"/>
+            </a:avLst>
+          </a:prstGeom>
+          <a:ln>
+            <a:tailEnd type="triangle"/>
+          </a:ln>
+        </p:spPr>
+        <p:style>
+          <a:lnRef idx="1">
+            <a:schemeClr val="accent1"/>
+          </a:lnRef>
+          <a:fillRef idx="0">
+            <a:schemeClr val="accent1"/>
+          </a:fillRef>
+          <a:effectRef idx="0">
+            <a:schemeClr val="accent1"/>
+          </a:effectRef>
+          <a:fontRef idx="minor">
+            <a:schemeClr val="tx1"/>
+          </a:fontRef>
+        </p:style>
+      </p:cxnSp>
+      <p:cxnSp>
+        <p:nvCxnSpPr>
+          <p:cNvPr id="21" name="Connector: Elbow 20">
+            <a:extLst>
+              <a:ext uri="{FF2B5EF4-FFF2-40B4-BE49-F238E27FC236}">
+                <a16:creationId xmlns:a16="http://schemas.microsoft.com/office/drawing/2014/main" id="{5C5FD57A-A06C-4587-BDBE-FDB11BF37869}"/>
+              </a:ext>
+            </a:extLst>
+          </p:cNvPr>
+          <p:cNvCxnSpPr>
+            <a:stCxn id="35" idx="3"/>
+            <a:endCxn id="26" idx="1"/>
+          </p:cNvCxnSpPr>
+          <p:nvPr/>
+        </p:nvCxnSpPr>
+        <p:spPr>
+          <a:xfrm flipV="1">
+            <a:off x="6969912" y="5362051"/>
+            <a:ext cx="998703" cy="629651"/>
+          </a:xfrm>
+          <a:prstGeom prst="bentConnector3">
+            <a:avLst/>
+          </a:prstGeom>
+          <a:ln>
+            <a:tailEnd type="triangle"/>
+          </a:ln>
+        </p:spPr>
+        <p:style>
+          <a:lnRef idx="1">
+            <a:schemeClr val="accent1"/>
+          </a:lnRef>
+          <a:fillRef idx="0">
+            <a:schemeClr val="accent1"/>
+          </a:fillRef>
+          <a:effectRef idx="0">
+            <a:schemeClr val="accent1"/>
+          </a:effectRef>
+          <a:fontRef idx="minor">
+            <a:schemeClr val="tx1"/>
+          </a:fontRef>
+        </p:style>
+      </p:cxnSp>
+      <p:cxnSp>
+        <p:nvCxnSpPr>
+          <p:cNvPr id="24" name="Connector: Elbow 23">
+            <a:extLst>
+              <a:ext uri="{FF2B5EF4-FFF2-40B4-BE49-F238E27FC236}">
+                <a16:creationId xmlns:a16="http://schemas.microsoft.com/office/drawing/2014/main" id="{D46DEC91-1593-4050-BBBA-4470FC3D9205}"/>
+              </a:ext>
+            </a:extLst>
+          </p:cNvPr>
+          <p:cNvCxnSpPr>
+            <a:cxnSpLocks/>
+            <a:stCxn id="63" idx="2"/>
+            <a:endCxn id="42" idx="0"/>
+          </p:cNvCxnSpPr>
+          <p:nvPr/>
+        </p:nvCxnSpPr>
+        <p:spPr>
+          <a:xfrm rot="16200000" flipH="1">
+            <a:off x="8181784" y="3861739"/>
+            <a:ext cx="1007825" cy="699"/>
+          </a:xfrm>
+          <a:prstGeom prst="bentConnector3">
+            <a:avLst/>
+          </a:prstGeom>
+          <a:ln>
+            <a:headEnd type="triangle"/>
+            <a:tailEnd type="triangle"/>
+          </a:ln>
+        </p:spPr>
+        <p:style>
+          <a:lnRef idx="1">
+            <a:schemeClr val="accent1"/>
+          </a:lnRef>
+          <a:fillRef idx="0">
+            <a:schemeClr val="accent1"/>
+          </a:fillRef>
+          <a:effectRef idx="0">
+            <a:schemeClr val="accent1"/>
+          </a:effectRef>
+          <a:fontRef idx="minor">
+            <a:schemeClr val="tx1"/>
+          </a:fontRef>
+        </p:style>
+      </p:cxnSp>
+      <p:cxnSp>
+        <p:nvCxnSpPr>
+          <p:cNvPr id="36" name="Connector: Elbow 35">
+            <a:extLst>
+              <a:ext uri="{FF2B5EF4-FFF2-40B4-BE49-F238E27FC236}">
+                <a16:creationId xmlns:a16="http://schemas.microsoft.com/office/drawing/2014/main" id="{A2DB4718-4B88-4C02-8BF8-ED56C6654D85}"/>
+              </a:ext>
+            </a:extLst>
+          </p:cNvPr>
+          <p:cNvCxnSpPr>
+            <a:stCxn id="63" idx="3"/>
+          </p:cNvCxnSpPr>
+          <p:nvPr/>
+        </p:nvCxnSpPr>
+        <p:spPr>
+          <a:xfrm flipV="1">
+            <a:off x="9260074" y="2783624"/>
+            <a:ext cx="838220" cy="1"/>
+          </a:xfrm>
+          <a:prstGeom prst="bentConnector3">
+            <a:avLst/>
+          </a:prstGeom>
+          <a:ln>
+            <a:headEnd type="triangle"/>
+            <a:tailEnd type="triangle"/>
+          </a:ln>
+        </p:spPr>
+        <p:style>
+          <a:lnRef idx="1">
+            <a:schemeClr val="accent1"/>
+          </a:lnRef>
+          <a:fillRef idx="0">
+            <a:schemeClr val="accent1"/>
+          </a:fillRef>
+          <a:effectRef idx="0">
+            <a:schemeClr val="accent1"/>
+          </a:effectRef>
+          <a:fontRef idx="minor">
+            <a:schemeClr val="tx1"/>
+          </a:fontRef>
+        </p:style>
+      </p:cxnSp>
+      <p:cxnSp>
+        <p:nvCxnSpPr>
+          <p:cNvPr id="38" name="Connector: Elbow 37">
+            <a:extLst>
+              <a:ext uri="{FF2B5EF4-FFF2-40B4-BE49-F238E27FC236}">
+                <a16:creationId xmlns:a16="http://schemas.microsoft.com/office/drawing/2014/main" id="{8B6F1950-78EC-45DF-B81E-FCA5E0124721}"/>
+              </a:ext>
+            </a:extLst>
+          </p:cNvPr>
+          <p:cNvCxnSpPr>
+            <a:stCxn id="1026" idx="3"/>
+            <a:endCxn id="22" idx="1"/>
+          </p:cNvCxnSpPr>
+          <p:nvPr/>
+        </p:nvCxnSpPr>
+        <p:spPr>
+          <a:xfrm>
+            <a:off x="2988240" y="3444177"/>
+            <a:ext cx="573135" cy="2675"/>
+          </a:xfrm>
+          <a:prstGeom prst="bentConnector3">
+            <a:avLst/>
+          </a:prstGeom>
+          <a:ln>
+            <a:headEnd type="triangle"/>
+            <a:tailEnd type="triangle"/>
+          </a:ln>
+        </p:spPr>
+        <p:style>
+          <a:lnRef idx="1">
+            <a:schemeClr val="accent1"/>
+          </a:lnRef>
+          <a:fillRef idx="0">
+            <a:schemeClr val="accent1"/>
+          </a:fillRef>
+          <a:effectRef idx="0">
+            <a:schemeClr val="accent1"/>
+          </a:effectRef>
+          <a:fontRef idx="minor">
+            <a:schemeClr val="tx1"/>
+          </a:fontRef>
+        </p:style>
+      </p:cxnSp>
+      <p:cxnSp>
+        <p:nvCxnSpPr>
+          <p:cNvPr id="44" name="Connector: Elbow 43">
+            <a:extLst>
+              <a:ext uri="{FF2B5EF4-FFF2-40B4-BE49-F238E27FC236}">
+                <a16:creationId xmlns:a16="http://schemas.microsoft.com/office/drawing/2014/main" id="{F5A71811-BCBB-43D8-9FF5-AF1DA1835CA5}"/>
+              </a:ext>
+            </a:extLst>
+          </p:cNvPr>
+          <p:cNvCxnSpPr>
+            <a:cxnSpLocks/>
+            <a:endCxn id="1026" idx="1"/>
+          </p:cNvCxnSpPr>
+          <p:nvPr/>
+        </p:nvCxnSpPr>
+        <p:spPr>
+          <a:xfrm flipV="1">
+            <a:off x="1484519" y="3444177"/>
+            <a:ext cx="530534" cy="359193"/>
+          </a:xfrm>
+          <a:prstGeom prst="bentConnector3">
+            <a:avLst/>
+          </a:prstGeom>
+          <a:ln>
+            <a:headEnd type="triangle"/>
+            <a:tailEnd type="triangle"/>
+          </a:ln>
+        </p:spPr>
+        <p:style>
+          <a:lnRef idx="1">
+            <a:schemeClr val="accent1"/>
+          </a:lnRef>
+          <a:fillRef idx="0">
+            <a:schemeClr val="accent1"/>
+          </a:fillRef>
+          <a:effectRef idx="0">
+            <a:schemeClr val="accent1"/>
+          </a:effectRef>
+          <a:fontRef idx="minor">
+            <a:schemeClr val="tx1"/>
+          </a:fontRef>
+        </p:style>
+      </p:cxnSp>
+      <p:grpSp>
+        <p:nvGrpSpPr>
+          <p:cNvPr id="96" name="Group 95">
+            <a:extLst>
+              <a:ext uri="{FF2B5EF4-FFF2-40B4-BE49-F238E27FC236}">
+                <a16:creationId xmlns:a16="http://schemas.microsoft.com/office/drawing/2014/main" id="{85196924-C483-4D72-ABD5-CA8CF48D1ABC}"/>
+              </a:ext>
+            </a:extLst>
+          </p:cNvPr>
+          <p:cNvGrpSpPr/>
+          <p:nvPr/>
+        </p:nvGrpSpPr>
+        <p:grpSpPr>
+          <a:xfrm>
+            <a:off x="5253198" y="3851108"/>
+            <a:ext cx="2085876" cy="1210042"/>
+            <a:chOff x="5406036" y="3851108"/>
+            <a:chExt cx="1933037" cy="1210042"/>
+          </a:xfrm>
+        </p:grpSpPr>
+        <p:sp>
+          <p:nvSpPr>
+            <p:cNvPr id="78" name="Rectangle: Rounded Corners 77">
+              <a:extLst>
+                <a:ext uri="{FF2B5EF4-FFF2-40B4-BE49-F238E27FC236}">
+                  <a16:creationId xmlns:a16="http://schemas.microsoft.com/office/drawing/2014/main" id="{E47A9098-FB0F-4FB6-8549-0D6138756390}"/>
+                </a:ext>
+              </a:extLst>
+            </p:cNvPr>
+            <p:cNvSpPr/>
+            <p:nvPr/>
+          </p:nvSpPr>
+          <p:spPr>
+            <a:xfrm>
+              <a:off x="5406036" y="3851108"/>
+              <a:ext cx="1933037" cy="1210042"/>
+            </a:xfrm>
+            <a:prstGeom prst="roundRect">
+              <a:avLst/>
+            </a:prstGeom>
+            <a:solidFill>
+              <a:schemeClr val="bg1"/>
+            </a:solidFill>
+          </p:spPr>
+          <p:style>
+            <a:lnRef idx="2">
+              <a:schemeClr val="accent1">
+                <a:shade val="50000"/>
+              </a:schemeClr>
+            </a:lnRef>
+            <a:fillRef idx="1">
+              <a:schemeClr val="accent1"/>
+            </a:fillRef>
+            <a:effectRef idx="0">
+              <a:schemeClr val="accent1"/>
+            </a:effectRef>
+            <a:fontRef idx="minor">
+              <a:schemeClr val="lt1"/>
+            </a:fontRef>
+          </p:style>
+          <p:txBody>
+            <a:bodyPr rtlCol="0" anchor="ctr"/>
+            <a:lstStyle/>
+            <a:p>
+              <a:pPr algn="ctr"/>
+              <a:endParaRPr lang="en-US"/>
+            </a:p>
+          </p:txBody>
+        </p:sp>
+        <p:sp>
+          <p:nvSpPr>
+            <p:cNvPr id="25" name="Rectangle 24">
+              <a:extLst>
+                <a:ext uri="{FF2B5EF4-FFF2-40B4-BE49-F238E27FC236}">
+                  <a16:creationId xmlns:a16="http://schemas.microsoft.com/office/drawing/2014/main" id="{8FD8808D-F49F-4519-8F63-0AF851CA8237}"/>
+                </a:ext>
+              </a:extLst>
+            </p:cNvPr>
+            <p:cNvSpPr/>
+            <p:nvPr/>
+          </p:nvSpPr>
+          <p:spPr>
+            <a:xfrm>
+              <a:off x="5601576" y="3955371"/>
+              <a:ext cx="1524770" cy="402037"/>
+            </a:xfrm>
+            <a:prstGeom prst="rect">
+              <a:avLst/>
+            </a:prstGeom>
+          </p:spPr>
+          <p:style>
+            <a:lnRef idx="2">
+              <a:schemeClr val="accent6"/>
+            </a:lnRef>
+            <a:fillRef idx="1">
+              <a:schemeClr val="lt1"/>
+            </a:fillRef>
+            <a:effectRef idx="0">
+              <a:schemeClr val="accent6"/>
+            </a:effectRef>
+            <a:fontRef idx="minor">
+              <a:schemeClr val="dk1"/>
+            </a:fontRef>
+          </p:style>
+          <p:txBody>
+            <a:bodyPr rtlCol="0" anchor="ctr"/>
+            <a:lstStyle/>
+            <a:p>
+              <a:pPr algn="ctr"/>
+              <a:r>
+                <a:rPr lang="en-US" sz="1200" dirty="0"/>
+                <a:t>Telemetry Data </a:t>
+              </a:r>
+            </a:p>
+          </p:txBody>
+        </p:sp>
+        <p:sp>
+          <p:nvSpPr>
+            <p:cNvPr id="34" name="Rectangle 33">
+              <a:extLst>
+                <a:ext uri="{FF2B5EF4-FFF2-40B4-BE49-F238E27FC236}">
+                  <a16:creationId xmlns:a16="http://schemas.microsoft.com/office/drawing/2014/main" id="{73D2D44A-AB22-4AA3-9570-A4DA86D61301}"/>
+                </a:ext>
+              </a:extLst>
+            </p:cNvPr>
+            <p:cNvSpPr/>
+            <p:nvPr/>
+          </p:nvSpPr>
+          <p:spPr>
+            <a:xfrm>
+              <a:off x="5609817" y="4508260"/>
+              <a:ext cx="1524770" cy="402037"/>
+            </a:xfrm>
+            <a:prstGeom prst="rect">
+              <a:avLst/>
+            </a:prstGeom>
+          </p:spPr>
+          <p:style>
+            <a:lnRef idx="2">
+              <a:schemeClr val="accent6"/>
+            </a:lnRef>
+            <a:fillRef idx="1">
+              <a:schemeClr val="lt1"/>
+            </a:fillRef>
+            <a:effectRef idx="0">
+              <a:schemeClr val="accent6"/>
+            </a:effectRef>
+            <a:fontRef idx="minor">
+              <a:schemeClr val="dk1"/>
+            </a:fontRef>
+          </p:style>
+          <p:txBody>
+            <a:bodyPr rtlCol="0" anchor="ctr"/>
+            <a:lstStyle/>
+            <a:p>
+              <a:pPr algn="ctr"/>
+              <a:r>
+                <a:rPr lang="en-US" sz="1200" dirty="0"/>
+                <a:t>Streamed Data </a:t>
+              </a:r>
+            </a:p>
+            <a:p>
+              <a:pPr algn="ctr"/>
+              <a:r>
+                <a:rPr lang="en-US" sz="1200" dirty="0"/>
+                <a:t>Image, Video</a:t>
+              </a:r>
+            </a:p>
+          </p:txBody>
+        </p:sp>
+      </p:grpSp>
+      <p:cxnSp>
+        <p:nvCxnSpPr>
+          <p:cNvPr id="102" name="Connector: Elbow 101">
+            <a:extLst>
+              <a:ext uri="{FF2B5EF4-FFF2-40B4-BE49-F238E27FC236}">
+                <a16:creationId xmlns:a16="http://schemas.microsoft.com/office/drawing/2014/main" id="{2DC4E0DD-65F6-487E-AF2D-1B66CD659736}"/>
+              </a:ext>
+            </a:extLst>
+          </p:cNvPr>
+          <p:cNvCxnSpPr>
+            <a:stCxn id="86" idx="3"/>
+            <a:endCxn id="63" idx="1"/>
+          </p:cNvCxnSpPr>
+          <p:nvPr/>
+        </p:nvCxnSpPr>
+        <p:spPr>
+          <a:xfrm>
+            <a:off x="7339752" y="2778800"/>
+            <a:ext cx="770868" cy="4825"/>
+          </a:xfrm>
+          <a:prstGeom prst="bentConnector3">
+            <a:avLst>
+              <a:gd name="adj1" fmla="val 50000"/>
+            </a:avLst>
+          </a:prstGeom>
+          <a:ln>
+            <a:headEnd type="triangle"/>
+            <a:tailEnd type="triangle"/>
+          </a:ln>
+        </p:spPr>
+        <p:style>
+          <a:lnRef idx="1">
+            <a:schemeClr val="accent1"/>
+          </a:lnRef>
+          <a:fillRef idx="0">
+            <a:schemeClr val="accent1"/>
+          </a:fillRef>
+          <a:effectRef idx="0">
+            <a:schemeClr val="accent1"/>
+          </a:effectRef>
+          <a:fontRef idx="minor">
+            <a:schemeClr val="tx1"/>
+          </a:fontRef>
+        </p:style>
+      </p:cxnSp>
+      <p:pic>
+        <p:nvPicPr>
+          <p:cNvPr id="75" name="Picture 30" descr="Azure API Management (@AzureApiMgmt) / Twitter">
+            <a:extLst>
+              <a:ext uri="{FF2B5EF4-FFF2-40B4-BE49-F238E27FC236}">
+                <a16:creationId xmlns:a16="http://schemas.microsoft.com/office/drawing/2014/main" id="{537CD75D-BEF6-4823-917E-3877E6F9659D}"/>
+              </a:ext>
+            </a:extLst>
+          </p:cNvPr>
+          <p:cNvPicPr>
+            <a:picLocks noChangeAspect="1" noChangeArrowheads="1"/>
+          </p:cNvPicPr>
+          <p:nvPr/>
+        </p:nvPicPr>
+        <p:blipFill>
+          <a:blip r:embed="rId11">
+            <a:extLst>
+              <a:ext uri="{28A0092B-C50C-407E-A947-70E740481C1C}">
+                <a14:useLocalDpi xmlns:a14="http://schemas.microsoft.com/office/drawing/2010/main" val="0"/>
+              </a:ext>
+            </a:extLst>
+          </a:blip>
+          <a:srcRect/>
+          <a:stretch>
+            <a:fillRect/>
+          </a:stretch>
+        </p:blipFill>
+        <p:spPr bwMode="auto">
+          <a:xfrm>
+            <a:off x="4657012" y="1942813"/>
+            <a:ext cx="403673" cy="404032"/>
+          </a:xfrm>
+          <a:prstGeom prst="rect">
+            <a:avLst/>
+          </a:prstGeom>
+          <a:noFill/>
+          <a:extLst>
+            <a:ext uri="{909E8E84-426E-40DD-AFC4-6F175D3DCCD1}">
+              <a14:hiddenFill xmlns:a14="http://schemas.microsoft.com/office/drawing/2010/main">
+                <a:solidFill>
+                  <a:srgbClr val="FFFFFF"/>
+                </a:solidFill>
+              </a14:hiddenFill>
+            </a:ext>
+          </a:extLst>
+        </p:spPr>
+      </p:pic>
+      <p:sp>
+        <p:nvSpPr>
+          <p:cNvPr id="76" name="TextBox 75">
+            <a:extLst>
+              <a:ext uri="{FF2B5EF4-FFF2-40B4-BE49-F238E27FC236}">
+                <a16:creationId xmlns:a16="http://schemas.microsoft.com/office/drawing/2014/main" id="{253ED7BE-27BF-4C99-B8B7-3CB4829AA6AE}"/>
+              </a:ext>
+            </a:extLst>
+          </p:cNvPr>
+          <p:cNvSpPr txBox="1"/>
+          <p:nvPr/>
+        </p:nvSpPr>
+        <p:spPr>
+          <a:xfrm>
+            <a:off x="4448064" y="2300826"/>
+            <a:ext cx="841717" cy="523220"/>
+          </a:xfrm>
+          <a:prstGeom prst="rect">
+            <a:avLst/>
+          </a:prstGeom>
+          <a:noFill/>
+        </p:spPr>
+        <p:txBody>
+          <a:bodyPr wrap="square" rtlCol="0">
+            <a:spAutoFit/>
+          </a:bodyPr>
+          <a:lstStyle/>
+          <a:p>
+            <a:pPr algn="ctr"/>
+            <a:r>
+              <a:rPr lang="en-US" sz="1400" dirty="0"/>
+              <a:t>IoT </a:t>
+            </a:r>
+          </a:p>
+          <a:p>
+            <a:pPr algn="ctr"/>
+            <a:r>
+              <a:rPr lang="en-US" sz="1400" dirty="0"/>
+              <a:t>Web API</a:t>
+            </a:r>
+          </a:p>
+        </p:txBody>
+      </p:sp>
+      <p:pic>
+        <p:nvPicPr>
+          <p:cNvPr id="16" name="Picture 2">
+            <a:extLst>
+              <a:ext uri="{FF2B5EF4-FFF2-40B4-BE49-F238E27FC236}">
+                <a16:creationId xmlns:a16="http://schemas.microsoft.com/office/drawing/2014/main" id="{65FEE299-8497-4192-9CBA-2EAFB4393F05}"/>
+              </a:ext>
+            </a:extLst>
+          </p:cNvPr>
+          <p:cNvPicPr>
+            <a:picLocks noChangeAspect="1" noChangeArrowheads="1"/>
+          </p:cNvPicPr>
+          <p:nvPr/>
+        </p:nvPicPr>
+        <p:blipFill>
+          <a:blip r:embed="rId13">
+            <a:extLst>
+              <a:ext uri="{28A0092B-C50C-407E-A947-70E740481C1C}">
+                <a14:useLocalDpi xmlns:a14="http://schemas.microsoft.com/office/drawing/2010/main" val="0"/>
+              </a:ext>
+            </a:extLst>
+          </a:blip>
+          <a:srcRect/>
+          <a:stretch>
+            <a:fillRect/>
+          </a:stretch>
+        </p:blipFill>
+        <p:spPr bwMode="auto">
+          <a:xfrm>
+            <a:off x="5990712" y="5507202"/>
+            <a:ext cx="555105" cy="555105"/>
+          </a:xfrm>
+          <a:prstGeom prst="rect">
+            <a:avLst/>
+          </a:prstGeom>
+          <a:noFill/>
+          <a:extLst>
+            <a:ext uri="{909E8E84-426E-40DD-AFC4-6F175D3DCCD1}">
+              <a14:hiddenFill xmlns:a14="http://schemas.microsoft.com/office/drawing/2010/main">
+                <a:solidFill>
+                  <a:srgbClr val="FFFFFF"/>
+                </a:solidFill>
+              </a14:hiddenFill>
+            </a:ext>
+          </a:extLst>
+        </p:spPr>
+      </p:pic>
+      <p:grpSp>
+        <p:nvGrpSpPr>
+          <p:cNvPr id="79" name="Group 78">
+            <a:extLst>
+              <a:ext uri="{FF2B5EF4-FFF2-40B4-BE49-F238E27FC236}">
+                <a16:creationId xmlns:a16="http://schemas.microsoft.com/office/drawing/2014/main" id="{FC5B5837-F871-4B1C-824F-1522AE2EA199}"/>
+              </a:ext>
+            </a:extLst>
+          </p:cNvPr>
+          <p:cNvGrpSpPr/>
+          <p:nvPr/>
+        </p:nvGrpSpPr>
+        <p:grpSpPr>
+          <a:xfrm>
+            <a:off x="5253875" y="1910668"/>
+            <a:ext cx="2085877" cy="1736263"/>
+            <a:chOff x="5253875" y="1910668"/>
+            <a:chExt cx="2085877" cy="1736263"/>
+          </a:xfrm>
+        </p:grpSpPr>
+        <p:sp>
+          <p:nvSpPr>
+            <p:cNvPr id="80" name="Rectangle: Rounded Corners 79">
+              <a:extLst>
+                <a:ext uri="{FF2B5EF4-FFF2-40B4-BE49-F238E27FC236}">
+                  <a16:creationId xmlns:a16="http://schemas.microsoft.com/office/drawing/2014/main" id="{9CDC3F08-5B21-4592-97CD-761C57E06F5B}"/>
+                </a:ext>
+              </a:extLst>
+            </p:cNvPr>
+            <p:cNvSpPr/>
+            <p:nvPr/>
+          </p:nvSpPr>
+          <p:spPr>
+            <a:xfrm>
+              <a:off x="5253875" y="1910668"/>
+              <a:ext cx="2085877" cy="1736263"/>
+            </a:xfrm>
+            <a:prstGeom prst="roundRect">
+              <a:avLst/>
+            </a:prstGeom>
+            <a:noFill/>
+          </p:spPr>
+          <p:style>
+            <a:lnRef idx="2">
+              <a:schemeClr val="accent1">
+                <a:shade val="50000"/>
+              </a:schemeClr>
+            </a:lnRef>
+            <a:fillRef idx="1">
+              <a:schemeClr val="accent1"/>
+            </a:fillRef>
+            <a:effectRef idx="0">
+              <a:schemeClr val="accent1"/>
+            </a:effectRef>
+            <a:fontRef idx="minor">
+              <a:schemeClr val="lt1"/>
+            </a:fontRef>
+          </p:style>
+          <p:txBody>
+            <a:bodyPr rtlCol="0" anchor="ctr"/>
+            <a:lstStyle/>
+            <a:p>
+              <a:pPr algn="ctr"/>
+              <a:endParaRPr lang="en-US"/>
+            </a:p>
+          </p:txBody>
+        </p:sp>
+        <p:grpSp>
+          <p:nvGrpSpPr>
+            <p:cNvPr id="81" name="Group 80">
+              <a:extLst>
+                <a:ext uri="{FF2B5EF4-FFF2-40B4-BE49-F238E27FC236}">
+                  <a16:creationId xmlns:a16="http://schemas.microsoft.com/office/drawing/2014/main" id="{F8B03DC7-566D-489B-AD7B-01E30E6235A7}"/>
+                </a:ext>
+              </a:extLst>
+            </p:cNvPr>
+            <p:cNvGrpSpPr/>
+            <p:nvPr/>
+          </p:nvGrpSpPr>
+          <p:grpSpPr>
+            <a:xfrm>
+              <a:off x="5472512" y="2561853"/>
+              <a:ext cx="1669145" cy="392185"/>
+              <a:chOff x="5472512" y="2542603"/>
+              <a:chExt cx="1669145" cy="392185"/>
+            </a:xfrm>
+          </p:grpSpPr>
+          <p:sp>
+            <p:nvSpPr>
+              <p:cNvPr id="89" name="Rectangle 88">
+                <a:extLst>
+                  <a:ext uri="{FF2B5EF4-FFF2-40B4-BE49-F238E27FC236}">
+                    <a16:creationId xmlns:a16="http://schemas.microsoft.com/office/drawing/2014/main" id="{9225F150-A62B-4FFE-9CF2-523258E98CC3}"/>
+                  </a:ext>
+                </a:extLst>
+              </p:cNvPr>
+              <p:cNvSpPr/>
+              <p:nvPr/>
+            </p:nvSpPr>
+            <p:spPr>
+              <a:xfrm>
+                <a:off x="5472512" y="2542603"/>
+                <a:ext cx="1669145" cy="392185"/>
+              </a:xfrm>
+              <a:prstGeom prst="rect">
+                <a:avLst/>
+              </a:prstGeom>
+            </p:spPr>
+            <p:style>
+              <a:lnRef idx="2">
+                <a:schemeClr val="accent6"/>
+              </a:lnRef>
+              <a:fillRef idx="1">
+                <a:schemeClr val="lt1"/>
+              </a:fillRef>
+              <a:effectRef idx="0">
+                <a:schemeClr val="accent6"/>
+              </a:effectRef>
+              <a:fontRef idx="minor">
+                <a:schemeClr val="dk1"/>
+              </a:fontRef>
+            </p:style>
+            <p:txBody>
+              <a:bodyPr rtlCol="0" anchor="ctr"/>
+              <a:lstStyle/>
+              <a:p>
+                <a:pPr algn="r"/>
+                <a:r>
+                  <a:rPr lang="en-US" sz="1200" dirty="0"/>
+                  <a:t>Device Config</a:t>
+                </a:r>
+              </a:p>
+            </p:txBody>
+          </p:sp>
+          <p:pic>
+            <p:nvPicPr>
+              <p:cNvPr id="90" name="Picture 44" descr="Royal azure blue settings 5 icon - Free royal azure blue settings icons">
+                <a:extLst>
+                  <a:ext uri="{FF2B5EF4-FFF2-40B4-BE49-F238E27FC236}">
+                    <a16:creationId xmlns:a16="http://schemas.microsoft.com/office/drawing/2014/main" id="{E0676F43-037F-46ED-9C76-2687909DCF34}"/>
+                  </a:ext>
+                </a:extLst>
+              </p:cNvPr>
+              <p:cNvPicPr>
+                <a:picLocks noChangeAspect="1" noChangeArrowheads="1"/>
+              </p:cNvPicPr>
+              <p:nvPr/>
+            </p:nvPicPr>
+            <p:blipFill>
+              <a:blip r:embed="rId14">
+                <a:extLst>
+                  <a:ext uri="{28A0092B-C50C-407E-A947-70E740481C1C}">
+                    <a14:useLocalDpi xmlns:a14="http://schemas.microsoft.com/office/drawing/2010/main" val="0"/>
+                  </a:ext>
+                </a:extLst>
+              </a:blip>
+              <a:srcRect/>
+              <a:stretch>
+                <a:fillRect/>
+              </a:stretch>
+            </p:blipFill>
+            <p:spPr bwMode="auto">
+              <a:xfrm>
+                <a:off x="5529470" y="2562280"/>
+                <a:ext cx="355451" cy="321352"/>
+              </a:xfrm>
+              <a:prstGeom prst="rect">
+                <a:avLst/>
+              </a:prstGeom>
+              <a:noFill/>
+              <a:extLst>
+                <a:ext uri="{909E8E84-426E-40DD-AFC4-6F175D3DCCD1}">
+                  <a14:hiddenFill xmlns:a14="http://schemas.microsoft.com/office/drawing/2010/main">
+                    <a:solidFill>
+                      <a:srgbClr val="FFFFFF"/>
+                    </a:solidFill>
+                  </a14:hiddenFill>
+                </a:ext>
+              </a:extLst>
+            </p:spPr>
+          </p:pic>
+        </p:grpSp>
+        <p:grpSp>
+          <p:nvGrpSpPr>
+            <p:cNvPr id="82" name="Group 81">
+              <a:extLst>
+                <a:ext uri="{FF2B5EF4-FFF2-40B4-BE49-F238E27FC236}">
+                  <a16:creationId xmlns:a16="http://schemas.microsoft.com/office/drawing/2014/main" id="{F7E902F7-5EA3-4215-8E9C-958A0C52C427}"/>
+                </a:ext>
+              </a:extLst>
+            </p:cNvPr>
+            <p:cNvGrpSpPr/>
+            <p:nvPr/>
+          </p:nvGrpSpPr>
+          <p:grpSpPr>
+            <a:xfrm>
+              <a:off x="5481204" y="2013980"/>
+              <a:ext cx="1660916" cy="402037"/>
+              <a:chOff x="5481204" y="2013980"/>
+              <a:chExt cx="1660916" cy="402037"/>
+            </a:xfrm>
+          </p:grpSpPr>
+          <p:sp>
+            <p:nvSpPr>
+              <p:cNvPr id="87" name="Rectangle 86">
+                <a:extLst>
+                  <a:ext uri="{FF2B5EF4-FFF2-40B4-BE49-F238E27FC236}">
+                    <a16:creationId xmlns:a16="http://schemas.microsoft.com/office/drawing/2014/main" id="{A6F37FDC-9294-4FCB-8151-059F4A22F2F0}"/>
+                  </a:ext>
+                </a:extLst>
+              </p:cNvPr>
+              <p:cNvSpPr/>
+              <p:nvPr/>
+            </p:nvSpPr>
+            <p:spPr>
+              <a:xfrm>
+                <a:off x="5481204" y="2013980"/>
+                <a:ext cx="1660916" cy="402037"/>
+              </a:xfrm>
+              <a:prstGeom prst="rect">
+                <a:avLst/>
+              </a:prstGeom>
+            </p:spPr>
+            <p:style>
+              <a:lnRef idx="2">
+                <a:schemeClr val="accent6"/>
+              </a:lnRef>
+              <a:fillRef idx="1">
+                <a:schemeClr val="lt1"/>
+              </a:fillRef>
+              <a:effectRef idx="0">
+                <a:schemeClr val="accent6"/>
+              </a:effectRef>
+              <a:fontRef idx="minor">
+                <a:schemeClr val="dk1"/>
+              </a:fontRef>
+            </p:style>
+            <p:txBody>
+              <a:bodyPr rtlCol="0" anchor="ctr"/>
+              <a:lstStyle/>
+              <a:p>
+                <a:pPr algn="r"/>
+                <a:r>
+                  <a:rPr lang="en-US" sz="1200" dirty="0"/>
+                  <a:t>Device Registration</a:t>
+                </a:r>
+              </a:p>
+            </p:txBody>
+          </p:sp>
+          <p:pic>
+            <p:nvPicPr>
+              <p:cNvPr id="88" name="Picture 44" descr="Royal azure blue settings 5 icon - Free royal azure blue settings icons">
+                <a:extLst>
+                  <a:ext uri="{FF2B5EF4-FFF2-40B4-BE49-F238E27FC236}">
+                    <a16:creationId xmlns:a16="http://schemas.microsoft.com/office/drawing/2014/main" id="{B994C332-F8E8-48DA-9410-A941EA70444D}"/>
+                  </a:ext>
+                </a:extLst>
+              </p:cNvPr>
+              <p:cNvPicPr>
+                <a:picLocks noChangeAspect="1" noChangeArrowheads="1"/>
+              </p:cNvPicPr>
+              <p:nvPr/>
+            </p:nvPicPr>
+            <p:blipFill>
+              <a:blip r:embed="rId14">
+                <a:extLst>
+                  <a:ext uri="{28A0092B-C50C-407E-A947-70E740481C1C}">
+                    <a14:useLocalDpi xmlns:a14="http://schemas.microsoft.com/office/drawing/2010/main" val="0"/>
+                  </a:ext>
+                </a:extLst>
+              </a:blip>
+              <a:srcRect/>
+              <a:stretch>
+                <a:fillRect/>
+              </a:stretch>
+            </p:blipFill>
+            <p:spPr bwMode="auto">
+              <a:xfrm>
+                <a:off x="5514875" y="2051308"/>
+                <a:ext cx="355451" cy="321352"/>
+              </a:xfrm>
+              <a:prstGeom prst="rect">
+                <a:avLst/>
+              </a:prstGeom>
+              <a:noFill/>
+              <a:extLst>
+                <a:ext uri="{909E8E84-426E-40DD-AFC4-6F175D3DCCD1}">
+                  <a14:hiddenFill xmlns:a14="http://schemas.microsoft.com/office/drawing/2010/main">
+                    <a:solidFill>
+                      <a:srgbClr val="FFFFFF"/>
+                    </a:solidFill>
+                  </a14:hiddenFill>
+                </a:ext>
+              </a:extLst>
+            </p:spPr>
+          </p:pic>
+        </p:grpSp>
+        <p:grpSp>
+          <p:nvGrpSpPr>
+            <p:cNvPr id="83" name="Group 82">
+              <a:extLst>
+                <a:ext uri="{FF2B5EF4-FFF2-40B4-BE49-F238E27FC236}">
+                  <a16:creationId xmlns:a16="http://schemas.microsoft.com/office/drawing/2014/main" id="{B1E5B933-BF60-43BD-9B40-FAA44396E202}"/>
+                </a:ext>
+              </a:extLst>
+            </p:cNvPr>
+            <p:cNvGrpSpPr/>
+            <p:nvPr/>
+          </p:nvGrpSpPr>
+          <p:grpSpPr>
+            <a:xfrm>
+              <a:off x="5498069" y="3110550"/>
+              <a:ext cx="1634426" cy="402037"/>
+              <a:chOff x="5507694" y="3110550"/>
+              <a:chExt cx="1634426" cy="402037"/>
+            </a:xfrm>
+          </p:grpSpPr>
+          <p:sp>
+            <p:nvSpPr>
+              <p:cNvPr id="84" name="Rectangle 83">
+                <a:extLst>
+                  <a:ext uri="{FF2B5EF4-FFF2-40B4-BE49-F238E27FC236}">
+                    <a16:creationId xmlns:a16="http://schemas.microsoft.com/office/drawing/2014/main" id="{53B81AA4-CB16-496A-B696-5F3FC679B659}"/>
+                  </a:ext>
+                </a:extLst>
+              </p:cNvPr>
+              <p:cNvSpPr/>
+              <p:nvPr/>
+            </p:nvSpPr>
+            <p:spPr>
+              <a:xfrm>
+                <a:off x="5507694" y="3110550"/>
+                <a:ext cx="1634426" cy="402037"/>
+              </a:xfrm>
+              <a:prstGeom prst="rect">
+                <a:avLst/>
+              </a:prstGeom>
+            </p:spPr>
+            <p:style>
+              <a:lnRef idx="2">
+                <a:schemeClr val="accent6"/>
+              </a:lnRef>
+              <a:fillRef idx="1">
+                <a:schemeClr val="lt1"/>
+              </a:fillRef>
+              <a:effectRef idx="0">
+                <a:schemeClr val="accent6"/>
+              </a:effectRef>
+              <a:fontRef idx="minor">
+                <a:schemeClr val="dk1"/>
+              </a:fontRef>
+            </p:style>
+            <p:txBody>
+              <a:bodyPr rtlCol="0" anchor="ctr"/>
+              <a:lstStyle/>
+              <a:p>
+                <a:pPr algn="r"/>
+                <a:r>
+                  <a:rPr lang="en-US" sz="1200" dirty="0"/>
+                  <a:t>Remote Command</a:t>
+                </a:r>
+              </a:p>
+            </p:txBody>
+          </p:sp>
+          <p:pic>
+            <p:nvPicPr>
+              <p:cNvPr id="85" name="Picture 44" descr="Royal azure blue settings 5 icon - Free royal azure blue settings icons">
+                <a:extLst>
+                  <a:ext uri="{FF2B5EF4-FFF2-40B4-BE49-F238E27FC236}">
+                    <a16:creationId xmlns:a16="http://schemas.microsoft.com/office/drawing/2014/main" id="{A4A0ED81-9FE3-4559-A6D2-F98655E6D10A}"/>
+                  </a:ext>
+                </a:extLst>
+              </p:cNvPr>
+              <p:cNvPicPr>
+                <a:picLocks noChangeAspect="1" noChangeArrowheads="1"/>
+              </p:cNvPicPr>
+              <p:nvPr/>
+            </p:nvPicPr>
+            <p:blipFill>
+              <a:blip r:embed="rId14">
+                <a:extLst>
+                  <a:ext uri="{28A0092B-C50C-407E-A947-70E740481C1C}">
+                    <a14:useLocalDpi xmlns:a14="http://schemas.microsoft.com/office/drawing/2010/main" val="0"/>
+                  </a:ext>
+                </a:extLst>
+              </a:blip>
+              <a:srcRect/>
+              <a:stretch>
+                <a:fillRect/>
+              </a:stretch>
+            </p:blipFill>
+            <p:spPr bwMode="auto">
+              <a:xfrm>
+                <a:off x="5537343" y="3138966"/>
+                <a:ext cx="355451" cy="321352"/>
+              </a:xfrm>
+              <a:prstGeom prst="rect">
+                <a:avLst/>
+              </a:prstGeom>
+              <a:noFill/>
+              <a:extLst>
+                <a:ext uri="{909E8E84-426E-40DD-AFC4-6F175D3DCCD1}">
+                  <a14:hiddenFill xmlns:a14="http://schemas.microsoft.com/office/drawing/2010/main">
+                    <a:solidFill>
+                      <a:srgbClr val="FFFFFF"/>
+                    </a:solidFill>
+                  </a14:hiddenFill>
+                </a:ext>
+              </a:extLst>
+            </p:spPr>
+          </p:pic>
+        </p:grpSp>
+      </p:grpSp>
+      <p:grpSp>
+        <p:nvGrpSpPr>
+          <p:cNvPr id="92" name="Group 91">
+            <a:extLst>
+              <a:ext uri="{FF2B5EF4-FFF2-40B4-BE49-F238E27FC236}">
+                <a16:creationId xmlns:a16="http://schemas.microsoft.com/office/drawing/2014/main" id="{24E21325-9848-4F84-8800-0718FC8C2911}"/>
+              </a:ext>
+            </a:extLst>
+          </p:cNvPr>
+          <p:cNvGrpSpPr/>
+          <p:nvPr/>
+        </p:nvGrpSpPr>
+        <p:grpSpPr>
+          <a:xfrm>
+            <a:off x="365916" y="1953577"/>
+            <a:ext cx="1155370" cy="3840831"/>
+            <a:chOff x="365916" y="1953577"/>
+            <a:chExt cx="1155370" cy="3840831"/>
+          </a:xfrm>
+        </p:grpSpPr>
+        <p:sp>
+          <p:nvSpPr>
+            <p:cNvPr id="93" name="Rectangle: Rounded Corners 92">
+              <a:extLst>
+                <a:ext uri="{FF2B5EF4-FFF2-40B4-BE49-F238E27FC236}">
+                  <a16:creationId xmlns:a16="http://schemas.microsoft.com/office/drawing/2014/main" id="{49A7C47A-C43F-4BAB-B5E3-879C3D009C6D}"/>
+                </a:ext>
+              </a:extLst>
+            </p:cNvPr>
+            <p:cNvSpPr/>
+            <p:nvPr/>
+          </p:nvSpPr>
+          <p:spPr>
+            <a:xfrm>
+              <a:off x="365916" y="1953577"/>
+              <a:ext cx="1118603" cy="3840831"/>
+            </a:xfrm>
+            <a:prstGeom prst="roundRect">
+              <a:avLst/>
+            </a:prstGeom>
+            <a:noFill/>
+            <a:ln>
+              <a:solidFill>
+                <a:schemeClr val="accent2">
+                  <a:lumMod val="75000"/>
+                </a:schemeClr>
+              </a:solidFill>
+            </a:ln>
+          </p:spPr>
+          <p:style>
+            <a:lnRef idx="2">
+              <a:schemeClr val="accent1">
+                <a:shade val="50000"/>
+              </a:schemeClr>
+            </a:lnRef>
+            <a:fillRef idx="1">
+              <a:schemeClr val="accent1"/>
+            </a:fillRef>
+            <a:effectRef idx="0">
+              <a:schemeClr val="accent1"/>
+            </a:effectRef>
+            <a:fontRef idx="minor">
+              <a:schemeClr val="lt1"/>
+            </a:fontRef>
+          </p:style>
+          <p:txBody>
+            <a:bodyPr rtlCol="0" anchor="ctr"/>
+            <a:lstStyle/>
+            <a:p>
+              <a:pPr algn="ctr"/>
+              <a:endParaRPr lang="en-US" dirty="0"/>
+            </a:p>
+          </p:txBody>
+        </p:sp>
+        <p:grpSp>
+          <p:nvGrpSpPr>
+            <p:cNvPr id="94" name="Group 93">
+              <a:extLst>
+                <a:ext uri="{FF2B5EF4-FFF2-40B4-BE49-F238E27FC236}">
+                  <a16:creationId xmlns:a16="http://schemas.microsoft.com/office/drawing/2014/main" id="{02A70086-612A-472E-B398-9EEDF0D79C91}"/>
+                </a:ext>
+              </a:extLst>
+            </p:cNvPr>
+            <p:cNvGrpSpPr/>
+            <p:nvPr/>
+          </p:nvGrpSpPr>
+          <p:grpSpPr>
+            <a:xfrm>
+              <a:off x="424428" y="2107994"/>
+              <a:ext cx="1064652" cy="1178163"/>
+              <a:chOff x="424428" y="2107994"/>
+              <a:chExt cx="1064652" cy="1178163"/>
+            </a:xfrm>
+          </p:grpSpPr>
+          <p:pic>
+            <p:nvPicPr>
+              <p:cNvPr id="105" name="Picture 34" descr="Moxa Gateways Optimize Data Transfer from ModBus Edge Devices to Azure and  AWS Cloud Platforms | Automation World">
+                <a:extLst>
+                  <a:ext uri="{FF2B5EF4-FFF2-40B4-BE49-F238E27FC236}">
+                    <a16:creationId xmlns:a16="http://schemas.microsoft.com/office/drawing/2014/main" id="{71A36398-9658-4F2F-A601-52112455DEF3}"/>
+                  </a:ext>
+                </a:extLst>
+              </p:cNvPr>
+              <p:cNvPicPr>
+                <a:picLocks noChangeAspect="1" noChangeArrowheads="1"/>
+              </p:cNvPicPr>
+              <p:nvPr/>
+            </p:nvPicPr>
+            <p:blipFill>
+              <a:blip r:embed="rId15">
+                <a:extLst>
+                  <a:ext uri="{28A0092B-C50C-407E-A947-70E740481C1C}">
+                    <a14:useLocalDpi xmlns:a14="http://schemas.microsoft.com/office/drawing/2010/main" val="0"/>
+                  </a:ext>
+                </a:extLst>
+              </a:blip>
+              <a:srcRect/>
+              <a:stretch>
+                <a:fillRect/>
+              </a:stretch>
+            </p:blipFill>
+            <p:spPr bwMode="auto">
+              <a:xfrm>
+                <a:off x="630647" y="2107994"/>
+                <a:ext cx="592937" cy="704113"/>
+              </a:xfrm>
+              <a:prstGeom prst="rect">
+                <a:avLst/>
+              </a:prstGeom>
+              <a:noFill/>
+              <a:extLst>
+                <a:ext uri="{909E8E84-426E-40DD-AFC4-6F175D3DCCD1}">
+                  <a14:hiddenFill xmlns:a14="http://schemas.microsoft.com/office/drawing/2010/main">
+                    <a:solidFill>
+                      <a:srgbClr val="FFFFFF"/>
+                    </a:solidFill>
+                  </a14:hiddenFill>
+                </a:ext>
+              </a:extLst>
+            </p:spPr>
+          </p:pic>
+          <p:sp>
+            <p:nvSpPr>
+              <p:cNvPr id="106" name="TextBox 105">
+                <a:extLst>
+                  <a:ext uri="{FF2B5EF4-FFF2-40B4-BE49-F238E27FC236}">
+                    <a16:creationId xmlns:a16="http://schemas.microsoft.com/office/drawing/2014/main" id="{226BC688-C94F-4D0B-886D-91ECE6538D34}"/>
+                  </a:ext>
+                </a:extLst>
+              </p:cNvPr>
+              <p:cNvSpPr txBox="1"/>
+              <p:nvPr/>
+            </p:nvSpPr>
+            <p:spPr>
+              <a:xfrm>
+                <a:off x="424428" y="2762937"/>
+                <a:ext cx="1064652" cy="523220"/>
+              </a:xfrm>
+              <a:prstGeom prst="rect">
+                <a:avLst/>
+              </a:prstGeom>
+              <a:noFill/>
+            </p:spPr>
+            <p:txBody>
+              <a:bodyPr wrap="square" rtlCol="0">
+                <a:spAutoFit/>
+              </a:bodyPr>
+              <a:lstStyle/>
+              <a:p>
+                <a:pPr algn="ctr"/>
+                <a:r>
+                  <a:rPr lang="en-US" sz="1400" dirty="0"/>
+                  <a:t>Industrial Devices</a:t>
+                </a:r>
+              </a:p>
+            </p:txBody>
+          </p:sp>
+        </p:grpSp>
+        <p:grpSp>
+          <p:nvGrpSpPr>
+            <p:cNvPr id="97" name="Group 96">
+              <a:extLst>
+                <a:ext uri="{FF2B5EF4-FFF2-40B4-BE49-F238E27FC236}">
+                  <a16:creationId xmlns:a16="http://schemas.microsoft.com/office/drawing/2014/main" id="{F86EBC21-C7F1-46AD-82B0-453A81D270EE}"/>
+                </a:ext>
+              </a:extLst>
+            </p:cNvPr>
+            <p:cNvGrpSpPr/>
+            <p:nvPr/>
+          </p:nvGrpSpPr>
+          <p:grpSpPr>
+            <a:xfrm>
+              <a:off x="402683" y="4483799"/>
+              <a:ext cx="1118603" cy="1211355"/>
+              <a:chOff x="395552" y="4333352"/>
+              <a:chExt cx="1118603" cy="1211355"/>
+            </a:xfrm>
+          </p:grpSpPr>
+          <p:pic>
+            <p:nvPicPr>
+              <p:cNvPr id="103" name="Picture 40" descr="Azure Virtual Machine Png, Transparent Png - kindpng">
+                <a:extLst>
+                  <a:ext uri="{FF2B5EF4-FFF2-40B4-BE49-F238E27FC236}">
+                    <a16:creationId xmlns:a16="http://schemas.microsoft.com/office/drawing/2014/main" id="{53618425-5CB5-4479-B25B-84414A0EC994}"/>
+                  </a:ext>
+                </a:extLst>
+              </p:cNvPr>
+              <p:cNvPicPr>
+                <a:picLocks noChangeAspect="1" noChangeArrowheads="1"/>
+              </p:cNvPicPr>
+              <p:nvPr/>
+            </p:nvPicPr>
+            <p:blipFill>
+              <a:blip r:embed="rId16">
+                <a:extLst>
+                  <a:ext uri="{28A0092B-C50C-407E-A947-70E740481C1C}">
+                    <a14:useLocalDpi xmlns:a14="http://schemas.microsoft.com/office/drawing/2010/main" val="0"/>
+                  </a:ext>
+                </a:extLst>
+              </a:blip>
+              <a:srcRect/>
+              <a:stretch>
+                <a:fillRect/>
+              </a:stretch>
+            </p:blipFill>
+            <p:spPr bwMode="auto">
+              <a:xfrm>
+                <a:off x="548000" y="4333352"/>
+                <a:ext cx="705374" cy="662808"/>
+              </a:xfrm>
+              <a:prstGeom prst="rect">
+                <a:avLst/>
+              </a:prstGeom>
+              <a:noFill/>
+              <a:extLst>
+                <a:ext uri="{909E8E84-426E-40DD-AFC4-6F175D3DCCD1}">
+                  <a14:hiddenFill xmlns:a14="http://schemas.microsoft.com/office/drawing/2010/main">
+                    <a:solidFill>
+                      <a:srgbClr val="FFFFFF"/>
+                    </a:solidFill>
+                  </a14:hiddenFill>
+                </a:ext>
+              </a:extLst>
+            </p:spPr>
+          </p:pic>
+          <p:sp>
+            <p:nvSpPr>
+              <p:cNvPr id="104" name="TextBox 103">
+                <a:extLst>
+                  <a:ext uri="{FF2B5EF4-FFF2-40B4-BE49-F238E27FC236}">
+                    <a16:creationId xmlns:a16="http://schemas.microsoft.com/office/drawing/2014/main" id="{42B02063-574A-4A05-9B81-924E6A16DC0B}"/>
+                  </a:ext>
+                </a:extLst>
+              </p:cNvPr>
+              <p:cNvSpPr txBox="1"/>
+              <p:nvPr/>
+            </p:nvSpPr>
+            <p:spPr>
+              <a:xfrm>
+                <a:off x="395552" y="5021487"/>
+                <a:ext cx="1118603" cy="523220"/>
+              </a:xfrm>
+              <a:prstGeom prst="rect">
+                <a:avLst/>
+              </a:prstGeom>
+              <a:noFill/>
+            </p:spPr>
+            <p:txBody>
+              <a:bodyPr wrap="square" rtlCol="0">
+                <a:spAutoFit/>
+              </a:bodyPr>
+              <a:lstStyle/>
+              <a:p>
+                <a:pPr algn="ctr"/>
+                <a:r>
+                  <a:rPr lang="en-US" sz="1400" dirty="0"/>
+                  <a:t>Other Applications</a:t>
+                </a:r>
+              </a:p>
+            </p:txBody>
+          </p:sp>
+        </p:grpSp>
+        <p:grpSp>
+          <p:nvGrpSpPr>
+            <p:cNvPr id="98" name="Group 97">
+              <a:extLst>
+                <a:ext uri="{FF2B5EF4-FFF2-40B4-BE49-F238E27FC236}">
+                  <a16:creationId xmlns:a16="http://schemas.microsoft.com/office/drawing/2014/main" id="{74B17591-B257-4D38-B525-83D9E2ED5825}"/>
+                </a:ext>
+              </a:extLst>
+            </p:cNvPr>
+            <p:cNvGrpSpPr/>
+            <p:nvPr/>
+          </p:nvGrpSpPr>
+          <p:grpSpPr>
+            <a:xfrm>
+              <a:off x="440465" y="3380843"/>
+              <a:ext cx="986898" cy="1031554"/>
+              <a:chOff x="1964599" y="3915595"/>
+              <a:chExt cx="1135925" cy="1053714"/>
+            </a:xfrm>
+          </p:grpSpPr>
+          <p:sp>
+            <p:nvSpPr>
+              <p:cNvPr id="99" name="Rectangle: Rounded Corners 98">
+                <a:extLst>
+                  <a:ext uri="{FF2B5EF4-FFF2-40B4-BE49-F238E27FC236}">
+                    <a16:creationId xmlns:a16="http://schemas.microsoft.com/office/drawing/2014/main" id="{083C0145-3314-42AE-B538-476E55D3D15B}"/>
+                  </a:ext>
+                </a:extLst>
+              </p:cNvPr>
+              <p:cNvSpPr/>
+              <p:nvPr/>
+            </p:nvSpPr>
+            <p:spPr>
+              <a:xfrm>
+                <a:off x="1964599" y="3915595"/>
+                <a:ext cx="1135925" cy="931426"/>
+              </a:xfrm>
+              <a:prstGeom prst="roundRect">
+                <a:avLst>
+                  <a:gd name="adj" fmla="val 24699"/>
+                </a:avLst>
+              </a:prstGeom>
+            </p:spPr>
+            <p:style>
+              <a:lnRef idx="2">
+                <a:schemeClr val="accent3">
+                  <a:shade val="50000"/>
+                </a:schemeClr>
+              </a:lnRef>
+              <a:fillRef idx="1">
+                <a:schemeClr val="accent3"/>
+              </a:fillRef>
+              <a:effectRef idx="0">
+                <a:schemeClr val="accent3"/>
+              </a:effectRef>
+              <a:fontRef idx="minor">
+                <a:schemeClr val="lt1"/>
+              </a:fontRef>
+            </p:style>
+            <p:txBody>
+              <a:bodyPr rtlCol="0" anchor="ctr"/>
+              <a:lstStyle/>
+              <a:p>
+                <a:pPr algn="ctr"/>
+                <a:endParaRPr lang="en-US"/>
+              </a:p>
+            </p:txBody>
+          </p:sp>
+          <p:pic>
+            <p:nvPicPr>
+              <p:cNvPr id="100" name="Picture 99">
+                <a:extLst>
+                  <a:ext uri="{FF2B5EF4-FFF2-40B4-BE49-F238E27FC236}">
+                    <a16:creationId xmlns:a16="http://schemas.microsoft.com/office/drawing/2014/main" id="{BD201C52-E01A-4169-9B76-CAE43E494F4A}"/>
+                  </a:ext>
+                </a:extLst>
+              </p:cNvPr>
+              <p:cNvPicPr>
+                <a:picLocks noChangeAspect="1"/>
+              </p:cNvPicPr>
+              <p:nvPr/>
+            </p:nvPicPr>
+            <p:blipFill>
+              <a:blip r:embed="rId17"/>
+              <a:stretch>
+                <a:fillRect/>
+              </a:stretch>
+            </p:blipFill>
+            <p:spPr>
+              <a:xfrm>
+                <a:off x="2273262" y="3970660"/>
+                <a:ext cx="499957" cy="408342"/>
+              </a:xfrm>
+              <a:prstGeom prst="rect">
+                <a:avLst/>
+              </a:prstGeom>
+            </p:spPr>
+          </p:pic>
+          <p:sp>
+            <p:nvSpPr>
+              <p:cNvPr id="101" name="TextBox 100">
+                <a:extLst>
+                  <a:ext uri="{FF2B5EF4-FFF2-40B4-BE49-F238E27FC236}">
+                    <a16:creationId xmlns:a16="http://schemas.microsoft.com/office/drawing/2014/main" id="{A744EA5A-AA12-40F2-850A-D9B78DA5F39D}"/>
+                  </a:ext>
+                </a:extLst>
+              </p:cNvPr>
+              <p:cNvSpPr txBox="1"/>
+              <p:nvPr/>
+            </p:nvSpPr>
+            <p:spPr>
+              <a:xfrm>
+                <a:off x="2122713" y="4366001"/>
+                <a:ext cx="788878" cy="603308"/>
+              </a:xfrm>
+              <a:prstGeom prst="rect">
+                <a:avLst/>
+              </a:prstGeom>
+              <a:noFill/>
+            </p:spPr>
+            <p:txBody>
+              <a:bodyPr wrap="square" rtlCol="0">
+                <a:spAutoFit/>
+              </a:bodyPr>
+              <a:lstStyle/>
+              <a:p>
+                <a:pPr algn="ctr"/>
+                <a:r>
+                  <a:rPr lang="en-US" sz="1400" dirty="0"/>
+                  <a:t>Sensor Device</a:t>
+                </a:r>
+              </a:p>
+            </p:txBody>
+          </p:sp>
+        </p:grpSp>
+      </p:grpSp>
+      <p:grpSp>
+        <p:nvGrpSpPr>
+          <p:cNvPr id="109" name="Group 108">
+            <a:extLst>
+              <a:ext uri="{FF2B5EF4-FFF2-40B4-BE49-F238E27FC236}">
+                <a16:creationId xmlns:a16="http://schemas.microsoft.com/office/drawing/2014/main" id="{3980FC86-26ED-4307-909D-AD9FF27C491F}"/>
+              </a:ext>
+            </a:extLst>
+          </p:cNvPr>
+          <p:cNvGrpSpPr/>
+          <p:nvPr/>
+        </p:nvGrpSpPr>
+        <p:grpSpPr>
+          <a:xfrm>
+            <a:off x="10316683" y="2719544"/>
+            <a:ext cx="1320260" cy="1198396"/>
+            <a:chOff x="10316683" y="2719544"/>
+            <a:chExt cx="1320260" cy="1198396"/>
+          </a:xfrm>
+        </p:grpSpPr>
+        <p:sp>
+          <p:nvSpPr>
+            <p:cNvPr id="110" name="Rectangle: Rounded Corners 109">
+              <a:extLst>
+                <a:ext uri="{FF2B5EF4-FFF2-40B4-BE49-F238E27FC236}">
+                  <a16:creationId xmlns:a16="http://schemas.microsoft.com/office/drawing/2014/main" id="{11D80191-9EC6-49F7-9A9E-BEA7498C3670}"/>
+                </a:ext>
+              </a:extLst>
+            </p:cNvPr>
+            <p:cNvSpPr/>
+            <p:nvPr/>
+          </p:nvSpPr>
+          <p:spPr>
+            <a:xfrm>
+              <a:off x="10316683" y="2719544"/>
+              <a:ext cx="1288325" cy="1198396"/>
+            </a:xfrm>
+            <a:prstGeom prst="roundRect">
+              <a:avLst>
+                <a:gd name="adj" fmla="val 24699"/>
+              </a:avLst>
+            </a:prstGeom>
+          </p:spPr>
+          <p:style>
+            <a:lnRef idx="2">
+              <a:schemeClr val="accent3">
+                <a:shade val="50000"/>
+              </a:schemeClr>
+            </a:lnRef>
+            <a:fillRef idx="1">
+              <a:schemeClr val="accent3"/>
+            </a:fillRef>
+            <a:effectRef idx="0">
+              <a:schemeClr val="accent3"/>
+            </a:effectRef>
+            <a:fontRef idx="minor">
+              <a:schemeClr val="lt1"/>
+            </a:fontRef>
+          </p:style>
+          <p:txBody>
+            <a:bodyPr rtlCol="0" anchor="ctr"/>
+            <a:lstStyle/>
+            <a:p>
+              <a:pPr algn="ctr"/>
+              <a:endParaRPr lang="en-US"/>
+            </a:p>
+          </p:txBody>
+        </p:sp>
+        <p:grpSp>
+          <p:nvGrpSpPr>
+            <p:cNvPr id="111" name="Group 110">
+              <a:extLst>
+                <a:ext uri="{FF2B5EF4-FFF2-40B4-BE49-F238E27FC236}">
+                  <a16:creationId xmlns:a16="http://schemas.microsoft.com/office/drawing/2014/main" id="{335484A1-6223-4696-970B-A4E278D70460}"/>
+                </a:ext>
+              </a:extLst>
+            </p:cNvPr>
+            <p:cNvGrpSpPr/>
+            <p:nvPr/>
+          </p:nvGrpSpPr>
+          <p:grpSpPr>
+            <a:xfrm>
+              <a:off x="10341832" y="2955626"/>
+              <a:ext cx="1295111" cy="867576"/>
+              <a:chOff x="10348618" y="2888752"/>
+              <a:chExt cx="1295111" cy="867576"/>
+            </a:xfrm>
+          </p:grpSpPr>
+          <p:pic>
+            <p:nvPicPr>
+              <p:cNvPr id="112" name="Picture 28" descr="Announcing Azure Mobile Apps v4.2.0 for .NET - Xamarin Blog">
+                <a:extLst>
+                  <a:ext uri="{FF2B5EF4-FFF2-40B4-BE49-F238E27FC236}">
+                    <a16:creationId xmlns:a16="http://schemas.microsoft.com/office/drawing/2014/main" id="{A414788D-8E9A-4846-943E-752B66AA2920}"/>
+                  </a:ext>
+                </a:extLst>
+              </p:cNvPr>
+              <p:cNvPicPr>
+                <a:picLocks noChangeAspect="1" noChangeArrowheads="1"/>
+              </p:cNvPicPr>
+              <p:nvPr/>
+            </p:nvPicPr>
+            <p:blipFill>
+              <a:blip r:embed="rId18">
+                <a:extLst>
+                  <a:ext uri="{28A0092B-C50C-407E-A947-70E740481C1C}">
+                    <a14:useLocalDpi xmlns:a14="http://schemas.microsoft.com/office/drawing/2010/main" val="0"/>
+                  </a:ext>
+                </a:extLst>
+              </a:blip>
+              <a:srcRect/>
+              <a:stretch>
+                <a:fillRect/>
+              </a:stretch>
+            </p:blipFill>
+            <p:spPr bwMode="auto">
+              <a:xfrm>
+                <a:off x="10507948" y="2888752"/>
+                <a:ext cx="962877" cy="505510"/>
+              </a:xfrm>
+              <a:prstGeom prst="rect">
+                <a:avLst/>
+              </a:prstGeom>
+              <a:noFill/>
+              <a:extLst>
+                <a:ext uri="{909E8E84-426E-40DD-AFC4-6F175D3DCCD1}">
+                  <a14:hiddenFill xmlns:a14="http://schemas.microsoft.com/office/drawing/2010/main">
+                    <a:solidFill>
+                      <a:srgbClr val="FFFFFF"/>
+                    </a:solidFill>
+                  </a14:hiddenFill>
+                </a:ext>
+              </a:extLst>
+            </p:spPr>
+          </p:pic>
+          <p:sp>
+            <p:nvSpPr>
+              <p:cNvPr id="113" name="TextBox 112">
+                <a:extLst>
+                  <a:ext uri="{FF2B5EF4-FFF2-40B4-BE49-F238E27FC236}">
+                    <a16:creationId xmlns:a16="http://schemas.microsoft.com/office/drawing/2014/main" id="{AD9D7085-AD3B-44B0-9432-2ADE469F768F}"/>
+                  </a:ext>
+                </a:extLst>
+              </p:cNvPr>
+              <p:cNvSpPr txBox="1"/>
+              <p:nvPr/>
+            </p:nvSpPr>
+            <p:spPr>
+              <a:xfrm>
+                <a:off x="10348618" y="3448551"/>
+                <a:ext cx="1295111" cy="307777"/>
+              </a:xfrm>
+              <a:prstGeom prst="rect">
+                <a:avLst/>
+              </a:prstGeom>
+              <a:noFill/>
+            </p:spPr>
+            <p:txBody>
+              <a:bodyPr wrap="square" rtlCol="0">
+                <a:spAutoFit/>
+              </a:bodyPr>
+              <a:lstStyle/>
+              <a:p>
+                <a:pPr algn="ctr"/>
+                <a:r>
+                  <a:rPr lang="en-US" sz="1400" dirty="0"/>
+                  <a:t>Mobile App</a:t>
+                </a:r>
+              </a:p>
+            </p:txBody>
+          </p:sp>
+        </p:grpSp>
+      </p:grpSp>
+    </p:spTree>
+    <p:extLst>
+      <p:ext uri="{BB962C8B-B14F-4D97-AF65-F5344CB8AC3E}">
+        <p14:creationId xmlns:p14="http://schemas.microsoft.com/office/powerpoint/2010/main" val="1776192568"/>
+      </p:ext>
+    </p:extLst>
+  </p:cSld>
+  <p:clrMapOvr>
+    <a:masterClrMapping/>
+  </p:clrMapOvr>
+</p:sld>
+</file>
+
+<file path=ppt/slides/slide3.xml><?xml version="1.0" encoding="utf-8"?>
 <p:sld xmlns:a="http://schemas.openxmlformats.org/drawingml/2006/main" xmlns:r="http://schemas.openxmlformats.org/officeDocument/2006/relationships" xmlns:p="http://schemas.openxmlformats.org/presentationml/2006/main">
   <p:cSld>
     <p:spTree>
@@ -5740,7 +9945,7 @@
             <a:p>
               <a:r>
                 <a:rPr lang="en-US" sz="1400" b="1" dirty="0"/>
-                <a:t>           IoT Things Field</a:t>
+                <a:t>           IoT Things</a:t>
               </a:r>
             </a:p>
           </p:txBody>
@@ -5791,7 +9996,7 @@
         <p:spPr>
           <a:xfrm>
             <a:off x="178408" y="875606"/>
-            <a:ext cx="11824295" cy="2031325"/>
+            <a:ext cx="11824295" cy="1477328"/>
           </a:xfrm>
           <a:prstGeom prst="rect">
             <a:avLst/>
@@ -5805,74 +10010,16 @@
           <a:lstStyle/>
           <a:p>
             <a:r>
+              <a:rPr lang="en-US" b="1" dirty="0" err="1"/>
+              <a:t>Iot</a:t>
+            </a:r>
+            <a:r>
               <a:rPr lang="en-US" b="1" dirty="0"/>
-              <a:t>Industrial Devices : </a:t>
+              <a:t> Technology Stack: </a:t>
             </a:r>
             <a:r>
               <a:rPr lang="en-US" dirty="0"/>
-              <a:t>Communication Protocols (TCS, MQTT, USB, Serial port communication ), Analog and Digital signal.</a:t>
-            </a:r>
-          </a:p>
-          <a:p>
-            <a:r>
-              <a:rPr lang="en-US" b="1" dirty="0"/>
-              <a:t>Senser Devices </a:t>
-            </a:r>
-            <a:r>
-              <a:rPr lang="en-US" dirty="0"/>
-              <a:t>:  Knowle of C++, Python, Control System is required. </a:t>
-            </a:r>
-            <a:br>
-              <a:rPr lang="en-US" dirty="0"/>
-            </a:br>
-            <a:r>
-              <a:rPr lang="en-US" b="1" dirty="0"/>
-              <a:t>Other software applications: </a:t>
-            </a:r>
-            <a:r>
-              <a:rPr lang="en-US" dirty="0"/>
-              <a:t> API Communication, USB, Serial port communication.</a:t>
-            </a:r>
-          </a:p>
-          <a:p>
-            <a:r>
-              <a:rPr lang="en-US" b="1" dirty="0"/>
-              <a:t>Azure IoT Edge: </a:t>
-            </a:r>
-            <a:r>
-              <a:rPr lang="en-US" dirty="0"/>
-              <a:t>Azure IoT Edge modules with C# or python.</a:t>
-            </a:r>
-          </a:p>
-          <a:p>
-            <a:r>
-              <a:rPr lang="en-US" b="1" dirty="0"/>
-              <a:t>MQTT: </a:t>
-            </a:r>
-            <a:r>
-              <a:rPr lang="en-US" dirty="0"/>
-              <a:t>MQTT message communication protocol.</a:t>
-            </a:r>
-            <a:br>
-              <a:rPr lang="en-US" dirty="0"/>
-            </a:br>
-            <a:r>
-              <a:rPr lang="en-US" b="1" dirty="0"/>
-              <a:t>IoT Edge Device: </a:t>
-            </a:r>
-            <a:r>
-              <a:rPr lang="en-US" dirty="0"/>
-              <a:t>Linux VM or Raspberry PI Hardware or mini Hardware compatible with Linux OS</a:t>
-            </a:r>
-          </a:p>
-          <a:p>
-            <a:r>
-              <a:rPr lang="en-US" b="1" dirty="0"/>
-              <a:t>Industry standard protocol : </a:t>
-            </a:r>
-            <a:r>
-              <a:rPr lang="en-US" dirty="0"/>
-              <a:t>Spark Plugin, </a:t>
+              <a:t>C++ / Python, MQTT, TCP, Azure IoT Edge, C# Knowledge Control System. Optional industry standard like Spark Plugin, </a:t>
             </a:r>
             <a:r>
               <a:rPr lang="en-US" dirty="0" err="1"/>
@@ -5880,7 +10027,38 @@
             </a:r>
             <a:r>
               <a:rPr lang="en-US" dirty="0"/>
-              <a:t> </a:t>
+              <a:t> communication.</a:t>
+            </a:r>
+          </a:p>
+          <a:p>
+            <a:r>
+              <a:rPr lang="en-US" b="1" dirty="0"/>
+              <a:t>IoT Edge Device: </a:t>
+            </a:r>
+            <a:r>
+              <a:rPr lang="en-US" dirty="0"/>
+              <a:t>Linux VM or Raspberry PI Hardware or mini Hardware compatible with Linux OS.</a:t>
+            </a:r>
+          </a:p>
+          <a:p>
+            <a:r>
+              <a:rPr lang="en-US" b="1" dirty="0"/>
+              <a:t>Industrial Devices : </a:t>
+            </a:r>
+            <a:r>
+              <a:rPr lang="en-US" dirty="0"/>
+              <a:t>Communication Protocols (TCP, MQTT, USB, Serial port communication ), Analog and Digital signal.</a:t>
+            </a:r>
+            <a:br>
+              <a:rPr lang="en-US" dirty="0"/>
+            </a:br>
+            <a:r>
+              <a:rPr lang="en-US" b="1" dirty="0"/>
+              <a:t>Other Software applications: </a:t>
+            </a:r>
+            <a:r>
+              <a:rPr lang="en-US" dirty="0"/>
+              <a:t> TCS,USB, API Communication, Serial port communication.</a:t>
             </a:r>
           </a:p>
         </p:txBody>
@@ -6017,16 +10195,20 @@
           </a:p>
           <a:p>
             <a:r>
-              <a:rPr lang="en-US" b="1" dirty="0" err="1"/>
+              <a:rPr lang="en-US" b="1" dirty="0"/>
+              <a:t>Web API</a:t>
+            </a:r>
+            <a:r>
+              <a:rPr lang="en-US" dirty="0"/>
+              <a:t>: C#, </a:t>
+            </a:r>
+            <a:r>
+              <a:rPr lang="en-US" dirty="0" err="1"/>
               <a:t>ASP.Net</a:t>
             </a:r>
             <a:r>
-              <a:rPr lang="en-US" b="1" dirty="0"/>
-              <a:t> Core Web API</a:t>
-            </a:r>
-            <a:r>
               <a:rPr lang="en-US" dirty="0"/>
-              <a:t>:  Plays role of receiving telemetry data and device configuration or remote control.</a:t>
+              <a:t> Core web API, </a:t>
             </a:r>
             <a:br>
               <a:rPr lang="en-US" dirty="0"/>
@@ -6037,7 +10219,7 @@
             </a:r>
             <a:r>
               <a:rPr lang="en-US" dirty="0"/>
-              <a:t>Processing of device streamed, Video , Image  data.</a:t>
+              <a:t>Processing of device streamed, video, image  data.</a:t>
             </a:r>
           </a:p>
           <a:p>
@@ -6051,7 +10233,7 @@
             </a:r>
             <a:r>
               <a:rPr lang="en-US" dirty="0"/>
-              <a:t>Store unstructured data. Or large telemetry data.</a:t>
+              <a:t>Unstructured IoT data or large telemetry data.</a:t>
             </a:r>
           </a:p>
           <a:p>
@@ -6061,7 +10243,7 @@
             </a:r>
             <a:r>
               <a:rPr lang="en-US" dirty="0"/>
-              <a:t>Store large time series data. Telemetry data. </a:t>
+              <a:t>Large time series telemetry data. </a:t>
             </a:r>
           </a:p>
         </p:txBody>
@@ -6107,7 +10289,7 @@
           <a:p>
             <a:r>
               <a:rPr lang="en-US" sz="1400" b="1" dirty="0"/>
-              <a:t>          UI Apps</a:t>
+              <a:t>          UI Application</a:t>
             </a:r>
           </a:p>
         </p:txBody>
@@ -6189,19 +10371,11 @@
           <a:p>
             <a:r>
               <a:rPr lang="en-US" b="1" dirty="0"/>
-              <a:t>Angular / React UI: </a:t>
+              <a:t>UI Application: </a:t>
             </a:r>
             <a:r>
               <a:rPr lang="en-US" dirty="0"/>
-              <a:t>Presentation for  layer for </a:t>
-            </a:r>
-            <a:r>
-              <a:rPr lang="en-US" dirty="0" err="1"/>
-              <a:t>Iot</a:t>
-            </a:r>
-            <a:r>
-              <a:rPr lang="en-US" dirty="0"/>
-              <a:t>, Device details, telemetry graphical data Presentation. </a:t>
+              <a:t>Angular / React UI application for telemetry data, Chart and graphical  presentation of device telemetry data.</a:t>
             </a:r>
             <a:br>
               <a:rPr lang="en-US" b="1" dirty="0"/>
@@ -6212,7 +10386,7 @@
             </a:r>
             <a:r>
               <a:rPr lang="en-US" dirty="0"/>
-              <a:t>IoT notification, alert and , telemetry graphical data Presentation. (responsive UI compatible with mobile )</a:t>
+              <a:t>IoT Device Notification, Alert, telemetry data Presentation. (responsive UI compatible with mobile )</a:t>
             </a:r>
           </a:p>
           <a:p>
@@ -6293,6 +10467,71 @@
     <p:extLst>
       <p:ext uri="{BB962C8B-B14F-4D97-AF65-F5344CB8AC3E}">
         <p14:creationId xmlns:p14="http://schemas.microsoft.com/office/powerpoint/2010/main" val="3777015007"/>
+      </p:ext>
+    </p:extLst>
+  </p:cSld>
+  <p:clrMapOvr>
+    <a:masterClrMapping/>
+  </p:clrMapOvr>
+</p:sld>
+</file>
+
+<file path=ppt/slides/slide4.xml><?xml version="1.0" encoding="utf-8"?>
+<p:sld xmlns:a="http://schemas.openxmlformats.org/drawingml/2006/main" xmlns:r="http://schemas.openxmlformats.org/officeDocument/2006/relationships" xmlns:p="http://schemas.openxmlformats.org/presentationml/2006/main">
+  <p:cSld>
+    <p:spTree>
+      <p:nvGrpSpPr>
+        <p:cNvPr id="1" name=""/>
+        <p:cNvGrpSpPr/>
+        <p:nvPr/>
+      </p:nvGrpSpPr>
+      <p:grpSpPr>
+        <a:xfrm>
+          <a:off x="0" y="0"/>
+          <a:ext cx="0" cy="0"/>
+          <a:chOff x="0" y="0"/>
+          <a:chExt cx="0" cy="0"/>
+        </a:xfrm>
+      </p:grpSpPr>
+      <p:sp>
+        <p:nvSpPr>
+          <p:cNvPr id="4" name="TextBox 3">
+            <a:extLst>
+              <a:ext uri="{FF2B5EF4-FFF2-40B4-BE49-F238E27FC236}">
+                <a16:creationId xmlns:a16="http://schemas.microsoft.com/office/drawing/2014/main" id="{262CF873-CC8D-435F-9454-0BA37EEE136C}"/>
+              </a:ext>
+            </a:extLst>
+          </p:cNvPr>
+          <p:cNvSpPr txBox="1"/>
+          <p:nvPr/>
+        </p:nvSpPr>
+        <p:spPr>
+          <a:xfrm>
+            <a:off x="798897" y="567891"/>
+            <a:ext cx="11393103" cy="369332"/>
+          </a:xfrm>
+          <a:prstGeom prst="rect">
+            <a:avLst/>
+          </a:prstGeom>
+          <a:noFill/>
+        </p:spPr>
+        <p:txBody>
+          <a:bodyPr wrap="square" rtlCol="0">
+            <a:spAutoFit/>
+          </a:bodyPr>
+          <a:lstStyle/>
+          <a:p>
+            <a:r>
+              <a:rPr lang="en-US" dirty="0"/>
+              <a:t>Visual studio Code, WSL docker</a:t>
+            </a:r>
+          </a:p>
+        </p:txBody>
+      </p:sp>
+    </p:spTree>
+    <p:extLst>
+      <p:ext uri="{BB962C8B-B14F-4D97-AF65-F5344CB8AC3E}">
+        <p14:creationId xmlns:p14="http://schemas.microsoft.com/office/powerpoint/2010/main" val="2850202452"/>
       </p:ext>
     </p:extLst>
   </p:cSld>
